--- a/presentation/ppt.pptx
+++ b/presentation/ppt.pptx
@@ -17,9 +17,14 @@
     <p:sldId id="350" r:id="rId11"/>
     <p:sldId id="351" r:id="rId12"/>
     <p:sldId id="322" r:id="rId13"/>
-    <p:sldId id="334" r:id="rId14"/>
-    <p:sldId id="338" r:id="rId15"/>
-    <p:sldId id="299" r:id="rId16"/>
+    <p:sldId id="352" r:id="rId14"/>
+    <p:sldId id="353" r:id="rId15"/>
+    <p:sldId id="354" r:id="rId16"/>
+    <p:sldId id="355" r:id="rId17"/>
+    <p:sldId id="356" r:id="rId18"/>
+    <p:sldId id="334" r:id="rId19"/>
+    <p:sldId id="338" r:id="rId20"/>
+    <p:sldId id="299" r:id="rId21"/>
   </p:sldIdLst>
   <p:sldSz cx="4610100" cy="3460750"/>
   <p:notesSz cx="4610100" cy="3460750"/>
@@ -296,7 +301,7 @@
           <a:p>
             <a:fld id="{1D8BD707-D9CF-40AE-B4C6-C98DA3205C09}" type="datetimeFigureOut">
               <a:rPr lang="en-US"/>
-              <a:t>12/4/2020</a:t>
+              <a:t>12/5/2020</a:t>
             </a:fld>
             <a:endParaRPr lang="en-US"/>
           </a:p>
@@ -506,7 +511,7 @@
           <a:p>
             <a:fld id="{1D8BD707-D9CF-40AE-B4C6-C98DA3205C09}" type="datetimeFigureOut">
               <a:rPr lang="en-US"/>
-              <a:t>12/4/2020</a:t>
+              <a:t>12/5/2020</a:t>
             </a:fld>
             <a:endParaRPr lang="en-US"/>
           </a:p>
@@ -753,7 +758,7 @@
           <a:p>
             <a:fld id="{1D8BD707-D9CF-40AE-B4C6-C98DA3205C09}" type="datetimeFigureOut">
               <a:rPr lang="en-US"/>
-              <a:t>12/4/2020</a:t>
+              <a:t>12/5/2020</a:t>
             </a:fld>
             <a:endParaRPr lang="en-US"/>
           </a:p>
@@ -1576,7 +1581,7 @@
           <a:p>
             <a:fld id="{1D8BD707-D9CF-40AE-B4C6-C98DA3205C09}" type="datetimeFigureOut">
               <a:rPr lang="en-US"/>
-              <a:t>12/4/2020</a:t>
+              <a:t>12/5/2020</a:t>
             </a:fld>
             <a:endParaRPr lang="en-US"/>
           </a:p>
@@ -1728,7 +1733,7 @@
           <a:p>
             <a:fld id="{1D8BD707-D9CF-40AE-B4C6-C98DA3205C09}" type="datetimeFigureOut">
               <a:rPr lang="en-US"/>
-              <a:t>12/4/2020</a:t>
+              <a:t>12/5/2020</a:t>
             </a:fld>
             <a:endParaRPr lang="en-US"/>
           </a:p>
@@ -3050,7 +3055,7 @@
           <a:p>
             <a:fld id="{1D8BD707-D9CF-40AE-B4C6-C98DA3205C09}" type="datetimeFigureOut">
               <a:rPr lang="en-US"/>
-              <a:t>12/4/2020</a:t>
+              <a:t>12/5/2020</a:t>
             </a:fld>
             <a:endParaRPr lang="en-US"/>
           </a:p>
@@ -5095,7 +5100,7 @@
             <p:spPr>
               <a:xfrm>
                 <a:off x="95250" y="1122337"/>
-                <a:ext cx="4288100" cy="1147045"/>
+                <a:ext cx="4288100" cy="1368965"/>
               </a:xfrm>
               <a:prstGeom prst="rect">
                 <a:avLst/>
@@ -5180,7 +5185,46 @@
                     <a:latin typeface="LM Sans 10"/>
                     <a:cs typeface="LM Sans 10"/>
                   </a:rPr>
-                  <a:t>Agents select action </a:t>
+                  <a:t>Agents select actions </a:t>
+                </a:r>
+                <a14:m>
+                  <m:oMath xmlns:m="http://schemas.openxmlformats.org/officeDocument/2006/math">
+                    <m:sSup>
+                      <m:sSupPr>
+                        <m:ctrlPr>
+                          <a:rPr lang="en-GB" sz="1400" b="0" i="1" spc="-10" smtClean="0">
+                            <a:latin typeface="Cambria Math" panose="02040503050406030204" pitchFamily="18" charset="0"/>
+                            <a:cs typeface="LM Sans 10"/>
+                          </a:rPr>
+                        </m:ctrlPr>
+                      </m:sSupPr>
+                      <m:e>
+                        <m:r>
+                          <a:rPr lang="en-GB" sz="1400" b="0" i="1" spc="-10" smtClean="0">
+                            <a:latin typeface="Cambria Math" panose="02040503050406030204" pitchFamily="18" charset="0"/>
+                            <a:cs typeface="LM Sans 10"/>
+                          </a:rPr>
+                          <m:t>𝑢</m:t>
+                        </m:r>
+                      </m:e>
+                      <m:sup>
+                        <m:r>
+                          <a:rPr lang="en-GB" sz="1400" b="0" i="1" spc="-10" smtClean="0">
+                            <a:latin typeface="Cambria Math" panose="02040503050406030204" pitchFamily="18" charset="0"/>
+                            <a:cs typeface="LM Sans 10"/>
+                          </a:rPr>
+                          <m:t>𝑎</m:t>
+                        </m:r>
+                      </m:sup>
+                    </m:sSup>
+                  </m:oMath>
+                </a14:m>
+                <a:r>
+                  <a:rPr lang="en-GB" sz="1400" spc="-10" dirty="0">
+                    <a:latin typeface="LM Sans 10"/>
+                    <a:cs typeface="LM Sans 10"/>
+                  </a:rPr>
+                  <a:t> to form joint action </a:t>
                 </a:r>
                 <a14:m>
                   <m:oMath xmlns:m="http://schemas.openxmlformats.org/officeDocument/2006/math">
@@ -5189,7 +5233,7 @@
                         <a:latin typeface="Cambria Math" panose="02040503050406030204" pitchFamily="18" charset="0"/>
                         <a:cs typeface="LM Sans 10"/>
                       </a:rPr>
-                      <m:t>𝑎</m:t>
+                      <m:t>𝑢</m:t>
                     </m:r>
                   </m:oMath>
                 </a14:m>
@@ -5198,7 +5242,7 @@
                     <a:latin typeface="LM Sans 10"/>
                     <a:cs typeface="LM Sans 10"/>
                   </a:rPr>
-                  <a:t> and optimize their policy </a:t>
+                  <a:t> and optimize their joint policy </a:t>
                 </a:r>
                 <a14:m>
                   <m:oMath xmlns:m="http://schemas.openxmlformats.org/officeDocument/2006/math">
@@ -5238,7 +5282,7 @@
                                 <a:ea typeface="Cambria Math" panose="02040503050406030204" pitchFamily="18" charset="0"/>
                                 <a:cs typeface="LM Sans 10"/>
                               </a:rPr>
-                              <m:t>𝑎</m:t>
+                              <m:t>𝑢</m:t>
                             </m:r>
                           </m:e>
                           <m:sub>
@@ -5382,7 +5426,7 @@
             <p:spPr>
               <a:xfrm>
                 <a:off x="95250" y="1122337"/>
-                <a:ext cx="4288100" cy="1147045"/>
+                <a:ext cx="4288100" cy="1368965"/>
               </a:xfrm>
               <a:prstGeom prst="rect">
                 <a:avLst/>
@@ -5390,7 +5434,7 @@
               <a:blipFill>
                 <a:blip r:embed="rId2"/>
                 <a:stretch>
-                  <a:fillRect l="-2134" t="-4255" r="-142" b="-9043"/>
+                  <a:fillRect l="-2134" t="-3556" r="-3272" b="-7111"/>
                 </a:stretch>
               </a:blipFill>
             </p:spPr>
@@ -5411,10 +5455,10 @@
       </mc:AlternateContent>
       <p:pic>
         <p:nvPicPr>
-          <p:cNvPr id="7" name="Picture 6">
+          <p:cNvPr id="3" name="Picture 2">
             <a:extLst>
               <a:ext uri="{FF2B5EF4-FFF2-40B4-BE49-F238E27FC236}">
-                <a16:creationId xmlns:a16="http://schemas.microsoft.com/office/drawing/2014/main" id="{D87B01B7-7F49-45F3-B12E-356510A5421E}"/>
+                <a16:creationId xmlns:a16="http://schemas.microsoft.com/office/drawing/2014/main" id="{0F7D9604-4933-451F-A79F-8FB1599A6C2B}"/>
               </a:ext>
             </a:extLst>
           </p:cNvPr>
@@ -5431,8 +5475,8 @@
         </p:blipFill>
         <p:spPr>
           <a:xfrm>
-            <a:off x="584276" y="2405777"/>
-            <a:ext cx="2990850" cy="478357"/>
+            <a:off x="736137" y="2568575"/>
+            <a:ext cx="2533650" cy="377948"/>
           </a:xfrm>
           <a:prstGeom prst="rect">
             <a:avLst/>
@@ -6030,104 +6074,6 @@
           </a:p>
         </p:txBody>
       </p:sp>
-      <p:sp>
-        <p:nvSpPr>
-          <p:cNvPr id="11" name="object 4">
-            <a:extLst>
-              <a:ext uri="{FF2B5EF4-FFF2-40B4-BE49-F238E27FC236}">
-                <a16:creationId xmlns:a16="http://schemas.microsoft.com/office/drawing/2014/main" id="{DAF49639-2E05-48B3-8BB7-C9945C682C66}"/>
-              </a:ext>
-            </a:extLst>
-          </p:cNvPr>
-          <p:cNvSpPr txBox="1"/>
-          <p:nvPr/>
-        </p:nvSpPr>
-        <p:spPr>
-          <a:xfrm>
-            <a:off x="226750" y="946753"/>
-            <a:ext cx="4288100" cy="219484"/>
-          </a:xfrm>
-          <a:prstGeom prst="rect">
-            <a:avLst/>
-          </a:prstGeom>
-        </p:spPr>
-        <p:txBody>
-          <a:bodyPr vert="horz" wrap="square" lIns="0" tIns="6985" rIns="0" bIns="0" rtlCol="0">
-            <a:spAutoFit/>
-          </a:bodyPr>
-          <a:lstStyle/>
-          <a:p>
-            <a:pPr marL="12700" marR="5080">
-              <a:lnSpc>
-                <a:spcPct val="102600"/>
-              </a:lnSpc>
-              <a:spcBef>
-                <a:spcPts val="55"/>
-              </a:spcBef>
-            </a:pPr>
-            <a:r>
-              <a:rPr lang="en-GB" sz="1400" spc="-10" dirty="0">
-                <a:latin typeface="LM Sans 10"/>
-                <a:cs typeface="LM Sans 10"/>
-              </a:rPr>
-              <a:t>Minimize surprise by utilizing energy across agents</a:t>
-            </a:r>
-            <a:endParaRPr sz="1400" dirty="0">
-              <a:latin typeface="Arial"/>
-              <a:cs typeface="Arial"/>
-            </a:endParaRPr>
-          </a:p>
-        </p:txBody>
-      </p:sp>
-      <p:sp>
-        <p:nvSpPr>
-          <p:cNvPr id="21" name="object 4">
-            <a:extLst>
-              <a:ext uri="{FF2B5EF4-FFF2-40B4-BE49-F238E27FC236}">
-                <a16:creationId xmlns:a16="http://schemas.microsoft.com/office/drawing/2014/main" id="{921C492B-BA26-41BA-9A41-D932D3639D79}"/>
-              </a:ext>
-            </a:extLst>
-          </p:cNvPr>
-          <p:cNvSpPr txBox="1"/>
-          <p:nvPr/>
-        </p:nvSpPr>
-        <p:spPr>
-          <a:xfrm>
-            <a:off x="584276" y="2194824"/>
-            <a:ext cx="4288100" cy="219484"/>
-          </a:xfrm>
-          <a:prstGeom prst="rect">
-            <a:avLst/>
-          </a:prstGeom>
-        </p:spPr>
-        <p:txBody>
-          <a:bodyPr vert="horz" wrap="square" lIns="0" tIns="6985" rIns="0" bIns="0" rtlCol="0">
-            <a:spAutoFit/>
-          </a:bodyPr>
-          <a:lstStyle/>
-          <a:p>
-            <a:pPr marL="12700" marR="5080">
-              <a:lnSpc>
-                <a:spcPct val="102600"/>
-              </a:lnSpc>
-              <a:spcBef>
-                <a:spcPts val="55"/>
-              </a:spcBef>
-            </a:pPr>
-            <a:r>
-              <a:rPr lang="en-GB" sz="1400" spc="-10" dirty="0">
-                <a:latin typeface="LM Sans 10"/>
-                <a:cs typeface="LM Sans 10"/>
-              </a:rPr>
-              <a:t>Mutual energy acts as intrinsic motivation</a:t>
-            </a:r>
-            <a:endParaRPr sz="1400" dirty="0">
-              <a:latin typeface="Arial"/>
-              <a:cs typeface="Arial"/>
-            </a:endParaRPr>
-          </a:p>
-        </p:txBody>
-      </p:sp>
       <p:grpSp>
         <p:nvGrpSpPr>
           <p:cNvPr id="17" name="object 7">
@@ -6502,7 +6448,7 @@
                 <a:latin typeface="LM Sans 12"/>
                 <a:cs typeface="LM Sans 12"/>
               </a:rPr>
-              <a:t>The EMIX Objective</a:t>
+              <a:t>Q-Learning</a:t>
             </a:r>
             <a:endParaRPr sz="1400" dirty="0">
               <a:solidFill>
@@ -6516,12 +6462,434 @@
           </a:p>
         </p:txBody>
       </p:sp>
+      <mc:AlternateContent xmlns:mc="http://schemas.openxmlformats.org/markup-compatibility/2006">
+        <mc:Choice xmlns:a14="http://schemas.microsoft.com/office/drawing/2010/main" Requires="a14">
+          <p:sp>
+            <p:nvSpPr>
+              <p:cNvPr id="16" name="object 4">
+                <a:extLst>
+                  <a:ext uri="{FF2B5EF4-FFF2-40B4-BE49-F238E27FC236}">
+                    <a16:creationId xmlns:a16="http://schemas.microsoft.com/office/drawing/2014/main" id="{2430863C-1AB2-43E0-8FDB-DC1536DEB739}"/>
+                  </a:ext>
+                </a:extLst>
+              </p:cNvPr>
+              <p:cNvSpPr txBox="1"/>
+              <p:nvPr/>
+            </p:nvSpPr>
+            <p:spPr>
+              <a:xfrm>
+                <a:off x="95250" y="815975"/>
+                <a:ext cx="4288100" cy="2764603"/>
+              </a:xfrm>
+              <a:prstGeom prst="rect">
+                <a:avLst/>
+              </a:prstGeom>
+            </p:spPr>
+            <p:txBody>
+              <a:bodyPr vert="horz" wrap="square" lIns="0" tIns="6985" rIns="0" bIns="0" rtlCol="0">
+                <a:spAutoFit/>
+              </a:bodyPr>
+              <a:lstStyle/>
+              <a:p>
+                <a:pPr marL="298450" marR="5080" indent="-285750">
+                  <a:lnSpc>
+                    <a:spcPct val="102600"/>
+                  </a:lnSpc>
+                  <a:spcBef>
+                    <a:spcPts val="55"/>
+                  </a:spcBef>
+                  <a:buFont typeface="Wingdings" panose="05000000000000000000" pitchFamily="2" charset="2"/>
+                  <a:buChar char="q"/>
+                </a:pPr>
+                <a:r>
+                  <a:rPr lang="en-GB" sz="1400" spc="-10" dirty="0">
+                    <a:latin typeface="LM Sans 10"/>
+                    <a:cs typeface="LM Sans 10"/>
+                  </a:rPr>
+                  <a:t>A form of Reinforcement Learning (RL)</a:t>
+                </a:r>
+              </a:p>
+              <a:p>
+                <a:pPr marL="298450" marR="5080" indent="-285750">
+                  <a:lnSpc>
+                    <a:spcPct val="102600"/>
+                  </a:lnSpc>
+                  <a:spcBef>
+                    <a:spcPts val="55"/>
+                  </a:spcBef>
+                  <a:buFont typeface="Wingdings" panose="05000000000000000000" pitchFamily="2" charset="2"/>
+                  <a:buChar char="q"/>
+                </a:pPr>
+                <a:r>
+                  <a:rPr lang="en-GB" sz="1400" spc="-10" dirty="0">
+                    <a:latin typeface="LM Sans 10"/>
+                    <a:cs typeface="LM Sans 10"/>
+                  </a:rPr>
+                  <a:t>Agents select joint action </a:t>
+                </a:r>
+                <a14:m>
+                  <m:oMath xmlns:m="http://schemas.openxmlformats.org/officeDocument/2006/math">
+                    <m:r>
+                      <a:rPr lang="en-GB" sz="1400" b="0" i="1" spc="-10" smtClean="0">
+                        <a:latin typeface="Cambria Math" panose="02040503050406030204" pitchFamily="18" charset="0"/>
+                        <a:cs typeface="LM Sans 10"/>
+                      </a:rPr>
+                      <m:t>𝑎</m:t>
+                    </m:r>
+                  </m:oMath>
+                </a14:m>
+                <a:r>
+                  <a:rPr lang="en-GB" sz="1400" spc="-10" dirty="0">
+                    <a:latin typeface="LM Sans 10"/>
+                    <a:cs typeface="LM Sans 10"/>
+                  </a:rPr>
+                  <a:t> and optimize their policy </a:t>
+                </a:r>
+                <a14:m>
+                  <m:oMath xmlns:m="http://schemas.openxmlformats.org/officeDocument/2006/math">
+                    <m:r>
+                      <a:rPr lang="en-GB" sz="1400" i="1" spc="-10" smtClean="0">
+                        <a:latin typeface="Cambria Math" panose="02040503050406030204" pitchFamily="18" charset="0"/>
+                        <a:ea typeface="Cambria Math" panose="02040503050406030204" pitchFamily="18" charset="0"/>
+                        <a:cs typeface="LM Sans 10"/>
+                      </a:rPr>
+                      <m:t>𝜋</m:t>
+                    </m:r>
+                    <m:d>
+                      <m:dPr>
+                        <m:ctrlPr>
+                          <a:rPr lang="en-GB" sz="1400" b="0" i="1" spc="-10" smtClean="0">
+                            <a:latin typeface="Cambria Math" panose="02040503050406030204" pitchFamily="18" charset="0"/>
+                            <a:ea typeface="Cambria Math" panose="02040503050406030204" pitchFamily="18" charset="0"/>
+                            <a:cs typeface="LM Sans 10"/>
+                          </a:rPr>
+                        </m:ctrlPr>
+                      </m:dPr>
+                      <m:e>
+                        <m:sSub>
+                          <m:sSubPr>
+                            <m:ctrlPr>
+                              <a:rPr lang="en-GB" sz="1400" b="0" i="1" spc="-10" smtClean="0">
+                                <a:latin typeface="Cambria Math" panose="02040503050406030204" pitchFamily="18" charset="0"/>
+                                <a:ea typeface="Cambria Math" panose="02040503050406030204" pitchFamily="18" charset="0"/>
+                                <a:cs typeface="LM Sans 10"/>
+                              </a:rPr>
+                            </m:ctrlPr>
+                          </m:sSubPr>
+                          <m:e>
+                            <m:r>
+                              <a:rPr lang="en-GB" sz="1400" b="0" i="1" spc="-10" smtClean="0">
+                                <a:latin typeface="Cambria Math" panose="02040503050406030204" pitchFamily="18" charset="0"/>
+                                <a:ea typeface="Cambria Math" panose="02040503050406030204" pitchFamily="18" charset="0"/>
+                                <a:cs typeface="LM Sans 10"/>
+                              </a:rPr>
+                              <m:t>𝑢</m:t>
+                            </m:r>
+                          </m:e>
+                          <m:sub>
+                            <m:r>
+                              <a:rPr lang="en-GB" sz="1400" b="0" i="1" spc="-10" smtClean="0">
+                                <a:latin typeface="Cambria Math" panose="02040503050406030204" pitchFamily="18" charset="0"/>
+                                <a:ea typeface="Cambria Math" panose="02040503050406030204" pitchFamily="18" charset="0"/>
+                                <a:cs typeface="LM Sans 10"/>
+                              </a:rPr>
+                              <m:t>𝑡</m:t>
+                            </m:r>
+                          </m:sub>
+                        </m:sSub>
+                      </m:e>
+                      <m:e>
+                        <m:sSub>
+                          <m:sSubPr>
+                            <m:ctrlPr>
+                              <a:rPr lang="en-GB" sz="1400" b="0" i="1" spc="-10" smtClean="0">
+                                <a:latin typeface="Cambria Math" panose="02040503050406030204" pitchFamily="18" charset="0"/>
+                                <a:ea typeface="Cambria Math" panose="02040503050406030204" pitchFamily="18" charset="0"/>
+                                <a:cs typeface="LM Sans 10"/>
+                              </a:rPr>
+                            </m:ctrlPr>
+                          </m:sSubPr>
+                          <m:e>
+                            <m:r>
+                              <a:rPr lang="en-GB" sz="1400" b="0" i="1" spc="-10" smtClean="0">
+                                <a:latin typeface="Cambria Math" panose="02040503050406030204" pitchFamily="18" charset="0"/>
+                                <a:ea typeface="Cambria Math" panose="02040503050406030204" pitchFamily="18" charset="0"/>
+                                <a:cs typeface="LM Sans 10"/>
+                              </a:rPr>
+                              <m:t>𝑠</m:t>
+                            </m:r>
+                          </m:e>
+                          <m:sub>
+                            <m:r>
+                              <a:rPr lang="en-GB" sz="1400" b="0" i="1" spc="-10" smtClean="0">
+                                <a:latin typeface="Cambria Math" panose="02040503050406030204" pitchFamily="18" charset="0"/>
+                                <a:ea typeface="Cambria Math" panose="02040503050406030204" pitchFamily="18" charset="0"/>
+                                <a:cs typeface="LM Sans 10"/>
+                              </a:rPr>
+                              <m:t>𝑡</m:t>
+                            </m:r>
+                          </m:sub>
+                        </m:sSub>
+                      </m:e>
+                    </m:d>
+                    <m:r>
+                      <a:rPr lang="en-GB" sz="1400" b="0" i="1" spc="-10" smtClean="0">
+                        <a:latin typeface="Cambria Math" panose="02040503050406030204" pitchFamily="18" charset="0"/>
+                        <a:ea typeface="Cambria Math" panose="02040503050406030204" pitchFamily="18" charset="0"/>
+                        <a:cs typeface="LM Sans 10"/>
+                      </a:rPr>
+                      <m:t> </m:t>
+                    </m:r>
+                  </m:oMath>
+                </a14:m>
+                <a:r>
+                  <a:rPr lang="en-GB" sz="1400" spc="-10" dirty="0">
+                    <a:latin typeface="LM Sans 10"/>
+                    <a:cs typeface="LM Sans 10"/>
+                  </a:rPr>
+                  <a:t>based on </a:t>
+                </a:r>
+                <a14:m>
+                  <m:oMath xmlns:m="http://schemas.openxmlformats.org/officeDocument/2006/math">
+                    <m:r>
+                      <a:rPr lang="en-GB" sz="1400" b="0" i="1" spc="-10" smtClean="0">
+                        <a:latin typeface="Cambria Math" panose="02040503050406030204" pitchFamily="18" charset="0"/>
+                        <a:cs typeface="LM Sans 10"/>
+                      </a:rPr>
+                      <m:t>𝑄</m:t>
+                    </m:r>
+                  </m:oMath>
+                </a14:m>
+                <a:r>
+                  <a:rPr lang="en-GB" sz="1400" spc="-10" dirty="0">
+                    <a:latin typeface="LM Sans 10"/>
+                    <a:cs typeface="LM Sans 10"/>
+                  </a:rPr>
+                  <a:t>-values </a:t>
+                </a:r>
+              </a:p>
+              <a:p>
+                <a:pPr marL="298450" marR="5080" indent="-285750">
+                  <a:lnSpc>
+                    <a:spcPct val="102600"/>
+                  </a:lnSpc>
+                  <a:spcBef>
+                    <a:spcPts val="55"/>
+                  </a:spcBef>
+                  <a:buFont typeface="Wingdings" panose="05000000000000000000" pitchFamily="2" charset="2"/>
+                  <a:buChar char="q"/>
+                </a:pPr>
+                <a:endParaRPr lang="en-GB" sz="1400" spc="-10" dirty="0">
+                  <a:latin typeface="LM Sans 10"/>
+                  <a:cs typeface="LM Sans 10"/>
+                </a:endParaRPr>
+              </a:p>
+              <a:p>
+                <a:pPr marL="298450" marR="5080" indent="-285750">
+                  <a:lnSpc>
+                    <a:spcPct val="102600"/>
+                  </a:lnSpc>
+                  <a:spcBef>
+                    <a:spcPts val="55"/>
+                  </a:spcBef>
+                  <a:buFont typeface="Wingdings" panose="05000000000000000000" pitchFamily="2" charset="2"/>
+                  <a:buChar char="q"/>
+                </a:pPr>
+                <a:endParaRPr lang="en-GB" sz="1400" spc="-10" dirty="0">
+                  <a:latin typeface="LM Sans 10"/>
+                  <a:cs typeface="LM Sans 10"/>
+                </a:endParaRPr>
+              </a:p>
+              <a:p>
+                <a:pPr marL="298450" marR="5080" indent="-285750">
+                  <a:lnSpc>
+                    <a:spcPct val="102600"/>
+                  </a:lnSpc>
+                  <a:spcBef>
+                    <a:spcPts val="55"/>
+                  </a:spcBef>
+                  <a:buFont typeface="Wingdings" panose="05000000000000000000" pitchFamily="2" charset="2"/>
+                  <a:buChar char="q"/>
+                </a:pPr>
+                <a:endParaRPr lang="en-GB" sz="1400" spc="-10" dirty="0">
+                  <a:latin typeface="LM Sans 10"/>
+                  <a:cs typeface="LM Sans 10"/>
+                </a:endParaRPr>
+              </a:p>
+              <a:p>
+                <a:pPr marL="298450" marR="5080" indent="-285750">
+                  <a:lnSpc>
+                    <a:spcPct val="102600"/>
+                  </a:lnSpc>
+                  <a:spcBef>
+                    <a:spcPts val="55"/>
+                  </a:spcBef>
+                  <a:buFont typeface="Wingdings" panose="05000000000000000000" pitchFamily="2" charset="2"/>
+                  <a:buChar char="q"/>
+                </a:pPr>
+                <a:r>
+                  <a:rPr lang="en-GB" sz="1400" spc="-10" dirty="0">
+                    <a:latin typeface="LM Sans 10"/>
+                    <a:cs typeface="LM Sans 10"/>
+                  </a:rPr>
+                  <a:t>Discounted returns motivate long-horizon </a:t>
+                </a:r>
+                <a:r>
+                  <a:rPr lang="en-GB" sz="1400" spc="-10" dirty="0" err="1">
+                    <a:latin typeface="LM Sans 10"/>
+                    <a:cs typeface="LM Sans 10"/>
+                  </a:rPr>
+                  <a:t>behaviors</a:t>
+                </a:r>
+                <a:r>
+                  <a:rPr lang="en-GB" sz="1400" spc="-10" dirty="0">
+                    <a:latin typeface="LM Sans 10"/>
+                    <a:cs typeface="LM Sans 10"/>
+                  </a:rPr>
+                  <a:t> and collaboration</a:t>
+                </a:r>
+              </a:p>
+              <a:p>
+                <a:pPr marL="298450" marR="5080" indent="-285750">
+                  <a:lnSpc>
+                    <a:spcPct val="102600"/>
+                  </a:lnSpc>
+                  <a:spcBef>
+                    <a:spcPts val="55"/>
+                  </a:spcBef>
+                  <a:buFont typeface="Wingdings" panose="05000000000000000000" pitchFamily="2" charset="2"/>
+                  <a:buChar char="q"/>
+                </a:pPr>
+                <a:r>
+                  <a:rPr lang="en-GB" sz="1400" spc="-10" dirty="0">
+                    <a:latin typeface="LM Sans 10"/>
+                    <a:cs typeface="LM Sans 10"/>
+                  </a:rPr>
+                  <a:t>Each agent maintains its own </a:t>
+                </a:r>
+                <a14:m>
+                  <m:oMath xmlns:m="http://schemas.openxmlformats.org/officeDocument/2006/math">
+                    <m:r>
+                      <a:rPr lang="en-GB" sz="1400" b="0" i="1" spc="-10" smtClean="0">
+                        <a:latin typeface="Cambria Math" panose="02040503050406030204" pitchFamily="18" charset="0"/>
+                        <a:cs typeface="LM Sans 10"/>
+                      </a:rPr>
+                      <m:t>𝑄</m:t>
+                    </m:r>
+                  </m:oMath>
+                </a14:m>
+                <a:r>
+                  <a:rPr lang="en-GB" sz="1400" spc="-10" dirty="0">
+                    <a:latin typeface="LM Sans 10"/>
+                    <a:cs typeface="LM Sans 10"/>
+                  </a:rPr>
+                  <a:t>-values which form the joint </a:t>
+                </a:r>
+                <a14:m>
+                  <m:oMath xmlns:m="http://schemas.openxmlformats.org/officeDocument/2006/math">
+                    <m:r>
+                      <a:rPr lang="en-GB" sz="1400" i="1" spc="-10">
+                        <a:latin typeface="Cambria Math" panose="02040503050406030204" pitchFamily="18" charset="0"/>
+                        <a:cs typeface="LM Sans 10"/>
+                      </a:rPr>
+                      <m:t>𝑄</m:t>
+                    </m:r>
+                  </m:oMath>
+                </a14:m>
+                <a:r>
+                  <a:rPr lang="en-GB" sz="1400" spc="-10" dirty="0">
+                    <a:latin typeface="LM Sans 10"/>
+                    <a:cs typeface="LM Sans 10"/>
+                  </a:rPr>
+                  <a:t>-values of all agents</a:t>
+                </a:r>
+              </a:p>
+              <a:p>
+                <a:pPr marL="298450" marR="5080" indent="-285750">
+                  <a:lnSpc>
+                    <a:spcPct val="102600"/>
+                  </a:lnSpc>
+                  <a:spcBef>
+                    <a:spcPts val="55"/>
+                  </a:spcBef>
+                  <a:buFont typeface="Wingdings" panose="05000000000000000000" pitchFamily="2" charset="2"/>
+                  <a:buChar char="q"/>
+                </a:pPr>
+                <a:endParaRPr lang="en-GB" sz="1400" spc="-10" dirty="0">
+                  <a:latin typeface="LM Sans 10"/>
+                  <a:cs typeface="LM Sans 10"/>
+                </a:endParaRPr>
+              </a:p>
+              <a:p>
+                <a:pPr marL="298450" marR="5080" indent="-285750">
+                  <a:lnSpc>
+                    <a:spcPct val="102600"/>
+                  </a:lnSpc>
+                  <a:spcBef>
+                    <a:spcPts val="55"/>
+                  </a:spcBef>
+                  <a:buFont typeface="Wingdings" panose="05000000000000000000" pitchFamily="2" charset="2"/>
+                  <a:buChar char="q"/>
+                </a:pPr>
+                <a:endParaRPr lang="en-GB" sz="1400" spc="-10" dirty="0">
+                  <a:latin typeface="LM Sans 10"/>
+                  <a:cs typeface="LM Sans 10"/>
+                </a:endParaRPr>
+              </a:p>
+            </p:txBody>
+          </p:sp>
+        </mc:Choice>
+        <mc:Fallback>
+          <p:sp>
+            <p:nvSpPr>
+              <p:cNvPr id="16" name="object 4">
+                <a:extLst>
+                  <a:ext uri="{FF2B5EF4-FFF2-40B4-BE49-F238E27FC236}">
+                    <a16:creationId xmlns:a16="http://schemas.microsoft.com/office/drawing/2014/main" id="{2430863C-1AB2-43E0-8FDB-DC1536DEB739}"/>
+                  </a:ext>
+                </a:extLst>
+              </p:cNvPr>
+              <p:cNvSpPr txBox="1">
+                <a:spLocks noRot="1" noChangeAspect="1" noMove="1" noResize="1" noEditPoints="1" noAdjustHandles="1" noChangeArrowheads="1" noChangeShapeType="1" noTextEdit="1"/>
+              </p:cNvSpPr>
+              <p:nvPr/>
+            </p:nvSpPr>
+            <p:spPr>
+              <a:xfrm>
+                <a:off x="95250" y="815975"/>
+                <a:ext cx="4288100" cy="2764603"/>
+              </a:xfrm>
+              <a:prstGeom prst="rect">
+                <a:avLst/>
+              </a:prstGeom>
+              <a:blipFill>
+                <a:blip r:embed="rId2"/>
+                <a:stretch>
+                  <a:fillRect l="-2134" t="-1766" r="-284"/>
+                </a:stretch>
+              </a:blipFill>
+            </p:spPr>
+            <p:txBody>
+              <a:bodyPr/>
+              <a:lstStyle/>
+              <a:p>
+                <a:r>
+                  <a:rPr lang="en-GB">
+                    <a:noFill/>
+                  </a:rPr>
+                  <a:t> </a:t>
+                </a:r>
+              </a:p>
+            </p:txBody>
+          </p:sp>
+        </mc:Fallback>
+      </mc:AlternateContent>
       <p:pic>
         <p:nvPicPr>
-          <p:cNvPr id="3" name="Picture 2">
+          <p:cNvPr id="4" name="Picture 3">
             <a:extLst>
               <a:ext uri="{FF2B5EF4-FFF2-40B4-BE49-F238E27FC236}">
-                <a16:creationId xmlns:a16="http://schemas.microsoft.com/office/drawing/2014/main" id="{28433331-CCF1-47F6-9B49-860A42CE5087}"/>
+                <a16:creationId xmlns:a16="http://schemas.microsoft.com/office/drawing/2014/main" id="{565EAD41-81AD-4FAF-9F23-05C269039479}"/>
               </a:ext>
             </a:extLst>
           </p:cNvPr>
@@ -6531,15 +6899,15 @@
           <p:nvPr/>
         </p:nvPicPr>
         <p:blipFill>
-          <a:blip r:embed="rId2"/>
+          <a:blip r:embed="rId3"/>
           <a:stretch>
             <a:fillRect/>
           </a:stretch>
         </p:blipFill>
         <p:spPr>
           <a:xfrm>
-            <a:off x="0" y="1461633"/>
-            <a:ext cx="4610100" cy="421142"/>
+            <a:off x="976173" y="1577975"/>
+            <a:ext cx="2471877" cy="538565"/>
           </a:xfrm>
           <a:prstGeom prst="rect">
             <a:avLst/>
@@ -6548,103 +6916,67 @@
       </p:pic>
       <p:sp>
         <p:nvSpPr>
-          <p:cNvPr id="5" name="Rectangle 4">
+          <p:cNvPr id="19" name="object 4">
             <a:extLst>
               <a:ext uri="{FF2B5EF4-FFF2-40B4-BE49-F238E27FC236}">
-                <a16:creationId xmlns:a16="http://schemas.microsoft.com/office/drawing/2014/main" id="{8EEDA7D6-B348-475B-9132-99AB8B1553D2}"/>
+                <a16:creationId xmlns:a16="http://schemas.microsoft.com/office/drawing/2014/main" id="{DAA34637-4045-44E3-A017-9430A555C285}"/>
               </a:ext>
             </a:extLst>
           </p:cNvPr>
-          <p:cNvSpPr/>
+          <p:cNvSpPr txBox="1"/>
           <p:nvPr/>
         </p:nvSpPr>
         <p:spPr>
           <a:xfrm>
-            <a:off x="2980400" y="1498725"/>
-            <a:ext cx="499323" cy="255861"/>
+            <a:off x="29500" y="3123882"/>
+            <a:ext cx="4288100" cy="99386"/>
           </a:xfrm>
           <a:prstGeom prst="rect">
             <a:avLst/>
           </a:prstGeom>
-          <a:noFill/>
-          <a:ln w="9525">
-            <a:solidFill>
-              <a:schemeClr val="tx1">
-                <a:lumMod val="95000"/>
-                <a:lumOff val="5000"/>
-              </a:schemeClr>
-            </a:solidFill>
-            <a:prstDash val="solid"/>
-          </a:ln>
         </p:spPr>
-        <p:style>
-          <a:lnRef idx="2">
-            <a:schemeClr val="accent1">
-              <a:shade val="50000"/>
-            </a:schemeClr>
-          </a:lnRef>
-          <a:fillRef idx="1">
-            <a:schemeClr val="accent1"/>
-          </a:fillRef>
-          <a:effectRef idx="0">
-            <a:schemeClr val="accent1"/>
-          </a:effectRef>
-          <a:fontRef idx="minor">
-            <a:schemeClr val="lt1"/>
-          </a:fontRef>
-        </p:style>
         <p:txBody>
-          <a:bodyPr rtlCol="0" anchor="ctr"/>
+          <a:bodyPr vert="horz" wrap="square" lIns="0" tIns="6985" rIns="0" bIns="0" rtlCol="0">
+            <a:spAutoFit/>
+          </a:bodyPr>
           <a:lstStyle/>
           <a:p>
-            <a:pPr algn="ctr"/>
-            <a:endParaRPr lang="en-GB"/>
+            <a:pPr algn="l"/>
+            <a:r>
+              <a:rPr lang="en-US" sz="600" b="0" i="0" u="none" strike="noStrike" baseline="0" dirty="0">
+                <a:latin typeface="Times New Roman" panose="02020603050405020304" pitchFamily="18" charset="0"/>
+                <a:cs typeface="Times New Roman" panose="02020603050405020304" pitchFamily="18" charset="0"/>
+              </a:rPr>
+              <a:t>Richard S. Sutton and Andrew G. </a:t>
+            </a:r>
+            <a:r>
+              <a:rPr lang="en-US" sz="600" b="0" i="0" u="none" strike="noStrike" baseline="0" dirty="0" err="1">
+                <a:latin typeface="Times New Roman" panose="02020603050405020304" pitchFamily="18" charset="0"/>
+                <a:cs typeface="Times New Roman" panose="02020603050405020304" pitchFamily="18" charset="0"/>
+              </a:rPr>
+              <a:t>Barto</a:t>
+            </a:r>
+            <a:r>
+              <a:rPr lang="en-US" sz="600" b="0" i="0" u="none" strike="noStrike" baseline="0" dirty="0">
+                <a:latin typeface="Times New Roman" panose="02020603050405020304" pitchFamily="18" charset="0"/>
+                <a:cs typeface="Times New Roman" panose="02020603050405020304" pitchFamily="18" charset="0"/>
+              </a:rPr>
+              <a:t>. Reinforcement Learning: An </a:t>
+            </a:r>
+            <a:r>
+              <a:rPr lang="en-GB" sz="600" b="0" i="0" u="none" strike="noStrike" baseline="0" dirty="0">
+                <a:latin typeface="Times New Roman" panose="02020603050405020304" pitchFamily="18" charset="0"/>
+                <a:cs typeface="Times New Roman" panose="02020603050405020304" pitchFamily="18" charset="0"/>
+              </a:rPr>
+              <a:t>Introduction. 2018.</a:t>
+            </a:r>
+            <a:endParaRPr lang="en-GB" sz="600" spc="-10" dirty="0">
+              <a:latin typeface="Times New Roman" panose="02020603050405020304" pitchFamily="18" charset="0"/>
+              <a:cs typeface="Times New Roman" panose="02020603050405020304" pitchFamily="18" charset="0"/>
+            </a:endParaRPr>
           </a:p>
         </p:txBody>
       </p:sp>
-      <p:cxnSp>
-        <p:nvCxnSpPr>
-          <p:cNvPr id="7" name="Straight Connector 6">
-            <a:extLst>
-              <a:ext uri="{FF2B5EF4-FFF2-40B4-BE49-F238E27FC236}">
-                <a16:creationId xmlns:a16="http://schemas.microsoft.com/office/drawing/2014/main" id="{043A50CD-6231-4C52-8367-BFBCEF19E481}"/>
-              </a:ext>
-            </a:extLst>
-          </p:cNvPr>
-          <p:cNvCxnSpPr>
-            <a:cxnSpLocks/>
-          </p:cNvCxnSpPr>
-          <p:nvPr/>
-        </p:nvCxnSpPr>
-        <p:spPr>
-          <a:xfrm flipV="1">
-            <a:off x="2000250" y="1754345"/>
-            <a:ext cx="1229811" cy="440479"/>
-          </a:xfrm>
-          <a:prstGeom prst="line">
-            <a:avLst/>
-          </a:prstGeom>
-          <a:ln>
-            <a:solidFill>
-              <a:schemeClr val="tx1"/>
-            </a:solidFill>
-          </a:ln>
-        </p:spPr>
-        <p:style>
-          <a:lnRef idx="1">
-            <a:schemeClr val="accent1"/>
-          </a:lnRef>
-          <a:fillRef idx="0">
-            <a:schemeClr val="accent1"/>
-          </a:fillRef>
-          <a:effectRef idx="0">
-            <a:schemeClr val="accent1"/>
-          </a:effectRef>
-          <a:fontRef idx="minor">
-            <a:schemeClr val="tx1"/>
-          </a:fontRef>
-        </p:style>
-      </p:cxnSp>
     </p:spTree>
     <p:extLst>
       <p:ext uri="{BB962C8B-B14F-4D97-AF65-F5344CB8AC3E}">
@@ -6662,6 +6994,4007 @@
 </file>
 
 <file path=ppt/slides/slide13.xml><?xml version="1.0" encoding="utf-8"?>
+<p:sld xmlns:a="http://schemas.openxmlformats.org/drawingml/2006/main" xmlns:r="http://schemas.openxmlformats.org/officeDocument/2006/relationships" xmlns:p="http://schemas.openxmlformats.org/presentationml/2006/main">
+  <p:cSld>
+    <p:spTree>
+      <p:nvGrpSpPr>
+        <p:cNvPr id="1" name=""/>
+        <p:cNvGrpSpPr/>
+        <p:nvPr/>
+      </p:nvGrpSpPr>
+      <p:grpSpPr>
+        <a:xfrm>
+          <a:off x="0" y="0"/>
+          <a:ext cx="0" cy="0"/>
+          <a:chOff x="0" y="0"/>
+          <a:chExt cx="0" cy="0"/>
+        </a:xfrm>
+      </p:grpSpPr>
+      <p:sp>
+        <p:nvSpPr>
+          <p:cNvPr id="13" name="object 26">
+            <a:extLst>
+              <a:ext uri="{FF2B5EF4-FFF2-40B4-BE49-F238E27FC236}">
+                <a16:creationId xmlns:a16="http://schemas.microsoft.com/office/drawing/2014/main" id="{FAFDBEC2-677E-4926-A34A-ACB5F03BBB2D}"/>
+              </a:ext>
+            </a:extLst>
+          </p:cNvPr>
+          <p:cNvSpPr txBox="1">
+            <a:spLocks noGrp="1"/>
+          </p:cNvSpPr>
+          <p:nvPr>
+            <p:ph type="ftr" sz="quarter" idx="5"/>
+          </p:nvPr>
+        </p:nvSpPr>
+        <p:spPr>
+          <a:xfrm>
+            <a:off x="584276" y="3351784"/>
+            <a:ext cx="367665" cy="89768"/>
+          </a:xfrm>
+          <a:prstGeom prst="rect">
+            <a:avLst/>
+          </a:prstGeom>
+        </p:spPr>
+        <p:txBody>
+          <a:bodyPr vert="horz" wrap="square" lIns="0" tIns="0" rIns="0" bIns="0" rtlCol="0">
+            <a:spAutoFit/>
+          </a:bodyPr>
+          <a:lstStyle/>
+          <a:p>
+            <a:pPr marL="12700">
+              <a:lnSpc>
+                <a:spcPts val="675"/>
+              </a:lnSpc>
+            </a:pPr>
+            <a:r>
+              <a:rPr lang="en-GB" spc="-5" dirty="0"/>
+              <a:t>CMTE</a:t>
+            </a:r>
+            <a:endParaRPr spc="-5" dirty="0"/>
+          </a:p>
+        </p:txBody>
+      </p:sp>
+      <p:grpSp>
+        <p:nvGrpSpPr>
+          <p:cNvPr id="17" name="object 7">
+            <a:extLst>
+              <a:ext uri="{FF2B5EF4-FFF2-40B4-BE49-F238E27FC236}">
+                <a16:creationId xmlns:a16="http://schemas.microsoft.com/office/drawing/2014/main" id="{68BA472F-C4AA-485D-9E48-8E6172A1B1C0}"/>
+              </a:ext>
+            </a:extLst>
+          </p:cNvPr>
+          <p:cNvGrpSpPr/>
+          <p:nvPr/>
+        </p:nvGrpSpPr>
+        <p:grpSpPr>
+          <a:xfrm>
+            <a:off x="0" y="0"/>
+            <a:ext cx="4608195" cy="140335"/>
+            <a:chOff x="0" y="0"/>
+            <a:chExt cx="4608195" cy="140335"/>
+          </a:xfrm>
+        </p:grpSpPr>
+        <p:sp>
+          <p:nvSpPr>
+            <p:cNvPr id="18" name="object 8">
+              <a:extLst>
+                <a:ext uri="{FF2B5EF4-FFF2-40B4-BE49-F238E27FC236}">
+                  <a16:creationId xmlns:a16="http://schemas.microsoft.com/office/drawing/2014/main" id="{C8CDD223-88F0-4CC9-9D96-0E036CBA23C2}"/>
+                </a:ext>
+              </a:extLst>
+            </p:cNvPr>
+            <p:cNvSpPr/>
+            <p:nvPr/>
+          </p:nvSpPr>
+          <p:spPr>
+            <a:xfrm>
+              <a:off x="0" y="0"/>
+              <a:ext cx="2304415" cy="140335"/>
+            </a:xfrm>
+            <a:custGeom>
+              <a:avLst/>
+              <a:gdLst/>
+              <a:ahLst/>
+              <a:cxnLst/>
+              <a:rect l="l" t="t" r="r" b="b"/>
+              <a:pathLst>
+                <a:path w="2304415" h="140335">
+                  <a:moveTo>
+                    <a:pt x="2303995" y="0"/>
+                  </a:moveTo>
+                  <a:lnTo>
+                    <a:pt x="0" y="0"/>
+                  </a:lnTo>
+                  <a:lnTo>
+                    <a:pt x="0" y="140017"/>
+                  </a:lnTo>
+                  <a:lnTo>
+                    <a:pt x="2303995" y="140017"/>
+                  </a:lnTo>
+                  <a:lnTo>
+                    <a:pt x="2303995" y="0"/>
+                  </a:lnTo>
+                  <a:close/>
+                </a:path>
+              </a:pathLst>
+            </a:custGeom>
+            <a:solidFill>
+              <a:schemeClr val="tx2">
+                <a:lumMod val="75000"/>
+              </a:schemeClr>
+            </a:solidFill>
+          </p:spPr>
+          <p:txBody>
+            <a:bodyPr wrap="square" lIns="0" tIns="0" rIns="0" bIns="0" rtlCol="0"/>
+            <a:lstStyle/>
+            <a:p>
+              <a:endParaRPr/>
+            </a:p>
+          </p:txBody>
+        </p:sp>
+        <p:sp>
+          <p:nvSpPr>
+            <p:cNvPr id="23" name="object 9">
+              <a:extLst>
+                <a:ext uri="{FF2B5EF4-FFF2-40B4-BE49-F238E27FC236}">
+                  <a16:creationId xmlns:a16="http://schemas.microsoft.com/office/drawing/2014/main" id="{5BF8E5A9-90A0-458B-95FD-9B43BAA07D63}"/>
+                </a:ext>
+              </a:extLst>
+            </p:cNvPr>
+            <p:cNvSpPr/>
+            <p:nvPr/>
+          </p:nvSpPr>
+          <p:spPr>
+            <a:xfrm>
+              <a:off x="2303995" y="0"/>
+              <a:ext cx="2304415" cy="140335"/>
+            </a:xfrm>
+            <a:custGeom>
+              <a:avLst/>
+              <a:gdLst/>
+              <a:ahLst/>
+              <a:cxnLst/>
+              <a:rect l="l" t="t" r="r" b="b"/>
+              <a:pathLst>
+                <a:path w="2304415" h="140335">
+                  <a:moveTo>
+                    <a:pt x="2303995" y="0"/>
+                  </a:moveTo>
+                  <a:lnTo>
+                    <a:pt x="0" y="0"/>
+                  </a:lnTo>
+                  <a:lnTo>
+                    <a:pt x="0" y="140017"/>
+                  </a:lnTo>
+                  <a:lnTo>
+                    <a:pt x="2303995" y="140017"/>
+                  </a:lnTo>
+                  <a:lnTo>
+                    <a:pt x="2303995" y="0"/>
+                  </a:lnTo>
+                  <a:close/>
+                </a:path>
+              </a:pathLst>
+            </a:custGeom>
+            <a:solidFill>
+              <a:srgbClr val="D8D8D8"/>
+            </a:solidFill>
+          </p:spPr>
+          <p:txBody>
+            <a:bodyPr wrap="square" lIns="0" tIns="0" rIns="0" bIns="0" rtlCol="0"/>
+            <a:lstStyle/>
+            <a:p>
+              <a:endParaRPr/>
+            </a:p>
+          </p:txBody>
+        </p:sp>
+      </p:grpSp>
+      <p:grpSp>
+        <p:nvGrpSpPr>
+          <p:cNvPr id="24" name="object 21">
+            <a:extLst>
+              <a:ext uri="{FF2B5EF4-FFF2-40B4-BE49-F238E27FC236}">
+                <a16:creationId xmlns:a16="http://schemas.microsoft.com/office/drawing/2014/main" id="{0CC17ED8-E096-4E65-A536-1562938C5B69}"/>
+              </a:ext>
+            </a:extLst>
+          </p:cNvPr>
+          <p:cNvGrpSpPr/>
+          <p:nvPr/>
+        </p:nvGrpSpPr>
+        <p:grpSpPr>
+          <a:xfrm>
+            <a:off x="0" y="3346348"/>
+            <a:ext cx="4608195" cy="109855"/>
+            <a:chOff x="0" y="3346348"/>
+            <a:chExt cx="4608195" cy="109855"/>
+          </a:xfrm>
+        </p:grpSpPr>
+        <p:sp>
+          <p:nvSpPr>
+            <p:cNvPr id="25" name="object 22">
+              <a:extLst>
+                <a:ext uri="{FF2B5EF4-FFF2-40B4-BE49-F238E27FC236}">
+                  <a16:creationId xmlns:a16="http://schemas.microsoft.com/office/drawing/2014/main" id="{A44E312F-67FB-460E-BE90-1BCAD7223CD4}"/>
+                </a:ext>
+              </a:extLst>
+            </p:cNvPr>
+            <p:cNvSpPr/>
+            <p:nvPr/>
+          </p:nvSpPr>
+          <p:spPr>
+            <a:xfrm>
+              <a:off x="0" y="3346348"/>
+              <a:ext cx="1536065" cy="109855"/>
+            </a:xfrm>
+            <a:custGeom>
+              <a:avLst/>
+              <a:gdLst/>
+              <a:ahLst/>
+              <a:cxnLst/>
+              <a:rect l="l" t="t" r="r" b="b"/>
+              <a:pathLst>
+                <a:path w="1536065" h="109854">
+                  <a:moveTo>
+                    <a:pt x="1535976" y="0"/>
+                  </a:moveTo>
+                  <a:lnTo>
+                    <a:pt x="0" y="0"/>
+                  </a:lnTo>
+                  <a:lnTo>
+                    <a:pt x="0" y="109651"/>
+                  </a:lnTo>
+                  <a:lnTo>
+                    <a:pt x="1535976" y="109651"/>
+                  </a:lnTo>
+                  <a:lnTo>
+                    <a:pt x="1535976" y="0"/>
+                  </a:lnTo>
+                  <a:close/>
+                </a:path>
+              </a:pathLst>
+            </a:custGeom>
+            <a:solidFill>
+              <a:schemeClr val="tx2">
+                <a:lumMod val="75000"/>
+              </a:schemeClr>
+            </a:solidFill>
+          </p:spPr>
+          <p:txBody>
+            <a:bodyPr wrap="square" lIns="0" tIns="0" rIns="0" bIns="0" rtlCol="0"/>
+            <a:lstStyle/>
+            <a:p>
+              <a:endParaRPr/>
+            </a:p>
+          </p:txBody>
+        </p:sp>
+        <p:sp>
+          <p:nvSpPr>
+            <p:cNvPr id="26" name="object 23">
+              <a:extLst>
+                <a:ext uri="{FF2B5EF4-FFF2-40B4-BE49-F238E27FC236}">
+                  <a16:creationId xmlns:a16="http://schemas.microsoft.com/office/drawing/2014/main" id="{8000B03F-79D9-4AF2-836E-5E9E9F8D33E5}"/>
+                </a:ext>
+              </a:extLst>
+            </p:cNvPr>
+            <p:cNvSpPr/>
+            <p:nvPr/>
+          </p:nvSpPr>
+          <p:spPr>
+            <a:xfrm>
+              <a:off x="1535976" y="3346348"/>
+              <a:ext cx="1536065" cy="109855"/>
+            </a:xfrm>
+            <a:custGeom>
+              <a:avLst/>
+              <a:gdLst/>
+              <a:ahLst/>
+              <a:cxnLst/>
+              <a:rect l="l" t="t" r="r" b="b"/>
+              <a:pathLst>
+                <a:path w="1536064" h="109854">
+                  <a:moveTo>
+                    <a:pt x="1535976" y="0"/>
+                  </a:moveTo>
+                  <a:lnTo>
+                    <a:pt x="0" y="0"/>
+                  </a:lnTo>
+                  <a:lnTo>
+                    <a:pt x="0" y="109651"/>
+                  </a:lnTo>
+                  <a:lnTo>
+                    <a:pt x="1535976" y="109651"/>
+                  </a:lnTo>
+                  <a:lnTo>
+                    <a:pt x="1535976" y="0"/>
+                  </a:lnTo>
+                  <a:close/>
+                </a:path>
+              </a:pathLst>
+            </a:custGeom>
+            <a:solidFill>
+              <a:srgbClr val="EBEBEB"/>
+            </a:solidFill>
+          </p:spPr>
+          <p:txBody>
+            <a:bodyPr wrap="square" lIns="0" tIns="0" rIns="0" bIns="0" rtlCol="0"/>
+            <a:lstStyle/>
+            <a:p>
+              <a:endParaRPr/>
+            </a:p>
+          </p:txBody>
+        </p:sp>
+        <p:sp>
+          <p:nvSpPr>
+            <p:cNvPr id="27" name="object 24">
+              <a:extLst>
+                <a:ext uri="{FF2B5EF4-FFF2-40B4-BE49-F238E27FC236}">
+                  <a16:creationId xmlns:a16="http://schemas.microsoft.com/office/drawing/2014/main" id="{7E722FD4-FDAA-4391-9760-9A266B5BEDDF}"/>
+                </a:ext>
+              </a:extLst>
+            </p:cNvPr>
+            <p:cNvSpPr/>
+            <p:nvPr/>
+          </p:nvSpPr>
+          <p:spPr>
+            <a:xfrm>
+              <a:off x="3071952" y="3346348"/>
+              <a:ext cx="1536065" cy="109855"/>
+            </a:xfrm>
+            <a:custGeom>
+              <a:avLst/>
+              <a:gdLst/>
+              <a:ahLst/>
+              <a:cxnLst/>
+              <a:rect l="l" t="t" r="r" b="b"/>
+              <a:pathLst>
+                <a:path w="1536064" h="109854">
+                  <a:moveTo>
+                    <a:pt x="1535976" y="0"/>
+                  </a:moveTo>
+                  <a:lnTo>
+                    <a:pt x="0" y="0"/>
+                  </a:lnTo>
+                  <a:lnTo>
+                    <a:pt x="0" y="109651"/>
+                  </a:lnTo>
+                  <a:lnTo>
+                    <a:pt x="1535976" y="109651"/>
+                  </a:lnTo>
+                  <a:lnTo>
+                    <a:pt x="1535976" y="0"/>
+                  </a:lnTo>
+                  <a:close/>
+                </a:path>
+              </a:pathLst>
+            </a:custGeom>
+            <a:solidFill>
+              <a:srgbClr val="D8D8D8"/>
+            </a:solidFill>
+          </p:spPr>
+          <p:txBody>
+            <a:bodyPr wrap="square" lIns="0" tIns="0" rIns="0" bIns="0" rtlCol="0"/>
+            <a:lstStyle/>
+            <a:p>
+              <a:endParaRPr/>
+            </a:p>
+          </p:txBody>
+        </p:sp>
+      </p:grpSp>
+      <p:sp>
+        <p:nvSpPr>
+          <p:cNvPr id="28" name="object 2">
+            <a:extLst>
+              <a:ext uri="{FF2B5EF4-FFF2-40B4-BE49-F238E27FC236}">
+                <a16:creationId xmlns:a16="http://schemas.microsoft.com/office/drawing/2014/main" id="{6662B4DC-6501-464E-ACC8-AA59AB01BE00}"/>
+              </a:ext>
+            </a:extLst>
+          </p:cNvPr>
+          <p:cNvSpPr txBox="1"/>
+          <p:nvPr/>
+        </p:nvSpPr>
+        <p:spPr>
+          <a:xfrm>
+            <a:off x="0" y="140017"/>
+            <a:ext cx="4608195" cy="293029"/>
+          </a:xfrm>
+          <a:prstGeom prst="rect">
+            <a:avLst/>
+          </a:prstGeom>
+          <a:solidFill>
+            <a:srgbClr val="F2F2F2"/>
+          </a:solidFill>
+        </p:spPr>
+        <p:txBody>
+          <a:bodyPr vert="horz" wrap="square" lIns="0" tIns="76835" rIns="0" bIns="0" rtlCol="0">
+            <a:spAutoFit/>
+          </a:bodyPr>
+          <a:lstStyle/>
+          <a:p>
+            <a:pPr marL="107950">
+              <a:lnSpc>
+                <a:spcPct val="100000"/>
+              </a:lnSpc>
+              <a:spcBef>
+                <a:spcPts val="605"/>
+              </a:spcBef>
+            </a:pPr>
+            <a:r>
+              <a:rPr lang="en-GB" sz="1400" spc="10" dirty="0">
+                <a:solidFill>
+                  <a:schemeClr val="tx2">
+                    <a:lumMod val="75000"/>
+                  </a:schemeClr>
+                </a:solidFill>
+                <a:latin typeface="LM Sans 12"/>
+                <a:cs typeface="LM Sans 12"/>
+              </a:rPr>
+              <a:t>Q-Learning</a:t>
+            </a:r>
+            <a:endParaRPr sz="1400" dirty="0">
+              <a:solidFill>
+                <a:schemeClr val="tx2">
+                  <a:lumMod val="75000"/>
+                </a:schemeClr>
+              </a:solidFill>
+              <a:latin typeface="LM Sans 12"/>
+              <a:cs typeface="LM Sans 12"/>
+            </a:endParaRPr>
+          </a:p>
+        </p:txBody>
+      </p:sp>
+      <mc:AlternateContent xmlns:mc="http://schemas.openxmlformats.org/markup-compatibility/2006">
+        <mc:Choice xmlns:a14="http://schemas.microsoft.com/office/drawing/2010/main" Requires="a14">
+          <p:sp>
+            <p:nvSpPr>
+              <p:cNvPr id="16" name="object 4">
+                <a:extLst>
+                  <a:ext uri="{FF2B5EF4-FFF2-40B4-BE49-F238E27FC236}">
+                    <a16:creationId xmlns:a16="http://schemas.microsoft.com/office/drawing/2014/main" id="{2430863C-1AB2-43E0-8FDB-DC1536DEB739}"/>
+                  </a:ext>
+                </a:extLst>
+              </p:cNvPr>
+              <p:cNvSpPr txBox="1"/>
+              <p:nvPr/>
+            </p:nvSpPr>
+            <p:spPr>
+              <a:xfrm>
+                <a:off x="95250" y="815975"/>
+                <a:ext cx="4288100" cy="2555508"/>
+              </a:xfrm>
+              <a:prstGeom prst="rect">
+                <a:avLst/>
+              </a:prstGeom>
+            </p:spPr>
+            <p:txBody>
+              <a:bodyPr vert="horz" wrap="square" lIns="0" tIns="6985" rIns="0" bIns="0" rtlCol="0">
+                <a:spAutoFit/>
+              </a:bodyPr>
+              <a:lstStyle/>
+              <a:p>
+                <a:pPr marL="298450" marR="5080" indent="-285750">
+                  <a:lnSpc>
+                    <a:spcPct val="102600"/>
+                  </a:lnSpc>
+                  <a:spcBef>
+                    <a:spcPts val="55"/>
+                  </a:spcBef>
+                  <a:buFont typeface="Wingdings" panose="05000000000000000000" pitchFamily="2" charset="2"/>
+                  <a:buChar char="q"/>
+                </a:pPr>
+                <a:r>
+                  <a:rPr lang="en-GB" sz="1400" spc="-10" dirty="0">
+                    <a:latin typeface="LM Sans 10"/>
+                    <a:cs typeface="LM Sans 10"/>
+                  </a:rPr>
+                  <a:t>Agent policies parameterized using parameters </a:t>
+                </a:r>
+                <a14:m>
+                  <m:oMath xmlns:m="http://schemas.openxmlformats.org/officeDocument/2006/math">
+                    <m:r>
+                      <a:rPr lang="en-GB" sz="1400" i="1" spc="-10" smtClean="0">
+                        <a:latin typeface="Cambria Math" panose="02040503050406030204" pitchFamily="18" charset="0"/>
+                        <a:ea typeface="Cambria Math" panose="02040503050406030204" pitchFamily="18" charset="0"/>
+                        <a:cs typeface="LM Sans 10"/>
+                      </a:rPr>
+                      <m:t>𝜃</m:t>
+                    </m:r>
+                  </m:oMath>
+                </a14:m>
+                <a:r>
+                  <a:rPr lang="en-GB" sz="1400" spc="-10" dirty="0">
+                    <a:latin typeface="LM Sans 10"/>
+                    <a:cs typeface="LM Sans 10"/>
+                  </a:rPr>
+                  <a:t>.</a:t>
+                </a:r>
+              </a:p>
+              <a:p>
+                <a:pPr marL="298450" marR="5080" indent="-285750">
+                  <a:lnSpc>
+                    <a:spcPct val="102600"/>
+                  </a:lnSpc>
+                  <a:spcBef>
+                    <a:spcPts val="55"/>
+                  </a:spcBef>
+                  <a:buFont typeface="Wingdings" panose="05000000000000000000" pitchFamily="2" charset="2"/>
+                  <a:buChar char="q"/>
+                </a:pPr>
+                <a:endParaRPr lang="en-GB" sz="1400" spc="-10" dirty="0">
+                  <a:latin typeface="LM Sans 10"/>
+                  <a:cs typeface="LM Sans 10"/>
+                </a:endParaRPr>
+              </a:p>
+              <a:p>
+                <a:pPr marL="298450" marR="5080" indent="-285750">
+                  <a:lnSpc>
+                    <a:spcPct val="102600"/>
+                  </a:lnSpc>
+                  <a:spcBef>
+                    <a:spcPts val="55"/>
+                  </a:spcBef>
+                  <a:buFont typeface="Wingdings" panose="05000000000000000000" pitchFamily="2" charset="2"/>
+                  <a:buChar char="q"/>
+                </a:pPr>
+                <a:endParaRPr lang="en-GB" sz="1400" spc="-10" dirty="0">
+                  <a:latin typeface="LM Sans 10"/>
+                  <a:cs typeface="LM Sans 10"/>
+                </a:endParaRPr>
+              </a:p>
+              <a:p>
+                <a:pPr marL="298450" marR="5080" indent="-285750">
+                  <a:lnSpc>
+                    <a:spcPct val="102600"/>
+                  </a:lnSpc>
+                  <a:spcBef>
+                    <a:spcPts val="55"/>
+                  </a:spcBef>
+                  <a:buFont typeface="Wingdings" panose="05000000000000000000" pitchFamily="2" charset="2"/>
+                  <a:buChar char="q"/>
+                </a:pPr>
+                <a:endParaRPr lang="en-GB" sz="1400" spc="-10" dirty="0">
+                  <a:latin typeface="LM Sans 10"/>
+                  <a:cs typeface="LM Sans 10"/>
+                </a:endParaRPr>
+              </a:p>
+              <a:p>
+                <a:pPr marL="298450" marR="5080" indent="-285750">
+                  <a:lnSpc>
+                    <a:spcPct val="102600"/>
+                  </a:lnSpc>
+                  <a:spcBef>
+                    <a:spcPts val="55"/>
+                  </a:spcBef>
+                  <a:buFont typeface="Wingdings" panose="05000000000000000000" pitchFamily="2" charset="2"/>
+                  <a:buChar char="q"/>
+                </a:pPr>
+                <a:endParaRPr lang="en-GB" sz="1400" spc="-10" dirty="0">
+                  <a:latin typeface="LM Sans 10"/>
+                  <a:cs typeface="LM Sans 10"/>
+                </a:endParaRPr>
+              </a:p>
+              <a:p>
+                <a:pPr marL="298450" marR="5080" indent="-285750">
+                  <a:lnSpc>
+                    <a:spcPct val="102600"/>
+                  </a:lnSpc>
+                  <a:spcBef>
+                    <a:spcPts val="55"/>
+                  </a:spcBef>
+                  <a:buFont typeface="Wingdings" panose="05000000000000000000" pitchFamily="2" charset="2"/>
+                  <a:buChar char="q"/>
+                </a:pPr>
+                <a:r>
+                  <a:rPr lang="en-GB" sz="1400" spc="-10" dirty="0">
+                    <a:latin typeface="LM Sans 10"/>
+                    <a:cs typeface="LM Sans 10"/>
+                  </a:rPr>
+                  <a:t>Joint optimal policy is the Nash Equilibrium (NE) of the Stochastic TMG.</a:t>
+                </a:r>
+              </a:p>
+              <a:p>
+                <a:pPr marL="298450" marR="5080" indent="-285750">
+                  <a:lnSpc>
+                    <a:spcPct val="102600"/>
+                  </a:lnSpc>
+                  <a:spcBef>
+                    <a:spcPts val="55"/>
+                  </a:spcBef>
+                  <a:buFont typeface="Wingdings" panose="05000000000000000000" pitchFamily="2" charset="2"/>
+                  <a:buChar char="q"/>
+                </a:pPr>
+                <a:r>
+                  <a:rPr lang="en-GB" sz="1400" spc="-10" dirty="0">
+                    <a:latin typeface="LM Sans 10"/>
+                    <a:cs typeface="LM Sans 10"/>
+                  </a:rPr>
+                  <a:t>But how to update policies in the long-horizon?</a:t>
+                </a:r>
+              </a:p>
+              <a:p>
+                <a:pPr marL="298450" marR="5080" indent="-285750">
+                  <a:lnSpc>
+                    <a:spcPct val="102600"/>
+                  </a:lnSpc>
+                  <a:spcBef>
+                    <a:spcPts val="55"/>
+                  </a:spcBef>
+                  <a:buFont typeface="Wingdings" panose="05000000000000000000" pitchFamily="2" charset="2"/>
+                  <a:buChar char="q"/>
+                </a:pPr>
+                <a:endParaRPr lang="en-GB" sz="1400" spc="-10" dirty="0">
+                  <a:latin typeface="LM Sans 10"/>
+                  <a:cs typeface="LM Sans 10"/>
+                </a:endParaRPr>
+              </a:p>
+              <a:p>
+                <a:pPr marL="298450" marR="5080" indent="-285750">
+                  <a:lnSpc>
+                    <a:spcPct val="102600"/>
+                  </a:lnSpc>
+                  <a:spcBef>
+                    <a:spcPts val="55"/>
+                  </a:spcBef>
+                  <a:buFont typeface="Wingdings" panose="05000000000000000000" pitchFamily="2" charset="2"/>
+                  <a:buChar char="q"/>
+                </a:pPr>
+                <a:endParaRPr lang="en-GB" sz="1400" spc="-10" dirty="0">
+                  <a:latin typeface="LM Sans 10"/>
+                  <a:cs typeface="LM Sans 10"/>
+                </a:endParaRPr>
+              </a:p>
+              <a:p>
+                <a:pPr marL="12700" marR="5080">
+                  <a:lnSpc>
+                    <a:spcPct val="102600"/>
+                  </a:lnSpc>
+                  <a:spcBef>
+                    <a:spcPts val="55"/>
+                  </a:spcBef>
+                </a:pPr>
+                <a:endParaRPr lang="en-GB" sz="1400" spc="-10" dirty="0">
+                  <a:latin typeface="LM Sans 10"/>
+                  <a:cs typeface="LM Sans 10"/>
+                </a:endParaRPr>
+              </a:p>
+            </p:txBody>
+          </p:sp>
+        </mc:Choice>
+        <mc:Fallback>
+          <p:sp>
+            <p:nvSpPr>
+              <p:cNvPr id="16" name="object 4">
+                <a:extLst>
+                  <a:ext uri="{FF2B5EF4-FFF2-40B4-BE49-F238E27FC236}">
+                    <a16:creationId xmlns:a16="http://schemas.microsoft.com/office/drawing/2014/main" id="{2430863C-1AB2-43E0-8FDB-DC1536DEB739}"/>
+                  </a:ext>
+                </a:extLst>
+              </p:cNvPr>
+              <p:cNvSpPr txBox="1">
+                <a:spLocks noRot="1" noChangeAspect="1" noMove="1" noResize="1" noEditPoints="1" noAdjustHandles="1" noChangeArrowheads="1" noChangeShapeType="1" noTextEdit="1"/>
+              </p:cNvSpPr>
+              <p:nvPr/>
+            </p:nvSpPr>
+            <p:spPr>
+              <a:xfrm>
+                <a:off x="95250" y="815975"/>
+                <a:ext cx="4288100" cy="2555508"/>
+              </a:xfrm>
+              <a:prstGeom prst="rect">
+                <a:avLst/>
+              </a:prstGeom>
+              <a:blipFill>
+                <a:blip r:embed="rId2"/>
+                <a:stretch>
+                  <a:fillRect l="-2134" t="-1909" r="-427"/>
+                </a:stretch>
+              </a:blipFill>
+            </p:spPr>
+            <p:txBody>
+              <a:bodyPr/>
+              <a:lstStyle/>
+              <a:p>
+                <a:r>
+                  <a:rPr lang="en-GB">
+                    <a:noFill/>
+                  </a:rPr>
+                  <a:t> </a:t>
+                </a:r>
+              </a:p>
+            </p:txBody>
+          </p:sp>
+        </mc:Fallback>
+      </mc:AlternateContent>
+      <p:pic>
+        <p:nvPicPr>
+          <p:cNvPr id="3" name="Picture 2">
+            <a:extLst>
+              <a:ext uri="{FF2B5EF4-FFF2-40B4-BE49-F238E27FC236}">
+                <a16:creationId xmlns:a16="http://schemas.microsoft.com/office/drawing/2014/main" id="{7A845423-EDBC-4FAA-8C78-E3CF50D69A74}"/>
+              </a:ext>
+            </a:extLst>
+          </p:cNvPr>
+          <p:cNvPicPr>
+            <a:picLocks noChangeAspect="1"/>
+          </p:cNvPicPr>
+          <p:nvPr/>
+        </p:nvPicPr>
+        <p:blipFill>
+          <a:blip r:embed="rId3"/>
+          <a:stretch>
+            <a:fillRect/>
+          </a:stretch>
+        </p:blipFill>
+        <p:spPr>
+          <a:xfrm>
+            <a:off x="476250" y="1140191"/>
+            <a:ext cx="3353645" cy="666383"/>
+          </a:xfrm>
+          <a:prstGeom prst="rect">
+            <a:avLst/>
+          </a:prstGeom>
+        </p:spPr>
+      </p:pic>
+      <p:sp>
+        <p:nvSpPr>
+          <p:cNvPr id="15" name="object 4">
+            <a:extLst>
+              <a:ext uri="{FF2B5EF4-FFF2-40B4-BE49-F238E27FC236}">
+                <a16:creationId xmlns:a16="http://schemas.microsoft.com/office/drawing/2014/main" id="{CEA486B3-987F-4AED-A430-0A1AFDDD1883}"/>
+              </a:ext>
+            </a:extLst>
+          </p:cNvPr>
+          <p:cNvSpPr txBox="1"/>
+          <p:nvPr/>
+        </p:nvSpPr>
+        <p:spPr>
+          <a:xfrm>
+            <a:off x="29500" y="3123882"/>
+            <a:ext cx="4288100" cy="99386"/>
+          </a:xfrm>
+          <a:prstGeom prst="rect">
+            <a:avLst/>
+          </a:prstGeom>
+        </p:spPr>
+        <p:txBody>
+          <a:bodyPr vert="horz" wrap="square" lIns="0" tIns="6985" rIns="0" bIns="0" rtlCol="0">
+            <a:spAutoFit/>
+          </a:bodyPr>
+          <a:lstStyle/>
+          <a:p>
+            <a:pPr algn="l"/>
+            <a:r>
+              <a:rPr lang="en-US" sz="600" b="0" i="0" u="none" strike="noStrike" baseline="0" dirty="0">
+                <a:latin typeface="Times New Roman" panose="02020603050405020304" pitchFamily="18" charset="0"/>
+                <a:cs typeface="Times New Roman" panose="02020603050405020304" pitchFamily="18" charset="0"/>
+              </a:rPr>
+              <a:t>Richard S. Sutton and Andrew G. </a:t>
+            </a:r>
+            <a:r>
+              <a:rPr lang="en-US" sz="600" b="0" i="0" u="none" strike="noStrike" baseline="0" dirty="0" err="1">
+                <a:latin typeface="Times New Roman" panose="02020603050405020304" pitchFamily="18" charset="0"/>
+                <a:cs typeface="Times New Roman" panose="02020603050405020304" pitchFamily="18" charset="0"/>
+              </a:rPr>
+              <a:t>Barto</a:t>
+            </a:r>
+            <a:r>
+              <a:rPr lang="en-US" sz="600" b="0" i="0" u="none" strike="noStrike" baseline="0" dirty="0">
+                <a:latin typeface="Times New Roman" panose="02020603050405020304" pitchFamily="18" charset="0"/>
+                <a:cs typeface="Times New Roman" panose="02020603050405020304" pitchFamily="18" charset="0"/>
+              </a:rPr>
+              <a:t>. Reinforcement Learning: An </a:t>
+            </a:r>
+            <a:r>
+              <a:rPr lang="en-GB" sz="600" b="0" i="0" u="none" strike="noStrike" baseline="0" dirty="0">
+                <a:latin typeface="Times New Roman" panose="02020603050405020304" pitchFamily="18" charset="0"/>
+                <a:cs typeface="Times New Roman" panose="02020603050405020304" pitchFamily="18" charset="0"/>
+              </a:rPr>
+              <a:t>Introduction. 2018.</a:t>
+            </a:r>
+            <a:endParaRPr lang="en-GB" sz="600" spc="-10" dirty="0">
+              <a:latin typeface="Times New Roman" panose="02020603050405020304" pitchFamily="18" charset="0"/>
+              <a:cs typeface="Times New Roman" panose="02020603050405020304" pitchFamily="18" charset="0"/>
+            </a:endParaRPr>
+          </a:p>
+        </p:txBody>
+      </p:sp>
+    </p:spTree>
+    <p:extLst>
+      <p:ext uri="{BB962C8B-B14F-4D97-AF65-F5344CB8AC3E}">
+        <p14:creationId xmlns:p14="http://schemas.microsoft.com/office/powerpoint/2010/main" val="2807699371"/>
+      </p:ext>
+    </p:extLst>
+  </p:cSld>
+  <p:clrMapOvr>
+    <a:masterClrMapping/>
+  </p:clrMapOvr>
+  <p:transition>
+    <p:cut/>
+  </p:transition>
+</p:sld>
+</file>
+
+<file path=ppt/slides/slide14.xml><?xml version="1.0" encoding="utf-8"?>
+<p:sld xmlns:a="http://schemas.openxmlformats.org/drawingml/2006/main" xmlns:r="http://schemas.openxmlformats.org/officeDocument/2006/relationships" xmlns:p="http://schemas.openxmlformats.org/presentationml/2006/main">
+  <p:cSld>
+    <p:spTree>
+      <p:nvGrpSpPr>
+        <p:cNvPr id="1" name=""/>
+        <p:cNvGrpSpPr/>
+        <p:nvPr/>
+      </p:nvGrpSpPr>
+      <p:grpSpPr>
+        <a:xfrm>
+          <a:off x="0" y="0"/>
+          <a:ext cx="0" cy="0"/>
+          <a:chOff x="0" y="0"/>
+          <a:chExt cx="0" cy="0"/>
+        </a:xfrm>
+      </p:grpSpPr>
+      <p:sp>
+        <p:nvSpPr>
+          <p:cNvPr id="13" name="object 26">
+            <a:extLst>
+              <a:ext uri="{FF2B5EF4-FFF2-40B4-BE49-F238E27FC236}">
+                <a16:creationId xmlns:a16="http://schemas.microsoft.com/office/drawing/2014/main" id="{FAFDBEC2-677E-4926-A34A-ACB5F03BBB2D}"/>
+              </a:ext>
+            </a:extLst>
+          </p:cNvPr>
+          <p:cNvSpPr txBox="1">
+            <a:spLocks noGrp="1"/>
+          </p:cNvSpPr>
+          <p:nvPr>
+            <p:ph type="ftr" sz="quarter" idx="5"/>
+          </p:nvPr>
+        </p:nvSpPr>
+        <p:spPr>
+          <a:xfrm>
+            <a:off x="584276" y="3351784"/>
+            <a:ext cx="367665" cy="89768"/>
+          </a:xfrm>
+          <a:prstGeom prst="rect">
+            <a:avLst/>
+          </a:prstGeom>
+        </p:spPr>
+        <p:txBody>
+          <a:bodyPr vert="horz" wrap="square" lIns="0" tIns="0" rIns="0" bIns="0" rtlCol="0">
+            <a:spAutoFit/>
+          </a:bodyPr>
+          <a:lstStyle/>
+          <a:p>
+            <a:pPr marL="12700">
+              <a:lnSpc>
+                <a:spcPts val="675"/>
+              </a:lnSpc>
+            </a:pPr>
+            <a:r>
+              <a:rPr lang="en-GB" spc="-5" dirty="0"/>
+              <a:t>CMTE</a:t>
+            </a:r>
+            <a:endParaRPr spc="-5" dirty="0"/>
+          </a:p>
+        </p:txBody>
+      </p:sp>
+      <p:grpSp>
+        <p:nvGrpSpPr>
+          <p:cNvPr id="17" name="object 7">
+            <a:extLst>
+              <a:ext uri="{FF2B5EF4-FFF2-40B4-BE49-F238E27FC236}">
+                <a16:creationId xmlns:a16="http://schemas.microsoft.com/office/drawing/2014/main" id="{68BA472F-C4AA-485D-9E48-8E6172A1B1C0}"/>
+              </a:ext>
+            </a:extLst>
+          </p:cNvPr>
+          <p:cNvGrpSpPr/>
+          <p:nvPr/>
+        </p:nvGrpSpPr>
+        <p:grpSpPr>
+          <a:xfrm>
+            <a:off x="0" y="0"/>
+            <a:ext cx="4608195" cy="140335"/>
+            <a:chOff x="0" y="0"/>
+            <a:chExt cx="4608195" cy="140335"/>
+          </a:xfrm>
+        </p:grpSpPr>
+        <p:sp>
+          <p:nvSpPr>
+            <p:cNvPr id="18" name="object 8">
+              <a:extLst>
+                <a:ext uri="{FF2B5EF4-FFF2-40B4-BE49-F238E27FC236}">
+                  <a16:creationId xmlns:a16="http://schemas.microsoft.com/office/drawing/2014/main" id="{C8CDD223-88F0-4CC9-9D96-0E036CBA23C2}"/>
+                </a:ext>
+              </a:extLst>
+            </p:cNvPr>
+            <p:cNvSpPr/>
+            <p:nvPr/>
+          </p:nvSpPr>
+          <p:spPr>
+            <a:xfrm>
+              <a:off x="0" y="0"/>
+              <a:ext cx="2304415" cy="140335"/>
+            </a:xfrm>
+            <a:custGeom>
+              <a:avLst/>
+              <a:gdLst/>
+              <a:ahLst/>
+              <a:cxnLst/>
+              <a:rect l="l" t="t" r="r" b="b"/>
+              <a:pathLst>
+                <a:path w="2304415" h="140335">
+                  <a:moveTo>
+                    <a:pt x="2303995" y="0"/>
+                  </a:moveTo>
+                  <a:lnTo>
+                    <a:pt x="0" y="0"/>
+                  </a:lnTo>
+                  <a:lnTo>
+                    <a:pt x="0" y="140017"/>
+                  </a:lnTo>
+                  <a:lnTo>
+                    <a:pt x="2303995" y="140017"/>
+                  </a:lnTo>
+                  <a:lnTo>
+                    <a:pt x="2303995" y="0"/>
+                  </a:lnTo>
+                  <a:close/>
+                </a:path>
+              </a:pathLst>
+            </a:custGeom>
+            <a:solidFill>
+              <a:schemeClr val="tx2">
+                <a:lumMod val="75000"/>
+              </a:schemeClr>
+            </a:solidFill>
+          </p:spPr>
+          <p:txBody>
+            <a:bodyPr wrap="square" lIns="0" tIns="0" rIns="0" bIns="0" rtlCol="0"/>
+            <a:lstStyle/>
+            <a:p>
+              <a:endParaRPr/>
+            </a:p>
+          </p:txBody>
+        </p:sp>
+        <p:sp>
+          <p:nvSpPr>
+            <p:cNvPr id="23" name="object 9">
+              <a:extLst>
+                <a:ext uri="{FF2B5EF4-FFF2-40B4-BE49-F238E27FC236}">
+                  <a16:creationId xmlns:a16="http://schemas.microsoft.com/office/drawing/2014/main" id="{5BF8E5A9-90A0-458B-95FD-9B43BAA07D63}"/>
+                </a:ext>
+              </a:extLst>
+            </p:cNvPr>
+            <p:cNvSpPr/>
+            <p:nvPr/>
+          </p:nvSpPr>
+          <p:spPr>
+            <a:xfrm>
+              <a:off x="2303995" y="0"/>
+              <a:ext cx="2304415" cy="140335"/>
+            </a:xfrm>
+            <a:custGeom>
+              <a:avLst/>
+              <a:gdLst/>
+              <a:ahLst/>
+              <a:cxnLst/>
+              <a:rect l="l" t="t" r="r" b="b"/>
+              <a:pathLst>
+                <a:path w="2304415" h="140335">
+                  <a:moveTo>
+                    <a:pt x="2303995" y="0"/>
+                  </a:moveTo>
+                  <a:lnTo>
+                    <a:pt x="0" y="0"/>
+                  </a:lnTo>
+                  <a:lnTo>
+                    <a:pt x="0" y="140017"/>
+                  </a:lnTo>
+                  <a:lnTo>
+                    <a:pt x="2303995" y="140017"/>
+                  </a:lnTo>
+                  <a:lnTo>
+                    <a:pt x="2303995" y="0"/>
+                  </a:lnTo>
+                  <a:close/>
+                </a:path>
+              </a:pathLst>
+            </a:custGeom>
+            <a:solidFill>
+              <a:srgbClr val="D8D8D8"/>
+            </a:solidFill>
+          </p:spPr>
+          <p:txBody>
+            <a:bodyPr wrap="square" lIns="0" tIns="0" rIns="0" bIns="0" rtlCol="0"/>
+            <a:lstStyle/>
+            <a:p>
+              <a:endParaRPr/>
+            </a:p>
+          </p:txBody>
+        </p:sp>
+      </p:grpSp>
+      <p:grpSp>
+        <p:nvGrpSpPr>
+          <p:cNvPr id="24" name="object 21">
+            <a:extLst>
+              <a:ext uri="{FF2B5EF4-FFF2-40B4-BE49-F238E27FC236}">
+                <a16:creationId xmlns:a16="http://schemas.microsoft.com/office/drawing/2014/main" id="{0CC17ED8-E096-4E65-A536-1562938C5B69}"/>
+              </a:ext>
+            </a:extLst>
+          </p:cNvPr>
+          <p:cNvGrpSpPr/>
+          <p:nvPr/>
+        </p:nvGrpSpPr>
+        <p:grpSpPr>
+          <a:xfrm>
+            <a:off x="0" y="3346348"/>
+            <a:ext cx="4608195" cy="109855"/>
+            <a:chOff x="0" y="3346348"/>
+            <a:chExt cx="4608195" cy="109855"/>
+          </a:xfrm>
+        </p:grpSpPr>
+        <p:sp>
+          <p:nvSpPr>
+            <p:cNvPr id="25" name="object 22">
+              <a:extLst>
+                <a:ext uri="{FF2B5EF4-FFF2-40B4-BE49-F238E27FC236}">
+                  <a16:creationId xmlns:a16="http://schemas.microsoft.com/office/drawing/2014/main" id="{A44E312F-67FB-460E-BE90-1BCAD7223CD4}"/>
+                </a:ext>
+              </a:extLst>
+            </p:cNvPr>
+            <p:cNvSpPr/>
+            <p:nvPr/>
+          </p:nvSpPr>
+          <p:spPr>
+            <a:xfrm>
+              <a:off x="0" y="3346348"/>
+              <a:ext cx="1536065" cy="109855"/>
+            </a:xfrm>
+            <a:custGeom>
+              <a:avLst/>
+              <a:gdLst/>
+              <a:ahLst/>
+              <a:cxnLst/>
+              <a:rect l="l" t="t" r="r" b="b"/>
+              <a:pathLst>
+                <a:path w="1536065" h="109854">
+                  <a:moveTo>
+                    <a:pt x="1535976" y="0"/>
+                  </a:moveTo>
+                  <a:lnTo>
+                    <a:pt x="0" y="0"/>
+                  </a:lnTo>
+                  <a:lnTo>
+                    <a:pt x="0" y="109651"/>
+                  </a:lnTo>
+                  <a:lnTo>
+                    <a:pt x="1535976" y="109651"/>
+                  </a:lnTo>
+                  <a:lnTo>
+                    <a:pt x="1535976" y="0"/>
+                  </a:lnTo>
+                  <a:close/>
+                </a:path>
+              </a:pathLst>
+            </a:custGeom>
+            <a:solidFill>
+              <a:schemeClr val="tx2">
+                <a:lumMod val="75000"/>
+              </a:schemeClr>
+            </a:solidFill>
+          </p:spPr>
+          <p:txBody>
+            <a:bodyPr wrap="square" lIns="0" tIns="0" rIns="0" bIns="0" rtlCol="0"/>
+            <a:lstStyle/>
+            <a:p>
+              <a:endParaRPr/>
+            </a:p>
+          </p:txBody>
+        </p:sp>
+        <p:sp>
+          <p:nvSpPr>
+            <p:cNvPr id="26" name="object 23">
+              <a:extLst>
+                <a:ext uri="{FF2B5EF4-FFF2-40B4-BE49-F238E27FC236}">
+                  <a16:creationId xmlns:a16="http://schemas.microsoft.com/office/drawing/2014/main" id="{8000B03F-79D9-4AF2-836E-5E9E9F8D33E5}"/>
+                </a:ext>
+              </a:extLst>
+            </p:cNvPr>
+            <p:cNvSpPr/>
+            <p:nvPr/>
+          </p:nvSpPr>
+          <p:spPr>
+            <a:xfrm>
+              <a:off x="1535976" y="3346348"/>
+              <a:ext cx="1536065" cy="109855"/>
+            </a:xfrm>
+            <a:custGeom>
+              <a:avLst/>
+              <a:gdLst/>
+              <a:ahLst/>
+              <a:cxnLst/>
+              <a:rect l="l" t="t" r="r" b="b"/>
+              <a:pathLst>
+                <a:path w="1536064" h="109854">
+                  <a:moveTo>
+                    <a:pt x="1535976" y="0"/>
+                  </a:moveTo>
+                  <a:lnTo>
+                    <a:pt x="0" y="0"/>
+                  </a:lnTo>
+                  <a:lnTo>
+                    <a:pt x="0" y="109651"/>
+                  </a:lnTo>
+                  <a:lnTo>
+                    <a:pt x="1535976" y="109651"/>
+                  </a:lnTo>
+                  <a:lnTo>
+                    <a:pt x="1535976" y="0"/>
+                  </a:lnTo>
+                  <a:close/>
+                </a:path>
+              </a:pathLst>
+            </a:custGeom>
+            <a:solidFill>
+              <a:srgbClr val="EBEBEB"/>
+            </a:solidFill>
+          </p:spPr>
+          <p:txBody>
+            <a:bodyPr wrap="square" lIns="0" tIns="0" rIns="0" bIns="0" rtlCol="0"/>
+            <a:lstStyle/>
+            <a:p>
+              <a:endParaRPr/>
+            </a:p>
+          </p:txBody>
+        </p:sp>
+        <p:sp>
+          <p:nvSpPr>
+            <p:cNvPr id="27" name="object 24">
+              <a:extLst>
+                <a:ext uri="{FF2B5EF4-FFF2-40B4-BE49-F238E27FC236}">
+                  <a16:creationId xmlns:a16="http://schemas.microsoft.com/office/drawing/2014/main" id="{7E722FD4-FDAA-4391-9760-9A266B5BEDDF}"/>
+                </a:ext>
+              </a:extLst>
+            </p:cNvPr>
+            <p:cNvSpPr/>
+            <p:nvPr/>
+          </p:nvSpPr>
+          <p:spPr>
+            <a:xfrm>
+              <a:off x="3071952" y="3346348"/>
+              <a:ext cx="1536065" cy="109855"/>
+            </a:xfrm>
+            <a:custGeom>
+              <a:avLst/>
+              <a:gdLst/>
+              <a:ahLst/>
+              <a:cxnLst/>
+              <a:rect l="l" t="t" r="r" b="b"/>
+              <a:pathLst>
+                <a:path w="1536064" h="109854">
+                  <a:moveTo>
+                    <a:pt x="1535976" y="0"/>
+                  </a:moveTo>
+                  <a:lnTo>
+                    <a:pt x="0" y="0"/>
+                  </a:lnTo>
+                  <a:lnTo>
+                    <a:pt x="0" y="109651"/>
+                  </a:lnTo>
+                  <a:lnTo>
+                    <a:pt x="1535976" y="109651"/>
+                  </a:lnTo>
+                  <a:lnTo>
+                    <a:pt x="1535976" y="0"/>
+                  </a:lnTo>
+                  <a:close/>
+                </a:path>
+              </a:pathLst>
+            </a:custGeom>
+            <a:solidFill>
+              <a:srgbClr val="D8D8D8"/>
+            </a:solidFill>
+          </p:spPr>
+          <p:txBody>
+            <a:bodyPr wrap="square" lIns="0" tIns="0" rIns="0" bIns="0" rtlCol="0"/>
+            <a:lstStyle/>
+            <a:p>
+              <a:endParaRPr/>
+            </a:p>
+          </p:txBody>
+        </p:sp>
+      </p:grpSp>
+      <p:sp>
+        <p:nvSpPr>
+          <p:cNvPr id="28" name="object 2">
+            <a:extLst>
+              <a:ext uri="{FF2B5EF4-FFF2-40B4-BE49-F238E27FC236}">
+                <a16:creationId xmlns:a16="http://schemas.microsoft.com/office/drawing/2014/main" id="{6662B4DC-6501-464E-ACC8-AA59AB01BE00}"/>
+              </a:ext>
+            </a:extLst>
+          </p:cNvPr>
+          <p:cNvSpPr txBox="1"/>
+          <p:nvPr/>
+        </p:nvSpPr>
+        <p:spPr>
+          <a:xfrm>
+            <a:off x="0" y="140017"/>
+            <a:ext cx="4608195" cy="293029"/>
+          </a:xfrm>
+          <a:prstGeom prst="rect">
+            <a:avLst/>
+          </a:prstGeom>
+          <a:solidFill>
+            <a:srgbClr val="F2F2F2"/>
+          </a:solidFill>
+        </p:spPr>
+        <p:txBody>
+          <a:bodyPr vert="horz" wrap="square" lIns="0" tIns="76835" rIns="0" bIns="0" rtlCol="0">
+            <a:spAutoFit/>
+          </a:bodyPr>
+          <a:lstStyle/>
+          <a:p>
+            <a:pPr marL="107950">
+              <a:lnSpc>
+                <a:spcPct val="100000"/>
+              </a:lnSpc>
+              <a:spcBef>
+                <a:spcPts val="605"/>
+              </a:spcBef>
+            </a:pPr>
+            <a:r>
+              <a:rPr lang="en-GB" sz="1400" spc="10" dirty="0">
+                <a:solidFill>
+                  <a:schemeClr val="tx2">
+                    <a:lumMod val="75000"/>
+                  </a:schemeClr>
+                </a:solidFill>
+                <a:latin typeface="LM Sans 12"/>
+                <a:cs typeface="LM Sans 12"/>
+              </a:rPr>
+              <a:t>Q-Learning</a:t>
+            </a:r>
+            <a:endParaRPr sz="1400" dirty="0">
+              <a:solidFill>
+                <a:schemeClr val="tx2">
+                  <a:lumMod val="75000"/>
+                </a:schemeClr>
+              </a:solidFill>
+              <a:latin typeface="LM Sans 12"/>
+              <a:cs typeface="LM Sans 12"/>
+            </a:endParaRPr>
+          </a:p>
+        </p:txBody>
+      </p:sp>
+      <mc:AlternateContent xmlns:mc="http://schemas.openxmlformats.org/markup-compatibility/2006">
+        <mc:Choice xmlns:a14="http://schemas.microsoft.com/office/drawing/2010/main" Requires="a14">
+          <p:sp>
+            <p:nvSpPr>
+              <p:cNvPr id="16" name="object 4">
+                <a:extLst>
+                  <a:ext uri="{FF2B5EF4-FFF2-40B4-BE49-F238E27FC236}">
+                    <a16:creationId xmlns:a16="http://schemas.microsoft.com/office/drawing/2014/main" id="{2430863C-1AB2-43E0-8FDB-DC1536DEB739}"/>
+                  </a:ext>
+                </a:extLst>
+              </p:cNvPr>
+              <p:cNvSpPr txBox="1"/>
+              <p:nvPr/>
+            </p:nvSpPr>
+            <p:spPr>
+              <a:xfrm>
+                <a:off x="95250" y="815975"/>
+                <a:ext cx="4288100" cy="2790251"/>
+              </a:xfrm>
+              <a:prstGeom prst="rect">
+                <a:avLst/>
+              </a:prstGeom>
+            </p:spPr>
+            <p:txBody>
+              <a:bodyPr vert="horz" wrap="square" lIns="0" tIns="6985" rIns="0" bIns="0" rtlCol="0">
+                <a:spAutoFit/>
+              </a:bodyPr>
+              <a:lstStyle/>
+              <a:p>
+                <a:pPr marL="298450" marR="5080" indent="-285750">
+                  <a:lnSpc>
+                    <a:spcPct val="102600"/>
+                  </a:lnSpc>
+                  <a:spcBef>
+                    <a:spcPts val="55"/>
+                  </a:spcBef>
+                  <a:buFont typeface="Wingdings" panose="05000000000000000000" pitchFamily="2" charset="2"/>
+                  <a:buChar char="q"/>
+                </a:pPr>
+                <a:r>
+                  <a:rPr lang="en-GB" sz="1400" spc="-10" dirty="0">
+                    <a:latin typeface="LM Sans 10"/>
+                    <a:cs typeface="LM Sans 10"/>
+                  </a:rPr>
+                  <a:t>Temporal Difference Learning-</a:t>
+                </a:r>
+              </a:p>
+              <a:p>
+                <a:pPr marL="298450" marR="5080" indent="-285750">
+                  <a:lnSpc>
+                    <a:spcPct val="102600"/>
+                  </a:lnSpc>
+                  <a:spcBef>
+                    <a:spcPts val="55"/>
+                  </a:spcBef>
+                  <a:buFont typeface="Wingdings" panose="05000000000000000000" pitchFamily="2" charset="2"/>
+                  <a:buChar char="q"/>
+                </a:pPr>
+                <a:endParaRPr lang="en-GB" sz="1400" spc="-10" dirty="0">
+                  <a:latin typeface="LM Sans 10"/>
+                  <a:cs typeface="LM Sans 10"/>
+                </a:endParaRPr>
+              </a:p>
+              <a:p>
+                <a:pPr marL="298450" marR="5080" indent="-285750">
+                  <a:lnSpc>
+                    <a:spcPct val="102600"/>
+                  </a:lnSpc>
+                  <a:spcBef>
+                    <a:spcPts val="55"/>
+                  </a:spcBef>
+                  <a:buFont typeface="Wingdings" panose="05000000000000000000" pitchFamily="2" charset="2"/>
+                  <a:buChar char="q"/>
+                </a:pPr>
+                <a:endParaRPr lang="en-GB" sz="1400" spc="-10" dirty="0">
+                  <a:latin typeface="LM Sans 10"/>
+                  <a:cs typeface="LM Sans 10"/>
+                </a:endParaRPr>
+              </a:p>
+              <a:p>
+                <a:pPr marL="298450" marR="5080" indent="-285750">
+                  <a:lnSpc>
+                    <a:spcPct val="102600"/>
+                  </a:lnSpc>
+                  <a:spcBef>
+                    <a:spcPts val="55"/>
+                  </a:spcBef>
+                  <a:buFont typeface="Wingdings" panose="05000000000000000000" pitchFamily="2" charset="2"/>
+                  <a:buChar char="q"/>
+                </a:pPr>
+                <a:endParaRPr lang="en-GB" sz="1400" spc="-10" dirty="0">
+                  <a:latin typeface="LM Sans 10"/>
+                  <a:cs typeface="LM Sans 10"/>
+                </a:endParaRPr>
+              </a:p>
+              <a:p>
+                <a:pPr marL="298450" marR="5080" indent="-285750">
+                  <a:lnSpc>
+                    <a:spcPct val="102600"/>
+                  </a:lnSpc>
+                  <a:spcBef>
+                    <a:spcPts val="55"/>
+                  </a:spcBef>
+                  <a:buFont typeface="Wingdings" panose="05000000000000000000" pitchFamily="2" charset="2"/>
+                  <a:buChar char="q"/>
+                </a:pPr>
+                <a:endParaRPr lang="en-GB" sz="1400" spc="-10" dirty="0">
+                  <a:latin typeface="LM Sans 10"/>
+                  <a:cs typeface="LM Sans 10"/>
+                </a:endParaRPr>
+              </a:p>
+              <a:p>
+                <a:pPr marL="298450" marR="5080" indent="-285750">
+                  <a:lnSpc>
+                    <a:spcPct val="102600"/>
+                  </a:lnSpc>
+                  <a:spcBef>
+                    <a:spcPts val="55"/>
+                  </a:spcBef>
+                  <a:buFont typeface="Wingdings" panose="05000000000000000000" pitchFamily="2" charset="2"/>
+                  <a:buChar char="q"/>
+                </a:pPr>
+                <a:r>
+                  <a:rPr lang="en-GB" sz="1400" spc="-10" dirty="0">
+                    <a:latin typeface="LM Sans 10"/>
+                    <a:cs typeface="LM Sans 10"/>
+                  </a:rPr>
+                  <a:t>Update </a:t>
+                </a:r>
+                <a14:m>
+                  <m:oMath xmlns:m="http://schemas.openxmlformats.org/officeDocument/2006/math">
+                    <m:r>
+                      <a:rPr lang="en-GB" sz="1400" i="1" spc="-10" smtClean="0">
+                        <a:latin typeface="Cambria Math" panose="02040503050406030204" pitchFamily="18" charset="0"/>
+                        <a:ea typeface="Cambria Math" panose="02040503050406030204" pitchFamily="18" charset="0"/>
+                        <a:cs typeface="LM Sans 10"/>
+                      </a:rPr>
+                      <m:t>𝜃</m:t>
+                    </m:r>
+                  </m:oMath>
+                </a14:m>
+                <a:r>
+                  <a:rPr lang="en-GB" sz="1400" spc="-10" dirty="0">
+                    <a:latin typeface="LM Sans 10"/>
+                    <a:cs typeface="LM Sans 10"/>
+                  </a:rPr>
+                  <a:t> w.r.t one step </a:t>
+                </a:r>
+                <a14:m>
+                  <m:oMath xmlns:m="http://schemas.openxmlformats.org/officeDocument/2006/math">
+                    <m:r>
+                      <a:rPr lang="en-GB" sz="1400" b="0" i="1" spc="-10" smtClean="0">
+                        <a:latin typeface="Cambria Math" panose="02040503050406030204" pitchFamily="18" charset="0"/>
+                        <a:cs typeface="LM Sans 10"/>
+                      </a:rPr>
+                      <m:t>𝑄</m:t>
+                    </m:r>
+                  </m:oMath>
+                </a14:m>
+                <a:r>
+                  <a:rPr lang="en-GB" sz="1400" spc="-10" dirty="0">
+                    <a:latin typeface="LM Sans 10"/>
+                    <a:cs typeface="LM Sans 10"/>
+                  </a:rPr>
+                  <a:t>-value estimates</a:t>
+                </a:r>
+              </a:p>
+              <a:p>
+                <a:pPr marL="298450" marR="5080" indent="-285750">
+                  <a:lnSpc>
+                    <a:spcPct val="102600"/>
+                  </a:lnSpc>
+                  <a:spcBef>
+                    <a:spcPts val="55"/>
+                  </a:spcBef>
+                  <a:buFont typeface="Wingdings" panose="05000000000000000000" pitchFamily="2" charset="2"/>
+                  <a:buChar char="q"/>
+                </a:pPr>
+                <a:r>
+                  <a:rPr lang="en-GB" sz="1400" spc="-10" dirty="0">
+                    <a:latin typeface="LM Sans 10"/>
+                    <a:cs typeface="LM Sans 10"/>
+                  </a:rPr>
+                  <a:t>Minimize cost using Gradient Descent</a:t>
+                </a:r>
+              </a:p>
+              <a:p>
+                <a:pPr marL="298450" marR="5080" indent="-285750">
+                  <a:lnSpc>
+                    <a:spcPct val="102600"/>
+                  </a:lnSpc>
+                  <a:spcBef>
+                    <a:spcPts val="55"/>
+                  </a:spcBef>
+                  <a:buFont typeface="Wingdings" panose="05000000000000000000" pitchFamily="2" charset="2"/>
+                  <a:buChar char="q"/>
+                </a:pPr>
+                <a:r>
+                  <a:rPr lang="en-GB" sz="1400" spc="-10" dirty="0">
+                    <a:latin typeface="LM Sans 10"/>
+                    <a:cs typeface="LM Sans 10"/>
+                  </a:rPr>
+                  <a:t>Select best action </a:t>
+                </a:r>
+                <a14:m>
+                  <m:oMath xmlns:m="http://schemas.openxmlformats.org/officeDocument/2006/math">
+                    <m:sSub>
+                      <m:sSubPr>
+                        <m:ctrlPr>
+                          <a:rPr lang="en-GB" sz="1400" b="0" i="1" spc="-10" smtClean="0">
+                            <a:latin typeface="Cambria Math" panose="02040503050406030204" pitchFamily="18" charset="0"/>
+                            <a:cs typeface="LM Sans 10"/>
+                          </a:rPr>
+                        </m:ctrlPr>
+                      </m:sSubPr>
+                      <m:e>
+                        <m:r>
+                          <a:rPr lang="en-GB" sz="1400" b="0" i="1" spc="-10" smtClean="0">
+                            <a:latin typeface="Cambria Math" panose="02040503050406030204" pitchFamily="18" charset="0"/>
+                            <a:cs typeface="LM Sans 10"/>
+                          </a:rPr>
+                          <m:t>𝑢</m:t>
+                        </m:r>
+                      </m:e>
+                      <m:sub>
+                        <m:r>
+                          <a:rPr lang="en-GB" sz="1400" b="0" i="1" spc="-10" smtClean="0">
+                            <a:latin typeface="Cambria Math" panose="02040503050406030204" pitchFamily="18" charset="0"/>
+                            <a:cs typeface="LM Sans 10"/>
+                          </a:rPr>
+                          <m:t>𝑡</m:t>
+                        </m:r>
+                        <m:r>
+                          <a:rPr lang="en-GB" sz="1400" b="0" i="1" spc="-10" smtClean="0">
+                            <a:latin typeface="Cambria Math" panose="02040503050406030204" pitchFamily="18" charset="0"/>
+                            <a:cs typeface="LM Sans 10"/>
+                          </a:rPr>
+                          <m:t>+1</m:t>
+                        </m:r>
+                      </m:sub>
+                    </m:sSub>
+                  </m:oMath>
+                </a14:m>
+                <a:r>
+                  <a:rPr lang="en-GB" sz="1400" spc="-10" dirty="0">
+                    <a:latin typeface="LM Sans 10"/>
+                    <a:cs typeface="LM Sans 10"/>
+                  </a:rPr>
+                  <a:t> greedily using Boltzmann distribution</a:t>
+                </a:r>
+              </a:p>
+              <a:p>
+                <a:pPr marL="298450" marR="5080" indent="-285750">
+                  <a:lnSpc>
+                    <a:spcPct val="102600"/>
+                  </a:lnSpc>
+                  <a:spcBef>
+                    <a:spcPts val="55"/>
+                  </a:spcBef>
+                  <a:buFont typeface="Wingdings" panose="05000000000000000000" pitchFamily="2" charset="2"/>
+                  <a:buChar char="q"/>
+                </a:pPr>
+                <a:endParaRPr lang="en-GB" sz="1400" spc="-10" dirty="0">
+                  <a:latin typeface="LM Sans 10"/>
+                  <a:cs typeface="LM Sans 10"/>
+                </a:endParaRPr>
+              </a:p>
+              <a:p>
+                <a:pPr marL="298450" marR="5080" indent="-285750">
+                  <a:lnSpc>
+                    <a:spcPct val="102600"/>
+                  </a:lnSpc>
+                  <a:spcBef>
+                    <a:spcPts val="55"/>
+                  </a:spcBef>
+                  <a:buFont typeface="Wingdings" panose="05000000000000000000" pitchFamily="2" charset="2"/>
+                  <a:buChar char="q"/>
+                </a:pPr>
+                <a:endParaRPr lang="en-GB" sz="1400" spc="-10" dirty="0">
+                  <a:latin typeface="LM Sans 10"/>
+                  <a:cs typeface="LM Sans 10"/>
+                </a:endParaRPr>
+              </a:p>
+              <a:p>
+                <a:pPr marL="12700" marR="5080">
+                  <a:lnSpc>
+                    <a:spcPct val="102600"/>
+                  </a:lnSpc>
+                  <a:spcBef>
+                    <a:spcPts val="55"/>
+                  </a:spcBef>
+                </a:pPr>
+                <a:endParaRPr lang="en-GB" sz="1400" spc="-10" dirty="0">
+                  <a:latin typeface="LM Sans 10"/>
+                  <a:cs typeface="LM Sans 10"/>
+                </a:endParaRPr>
+              </a:p>
+            </p:txBody>
+          </p:sp>
+        </mc:Choice>
+        <mc:Fallback>
+          <p:sp>
+            <p:nvSpPr>
+              <p:cNvPr id="16" name="object 4">
+                <a:extLst>
+                  <a:ext uri="{FF2B5EF4-FFF2-40B4-BE49-F238E27FC236}">
+                    <a16:creationId xmlns:a16="http://schemas.microsoft.com/office/drawing/2014/main" id="{2430863C-1AB2-43E0-8FDB-DC1536DEB739}"/>
+                  </a:ext>
+                </a:extLst>
+              </p:cNvPr>
+              <p:cNvSpPr txBox="1">
+                <a:spLocks noRot="1" noChangeAspect="1" noMove="1" noResize="1" noEditPoints="1" noAdjustHandles="1" noChangeArrowheads="1" noChangeShapeType="1" noTextEdit="1"/>
+              </p:cNvSpPr>
+              <p:nvPr/>
+            </p:nvSpPr>
+            <p:spPr>
+              <a:xfrm>
+                <a:off x="95250" y="815975"/>
+                <a:ext cx="4288100" cy="2790251"/>
+              </a:xfrm>
+              <a:prstGeom prst="rect">
+                <a:avLst/>
+              </a:prstGeom>
+              <a:blipFill>
+                <a:blip r:embed="rId2"/>
+                <a:stretch>
+                  <a:fillRect l="-2134" t="-1747"/>
+                </a:stretch>
+              </a:blipFill>
+            </p:spPr>
+            <p:txBody>
+              <a:bodyPr/>
+              <a:lstStyle/>
+              <a:p>
+                <a:r>
+                  <a:rPr lang="en-GB">
+                    <a:noFill/>
+                  </a:rPr>
+                  <a:t> </a:t>
+                </a:r>
+              </a:p>
+            </p:txBody>
+          </p:sp>
+        </mc:Fallback>
+      </mc:AlternateContent>
+      <p:sp>
+        <p:nvSpPr>
+          <p:cNvPr id="15" name="object 4">
+            <a:extLst>
+              <a:ext uri="{FF2B5EF4-FFF2-40B4-BE49-F238E27FC236}">
+                <a16:creationId xmlns:a16="http://schemas.microsoft.com/office/drawing/2014/main" id="{CEA486B3-987F-4AED-A430-0A1AFDDD1883}"/>
+              </a:ext>
+            </a:extLst>
+          </p:cNvPr>
+          <p:cNvSpPr txBox="1"/>
+          <p:nvPr/>
+        </p:nvSpPr>
+        <p:spPr>
+          <a:xfrm>
+            <a:off x="29500" y="3123882"/>
+            <a:ext cx="4288100" cy="99386"/>
+          </a:xfrm>
+          <a:prstGeom prst="rect">
+            <a:avLst/>
+          </a:prstGeom>
+        </p:spPr>
+        <p:txBody>
+          <a:bodyPr vert="horz" wrap="square" lIns="0" tIns="6985" rIns="0" bIns="0" rtlCol="0">
+            <a:spAutoFit/>
+          </a:bodyPr>
+          <a:lstStyle/>
+          <a:p>
+            <a:pPr algn="l"/>
+            <a:r>
+              <a:rPr lang="en-US" sz="600" b="0" i="0" u="none" strike="noStrike" baseline="0" dirty="0">
+                <a:latin typeface="Times New Roman" panose="02020603050405020304" pitchFamily="18" charset="0"/>
+                <a:cs typeface="Times New Roman" panose="02020603050405020304" pitchFamily="18" charset="0"/>
+              </a:rPr>
+              <a:t>Richard S. Sutton and Andrew G. </a:t>
+            </a:r>
+            <a:r>
+              <a:rPr lang="en-US" sz="600" b="0" i="0" u="none" strike="noStrike" baseline="0" dirty="0" err="1">
+                <a:latin typeface="Times New Roman" panose="02020603050405020304" pitchFamily="18" charset="0"/>
+                <a:cs typeface="Times New Roman" panose="02020603050405020304" pitchFamily="18" charset="0"/>
+              </a:rPr>
+              <a:t>Barto</a:t>
+            </a:r>
+            <a:r>
+              <a:rPr lang="en-US" sz="600" b="0" i="0" u="none" strike="noStrike" baseline="0" dirty="0">
+                <a:latin typeface="Times New Roman" panose="02020603050405020304" pitchFamily="18" charset="0"/>
+                <a:cs typeface="Times New Roman" panose="02020603050405020304" pitchFamily="18" charset="0"/>
+              </a:rPr>
+              <a:t>. Reinforcement Learning: An </a:t>
+            </a:r>
+            <a:r>
+              <a:rPr lang="en-GB" sz="600" b="0" i="0" u="none" strike="noStrike" baseline="0" dirty="0">
+                <a:latin typeface="Times New Roman" panose="02020603050405020304" pitchFamily="18" charset="0"/>
+                <a:cs typeface="Times New Roman" panose="02020603050405020304" pitchFamily="18" charset="0"/>
+              </a:rPr>
+              <a:t>Introduction. 2018.</a:t>
+            </a:r>
+            <a:endParaRPr lang="en-GB" sz="600" spc="-10" dirty="0">
+              <a:latin typeface="Times New Roman" panose="02020603050405020304" pitchFamily="18" charset="0"/>
+              <a:cs typeface="Times New Roman" panose="02020603050405020304" pitchFamily="18" charset="0"/>
+            </a:endParaRPr>
+          </a:p>
+        </p:txBody>
+      </p:sp>
+      <p:pic>
+        <p:nvPicPr>
+          <p:cNvPr id="4" name="Picture 3">
+            <a:extLst>
+              <a:ext uri="{FF2B5EF4-FFF2-40B4-BE49-F238E27FC236}">
+                <a16:creationId xmlns:a16="http://schemas.microsoft.com/office/drawing/2014/main" id="{8246D703-2FC5-4FA4-AB6D-4F569480B8D4}"/>
+              </a:ext>
+            </a:extLst>
+          </p:cNvPr>
+          <p:cNvPicPr>
+            <a:picLocks noChangeAspect="1"/>
+          </p:cNvPicPr>
+          <p:nvPr/>
+        </p:nvPicPr>
+        <p:blipFill>
+          <a:blip r:embed="rId3"/>
+          <a:stretch>
+            <a:fillRect/>
+          </a:stretch>
+        </p:blipFill>
+        <p:spPr>
+          <a:xfrm>
+            <a:off x="1101987" y="1070989"/>
+            <a:ext cx="2143125" cy="448235"/>
+          </a:xfrm>
+          <a:prstGeom prst="rect">
+            <a:avLst/>
+          </a:prstGeom>
+        </p:spPr>
+      </p:pic>
+      <p:pic>
+        <p:nvPicPr>
+          <p:cNvPr id="6" name="Picture 5">
+            <a:extLst>
+              <a:ext uri="{FF2B5EF4-FFF2-40B4-BE49-F238E27FC236}">
+                <a16:creationId xmlns:a16="http://schemas.microsoft.com/office/drawing/2014/main" id="{A8BA7B11-179D-4D11-B55B-AEB2AD203333}"/>
+              </a:ext>
+            </a:extLst>
+          </p:cNvPr>
+          <p:cNvPicPr>
+            <a:picLocks noChangeAspect="1"/>
+          </p:cNvPicPr>
+          <p:nvPr/>
+        </p:nvPicPr>
+        <p:blipFill>
+          <a:blip r:embed="rId4"/>
+          <a:stretch>
+            <a:fillRect/>
+          </a:stretch>
+        </p:blipFill>
+        <p:spPr>
+          <a:xfrm>
+            <a:off x="820075" y="1519224"/>
+            <a:ext cx="2838450" cy="363356"/>
+          </a:xfrm>
+          <a:prstGeom prst="rect">
+            <a:avLst/>
+          </a:prstGeom>
+        </p:spPr>
+      </p:pic>
+    </p:spTree>
+    <p:extLst>
+      <p:ext uri="{BB962C8B-B14F-4D97-AF65-F5344CB8AC3E}">
+        <p14:creationId xmlns:p14="http://schemas.microsoft.com/office/powerpoint/2010/main" val="1287588956"/>
+      </p:ext>
+    </p:extLst>
+  </p:cSld>
+  <p:clrMapOvr>
+    <a:masterClrMapping/>
+  </p:clrMapOvr>
+  <p:transition>
+    <p:cut/>
+  </p:transition>
+</p:sld>
+</file>
+
+<file path=ppt/slides/slide15.xml><?xml version="1.0" encoding="utf-8"?>
+<p:sld xmlns:a="http://schemas.openxmlformats.org/drawingml/2006/main" xmlns:r="http://schemas.openxmlformats.org/officeDocument/2006/relationships" xmlns:p="http://schemas.openxmlformats.org/presentationml/2006/main">
+  <p:cSld>
+    <p:spTree>
+      <p:nvGrpSpPr>
+        <p:cNvPr id="1" name=""/>
+        <p:cNvGrpSpPr/>
+        <p:nvPr/>
+      </p:nvGrpSpPr>
+      <p:grpSpPr>
+        <a:xfrm>
+          <a:off x="0" y="0"/>
+          <a:ext cx="0" cy="0"/>
+          <a:chOff x="0" y="0"/>
+          <a:chExt cx="0" cy="0"/>
+        </a:xfrm>
+      </p:grpSpPr>
+      <p:sp>
+        <p:nvSpPr>
+          <p:cNvPr id="13" name="object 26">
+            <a:extLst>
+              <a:ext uri="{FF2B5EF4-FFF2-40B4-BE49-F238E27FC236}">
+                <a16:creationId xmlns:a16="http://schemas.microsoft.com/office/drawing/2014/main" id="{FAFDBEC2-677E-4926-A34A-ACB5F03BBB2D}"/>
+              </a:ext>
+            </a:extLst>
+          </p:cNvPr>
+          <p:cNvSpPr txBox="1">
+            <a:spLocks noGrp="1"/>
+          </p:cNvSpPr>
+          <p:nvPr>
+            <p:ph type="ftr" sz="quarter" idx="5"/>
+          </p:nvPr>
+        </p:nvSpPr>
+        <p:spPr>
+          <a:xfrm>
+            <a:off x="584276" y="3351784"/>
+            <a:ext cx="367665" cy="89768"/>
+          </a:xfrm>
+          <a:prstGeom prst="rect">
+            <a:avLst/>
+          </a:prstGeom>
+        </p:spPr>
+        <p:txBody>
+          <a:bodyPr vert="horz" wrap="square" lIns="0" tIns="0" rIns="0" bIns="0" rtlCol="0">
+            <a:spAutoFit/>
+          </a:bodyPr>
+          <a:lstStyle/>
+          <a:p>
+            <a:pPr marL="12700">
+              <a:lnSpc>
+                <a:spcPts val="675"/>
+              </a:lnSpc>
+            </a:pPr>
+            <a:r>
+              <a:rPr lang="en-GB" spc="-5" dirty="0"/>
+              <a:t>CMTE</a:t>
+            </a:r>
+            <a:endParaRPr spc="-5" dirty="0"/>
+          </a:p>
+        </p:txBody>
+      </p:sp>
+      <p:grpSp>
+        <p:nvGrpSpPr>
+          <p:cNvPr id="17" name="object 7">
+            <a:extLst>
+              <a:ext uri="{FF2B5EF4-FFF2-40B4-BE49-F238E27FC236}">
+                <a16:creationId xmlns:a16="http://schemas.microsoft.com/office/drawing/2014/main" id="{68BA472F-C4AA-485D-9E48-8E6172A1B1C0}"/>
+              </a:ext>
+            </a:extLst>
+          </p:cNvPr>
+          <p:cNvGrpSpPr/>
+          <p:nvPr/>
+        </p:nvGrpSpPr>
+        <p:grpSpPr>
+          <a:xfrm>
+            <a:off x="0" y="0"/>
+            <a:ext cx="4608195" cy="140335"/>
+            <a:chOff x="0" y="0"/>
+            <a:chExt cx="4608195" cy="140335"/>
+          </a:xfrm>
+        </p:grpSpPr>
+        <p:sp>
+          <p:nvSpPr>
+            <p:cNvPr id="18" name="object 8">
+              <a:extLst>
+                <a:ext uri="{FF2B5EF4-FFF2-40B4-BE49-F238E27FC236}">
+                  <a16:creationId xmlns:a16="http://schemas.microsoft.com/office/drawing/2014/main" id="{C8CDD223-88F0-4CC9-9D96-0E036CBA23C2}"/>
+                </a:ext>
+              </a:extLst>
+            </p:cNvPr>
+            <p:cNvSpPr/>
+            <p:nvPr/>
+          </p:nvSpPr>
+          <p:spPr>
+            <a:xfrm>
+              <a:off x="0" y="0"/>
+              <a:ext cx="2304415" cy="140335"/>
+            </a:xfrm>
+            <a:custGeom>
+              <a:avLst/>
+              <a:gdLst/>
+              <a:ahLst/>
+              <a:cxnLst/>
+              <a:rect l="l" t="t" r="r" b="b"/>
+              <a:pathLst>
+                <a:path w="2304415" h="140335">
+                  <a:moveTo>
+                    <a:pt x="2303995" y="0"/>
+                  </a:moveTo>
+                  <a:lnTo>
+                    <a:pt x="0" y="0"/>
+                  </a:lnTo>
+                  <a:lnTo>
+                    <a:pt x="0" y="140017"/>
+                  </a:lnTo>
+                  <a:lnTo>
+                    <a:pt x="2303995" y="140017"/>
+                  </a:lnTo>
+                  <a:lnTo>
+                    <a:pt x="2303995" y="0"/>
+                  </a:lnTo>
+                  <a:close/>
+                </a:path>
+              </a:pathLst>
+            </a:custGeom>
+            <a:solidFill>
+              <a:schemeClr val="tx2">
+                <a:lumMod val="75000"/>
+              </a:schemeClr>
+            </a:solidFill>
+          </p:spPr>
+          <p:txBody>
+            <a:bodyPr wrap="square" lIns="0" tIns="0" rIns="0" bIns="0" rtlCol="0"/>
+            <a:lstStyle/>
+            <a:p>
+              <a:endParaRPr/>
+            </a:p>
+          </p:txBody>
+        </p:sp>
+        <p:sp>
+          <p:nvSpPr>
+            <p:cNvPr id="23" name="object 9">
+              <a:extLst>
+                <a:ext uri="{FF2B5EF4-FFF2-40B4-BE49-F238E27FC236}">
+                  <a16:creationId xmlns:a16="http://schemas.microsoft.com/office/drawing/2014/main" id="{5BF8E5A9-90A0-458B-95FD-9B43BAA07D63}"/>
+                </a:ext>
+              </a:extLst>
+            </p:cNvPr>
+            <p:cNvSpPr/>
+            <p:nvPr/>
+          </p:nvSpPr>
+          <p:spPr>
+            <a:xfrm>
+              <a:off x="2303995" y="0"/>
+              <a:ext cx="2304415" cy="140335"/>
+            </a:xfrm>
+            <a:custGeom>
+              <a:avLst/>
+              <a:gdLst/>
+              <a:ahLst/>
+              <a:cxnLst/>
+              <a:rect l="l" t="t" r="r" b="b"/>
+              <a:pathLst>
+                <a:path w="2304415" h="140335">
+                  <a:moveTo>
+                    <a:pt x="2303995" y="0"/>
+                  </a:moveTo>
+                  <a:lnTo>
+                    <a:pt x="0" y="0"/>
+                  </a:lnTo>
+                  <a:lnTo>
+                    <a:pt x="0" y="140017"/>
+                  </a:lnTo>
+                  <a:lnTo>
+                    <a:pt x="2303995" y="140017"/>
+                  </a:lnTo>
+                  <a:lnTo>
+                    <a:pt x="2303995" y="0"/>
+                  </a:lnTo>
+                  <a:close/>
+                </a:path>
+              </a:pathLst>
+            </a:custGeom>
+            <a:solidFill>
+              <a:srgbClr val="D8D8D8"/>
+            </a:solidFill>
+          </p:spPr>
+          <p:txBody>
+            <a:bodyPr wrap="square" lIns="0" tIns="0" rIns="0" bIns="0" rtlCol="0"/>
+            <a:lstStyle/>
+            <a:p>
+              <a:endParaRPr/>
+            </a:p>
+          </p:txBody>
+        </p:sp>
+      </p:grpSp>
+      <p:grpSp>
+        <p:nvGrpSpPr>
+          <p:cNvPr id="24" name="object 21">
+            <a:extLst>
+              <a:ext uri="{FF2B5EF4-FFF2-40B4-BE49-F238E27FC236}">
+                <a16:creationId xmlns:a16="http://schemas.microsoft.com/office/drawing/2014/main" id="{0CC17ED8-E096-4E65-A536-1562938C5B69}"/>
+              </a:ext>
+            </a:extLst>
+          </p:cNvPr>
+          <p:cNvGrpSpPr/>
+          <p:nvPr/>
+        </p:nvGrpSpPr>
+        <p:grpSpPr>
+          <a:xfrm>
+            <a:off x="0" y="3346348"/>
+            <a:ext cx="4608195" cy="109855"/>
+            <a:chOff x="0" y="3346348"/>
+            <a:chExt cx="4608195" cy="109855"/>
+          </a:xfrm>
+        </p:grpSpPr>
+        <p:sp>
+          <p:nvSpPr>
+            <p:cNvPr id="25" name="object 22">
+              <a:extLst>
+                <a:ext uri="{FF2B5EF4-FFF2-40B4-BE49-F238E27FC236}">
+                  <a16:creationId xmlns:a16="http://schemas.microsoft.com/office/drawing/2014/main" id="{A44E312F-67FB-460E-BE90-1BCAD7223CD4}"/>
+                </a:ext>
+              </a:extLst>
+            </p:cNvPr>
+            <p:cNvSpPr/>
+            <p:nvPr/>
+          </p:nvSpPr>
+          <p:spPr>
+            <a:xfrm>
+              <a:off x="0" y="3346348"/>
+              <a:ext cx="1536065" cy="109855"/>
+            </a:xfrm>
+            <a:custGeom>
+              <a:avLst/>
+              <a:gdLst/>
+              <a:ahLst/>
+              <a:cxnLst/>
+              <a:rect l="l" t="t" r="r" b="b"/>
+              <a:pathLst>
+                <a:path w="1536065" h="109854">
+                  <a:moveTo>
+                    <a:pt x="1535976" y="0"/>
+                  </a:moveTo>
+                  <a:lnTo>
+                    <a:pt x="0" y="0"/>
+                  </a:lnTo>
+                  <a:lnTo>
+                    <a:pt x="0" y="109651"/>
+                  </a:lnTo>
+                  <a:lnTo>
+                    <a:pt x="1535976" y="109651"/>
+                  </a:lnTo>
+                  <a:lnTo>
+                    <a:pt x="1535976" y="0"/>
+                  </a:lnTo>
+                  <a:close/>
+                </a:path>
+              </a:pathLst>
+            </a:custGeom>
+            <a:solidFill>
+              <a:schemeClr val="tx2">
+                <a:lumMod val="75000"/>
+              </a:schemeClr>
+            </a:solidFill>
+          </p:spPr>
+          <p:txBody>
+            <a:bodyPr wrap="square" lIns="0" tIns="0" rIns="0" bIns="0" rtlCol="0"/>
+            <a:lstStyle/>
+            <a:p>
+              <a:endParaRPr/>
+            </a:p>
+          </p:txBody>
+        </p:sp>
+        <p:sp>
+          <p:nvSpPr>
+            <p:cNvPr id="26" name="object 23">
+              <a:extLst>
+                <a:ext uri="{FF2B5EF4-FFF2-40B4-BE49-F238E27FC236}">
+                  <a16:creationId xmlns:a16="http://schemas.microsoft.com/office/drawing/2014/main" id="{8000B03F-79D9-4AF2-836E-5E9E9F8D33E5}"/>
+                </a:ext>
+              </a:extLst>
+            </p:cNvPr>
+            <p:cNvSpPr/>
+            <p:nvPr/>
+          </p:nvSpPr>
+          <p:spPr>
+            <a:xfrm>
+              <a:off x="1535976" y="3346348"/>
+              <a:ext cx="1536065" cy="109855"/>
+            </a:xfrm>
+            <a:custGeom>
+              <a:avLst/>
+              <a:gdLst/>
+              <a:ahLst/>
+              <a:cxnLst/>
+              <a:rect l="l" t="t" r="r" b="b"/>
+              <a:pathLst>
+                <a:path w="1536064" h="109854">
+                  <a:moveTo>
+                    <a:pt x="1535976" y="0"/>
+                  </a:moveTo>
+                  <a:lnTo>
+                    <a:pt x="0" y="0"/>
+                  </a:lnTo>
+                  <a:lnTo>
+                    <a:pt x="0" y="109651"/>
+                  </a:lnTo>
+                  <a:lnTo>
+                    <a:pt x="1535976" y="109651"/>
+                  </a:lnTo>
+                  <a:lnTo>
+                    <a:pt x="1535976" y="0"/>
+                  </a:lnTo>
+                  <a:close/>
+                </a:path>
+              </a:pathLst>
+            </a:custGeom>
+            <a:solidFill>
+              <a:srgbClr val="EBEBEB"/>
+            </a:solidFill>
+          </p:spPr>
+          <p:txBody>
+            <a:bodyPr wrap="square" lIns="0" tIns="0" rIns="0" bIns="0" rtlCol="0"/>
+            <a:lstStyle/>
+            <a:p>
+              <a:endParaRPr/>
+            </a:p>
+          </p:txBody>
+        </p:sp>
+        <p:sp>
+          <p:nvSpPr>
+            <p:cNvPr id="27" name="object 24">
+              <a:extLst>
+                <a:ext uri="{FF2B5EF4-FFF2-40B4-BE49-F238E27FC236}">
+                  <a16:creationId xmlns:a16="http://schemas.microsoft.com/office/drawing/2014/main" id="{7E722FD4-FDAA-4391-9760-9A266B5BEDDF}"/>
+                </a:ext>
+              </a:extLst>
+            </p:cNvPr>
+            <p:cNvSpPr/>
+            <p:nvPr/>
+          </p:nvSpPr>
+          <p:spPr>
+            <a:xfrm>
+              <a:off x="3071952" y="3346348"/>
+              <a:ext cx="1536065" cy="109855"/>
+            </a:xfrm>
+            <a:custGeom>
+              <a:avLst/>
+              <a:gdLst/>
+              <a:ahLst/>
+              <a:cxnLst/>
+              <a:rect l="l" t="t" r="r" b="b"/>
+              <a:pathLst>
+                <a:path w="1536064" h="109854">
+                  <a:moveTo>
+                    <a:pt x="1535976" y="0"/>
+                  </a:moveTo>
+                  <a:lnTo>
+                    <a:pt x="0" y="0"/>
+                  </a:lnTo>
+                  <a:lnTo>
+                    <a:pt x="0" y="109651"/>
+                  </a:lnTo>
+                  <a:lnTo>
+                    <a:pt x="1535976" y="109651"/>
+                  </a:lnTo>
+                  <a:lnTo>
+                    <a:pt x="1535976" y="0"/>
+                  </a:lnTo>
+                  <a:close/>
+                </a:path>
+              </a:pathLst>
+            </a:custGeom>
+            <a:solidFill>
+              <a:srgbClr val="D8D8D8"/>
+            </a:solidFill>
+          </p:spPr>
+          <p:txBody>
+            <a:bodyPr wrap="square" lIns="0" tIns="0" rIns="0" bIns="0" rtlCol="0"/>
+            <a:lstStyle/>
+            <a:p>
+              <a:endParaRPr/>
+            </a:p>
+          </p:txBody>
+        </p:sp>
+      </p:grpSp>
+      <p:sp>
+        <p:nvSpPr>
+          <p:cNvPr id="28" name="object 2">
+            <a:extLst>
+              <a:ext uri="{FF2B5EF4-FFF2-40B4-BE49-F238E27FC236}">
+                <a16:creationId xmlns:a16="http://schemas.microsoft.com/office/drawing/2014/main" id="{6662B4DC-6501-464E-ACC8-AA59AB01BE00}"/>
+              </a:ext>
+            </a:extLst>
+          </p:cNvPr>
+          <p:cNvSpPr txBox="1"/>
+          <p:nvPr/>
+        </p:nvSpPr>
+        <p:spPr>
+          <a:xfrm>
+            <a:off x="0" y="140017"/>
+            <a:ext cx="4608195" cy="293029"/>
+          </a:xfrm>
+          <a:prstGeom prst="rect">
+            <a:avLst/>
+          </a:prstGeom>
+          <a:solidFill>
+            <a:srgbClr val="F2F2F2"/>
+          </a:solidFill>
+        </p:spPr>
+        <p:txBody>
+          <a:bodyPr vert="horz" wrap="square" lIns="0" tIns="76835" rIns="0" bIns="0" rtlCol="0">
+            <a:spAutoFit/>
+          </a:bodyPr>
+          <a:lstStyle/>
+          <a:p>
+            <a:pPr marL="107950">
+              <a:lnSpc>
+                <a:spcPct val="100000"/>
+              </a:lnSpc>
+              <a:spcBef>
+                <a:spcPts val="605"/>
+              </a:spcBef>
+            </a:pPr>
+            <a:r>
+              <a:rPr lang="en-GB" sz="1400" spc="10" dirty="0">
+                <a:solidFill>
+                  <a:schemeClr val="tx2">
+                    <a:lumMod val="75000"/>
+                  </a:schemeClr>
+                </a:solidFill>
+                <a:latin typeface="LM Sans 12"/>
+                <a:cs typeface="LM Sans 12"/>
+              </a:rPr>
+              <a:t>Q-Learning</a:t>
+            </a:r>
+            <a:endParaRPr sz="1400" dirty="0">
+              <a:solidFill>
+                <a:schemeClr val="tx2">
+                  <a:lumMod val="75000"/>
+                </a:schemeClr>
+              </a:solidFill>
+              <a:latin typeface="LM Sans 12"/>
+              <a:cs typeface="LM Sans 12"/>
+            </a:endParaRPr>
+          </a:p>
+        </p:txBody>
+      </p:sp>
+      <mc:AlternateContent xmlns:mc="http://schemas.openxmlformats.org/markup-compatibility/2006">
+        <mc:Choice xmlns:a14="http://schemas.microsoft.com/office/drawing/2010/main" Requires="a14">
+          <p:sp>
+            <p:nvSpPr>
+              <p:cNvPr id="16" name="object 4">
+                <a:extLst>
+                  <a:ext uri="{FF2B5EF4-FFF2-40B4-BE49-F238E27FC236}">
+                    <a16:creationId xmlns:a16="http://schemas.microsoft.com/office/drawing/2014/main" id="{2430863C-1AB2-43E0-8FDB-DC1536DEB739}"/>
+                  </a:ext>
+                </a:extLst>
+              </p:cNvPr>
+              <p:cNvSpPr txBox="1"/>
+              <p:nvPr/>
+            </p:nvSpPr>
+            <p:spPr>
+              <a:xfrm>
+                <a:off x="95250" y="815975"/>
+                <a:ext cx="4288100" cy="3024995"/>
+              </a:xfrm>
+              <a:prstGeom prst="rect">
+                <a:avLst/>
+              </a:prstGeom>
+            </p:spPr>
+            <p:txBody>
+              <a:bodyPr vert="horz" wrap="square" lIns="0" tIns="6985" rIns="0" bIns="0" rtlCol="0">
+                <a:spAutoFit/>
+              </a:bodyPr>
+              <a:lstStyle/>
+              <a:p>
+                <a:pPr marL="298450" marR="5080" indent="-285750">
+                  <a:lnSpc>
+                    <a:spcPct val="102600"/>
+                  </a:lnSpc>
+                  <a:spcBef>
+                    <a:spcPts val="55"/>
+                  </a:spcBef>
+                  <a:buFont typeface="Wingdings" panose="05000000000000000000" pitchFamily="2" charset="2"/>
+                  <a:buChar char="q"/>
+                </a:pPr>
+                <a:r>
+                  <a:rPr lang="en-GB" sz="1400" spc="-10" dirty="0">
+                    <a:latin typeface="LM Sans 10"/>
+                    <a:cs typeface="LM Sans 10"/>
+                  </a:rPr>
+                  <a:t>Why does Temporal Difference Learning help?</a:t>
+                </a:r>
+              </a:p>
+              <a:p>
+                <a:pPr marL="298450" marR="5080" indent="-285750">
+                  <a:lnSpc>
+                    <a:spcPct val="102600"/>
+                  </a:lnSpc>
+                  <a:spcBef>
+                    <a:spcPts val="55"/>
+                  </a:spcBef>
+                  <a:buFont typeface="Wingdings" panose="05000000000000000000" pitchFamily="2" charset="2"/>
+                  <a:buChar char="q"/>
+                </a:pPr>
+                <a:endParaRPr lang="en-GB" sz="1400" spc="-10" dirty="0">
+                  <a:latin typeface="LM Sans 10"/>
+                  <a:cs typeface="LM Sans 10"/>
+                </a:endParaRPr>
+              </a:p>
+              <a:p>
+                <a:pPr marL="298450" marR="5080" indent="-285750">
+                  <a:lnSpc>
+                    <a:spcPct val="102600"/>
+                  </a:lnSpc>
+                  <a:spcBef>
+                    <a:spcPts val="55"/>
+                  </a:spcBef>
+                  <a:buFont typeface="Wingdings" panose="05000000000000000000" pitchFamily="2" charset="2"/>
+                  <a:buChar char="q"/>
+                </a:pPr>
+                <a:endParaRPr lang="en-GB" sz="1400" spc="-10" dirty="0">
+                  <a:latin typeface="LM Sans 10"/>
+                  <a:cs typeface="LM Sans 10"/>
+                </a:endParaRPr>
+              </a:p>
+              <a:p>
+                <a:pPr marL="298450" marR="5080" indent="-285750">
+                  <a:lnSpc>
+                    <a:spcPct val="102600"/>
+                  </a:lnSpc>
+                  <a:spcBef>
+                    <a:spcPts val="55"/>
+                  </a:spcBef>
+                  <a:buFont typeface="Wingdings" panose="05000000000000000000" pitchFamily="2" charset="2"/>
+                  <a:buChar char="q"/>
+                </a:pPr>
+                <a:endParaRPr lang="en-GB" sz="1400" spc="-10" dirty="0">
+                  <a:latin typeface="LM Sans 10"/>
+                  <a:cs typeface="LM Sans 10"/>
+                </a:endParaRPr>
+              </a:p>
+              <a:p>
+                <a:pPr marL="298450" marR="5080" indent="-285750">
+                  <a:lnSpc>
+                    <a:spcPct val="102600"/>
+                  </a:lnSpc>
+                  <a:spcBef>
+                    <a:spcPts val="55"/>
+                  </a:spcBef>
+                  <a:buFont typeface="Wingdings" panose="05000000000000000000" pitchFamily="2" charset="2"/>
+                  <a:buChar char="q"/>
+                </a:pPr>
+                <a:endParaRPr lang="en-GB" sz="1400" spc="-10" dirty="0">
+                  <a:latin typeface="LM Sans 10"/>
+                  <a:cs typeface="LM Sans 10"/>
+                </a:endParaRPr>
+              </a:p>
+              <a:p>
+                <a:pPr marL="298450" marR="5080" indent="-285750">
+                  <a:lnSpc>
+                    <a:spcPct val="102600"/>
+                  </a:lnSpc>
+                  <a:spcBef>
+                    <a:spcPts val="55"/>
+                  </a:spcBef>
+                  <a:buFont typeface="Wingdings" panose="05000000000000000000" pitchFamily="2" charset="2"/>
+                  <a:buChar char="q"/>
+                </a:pPr>
+                <a:r>
+                  <a:rPr lang="en-GB" sz="1400" spc="-10" dirty="0">
+                    <a:latin typeface="LM Sans 10"/>
+                    <a:cs typeface="LM Sans 10"/>
+                  </a:rPr>
+                  <a:t>Preserves causality in </a:t>
+                </a:r>
+                <a14:m>
+                  <m:oMath xmlns:m="http://schemas.openxmlformats.org/officeDocument/2006/math">
+                    <m:r>
+                      <a:rPr lang="en-GB" sz="1400" b="0" i="1" spc="-10" smtClean="0">
+                        <a:latin typeface="Cambria Math" panose="02040503050406030204" pitchFamily="18" charset="0"/>
+                        <a:cs typeface="LM Sans 10"/>
+                      </a:rPr>
+                      <m:t>𝑄</m:t>
+                    </m:r>
+                  </m:oMath>
+                </a14:m>
+                <a:r>
+                  <a:rPr lang="en-GB" sz="1400" spc="-10" dirty="0">
+                    <a:latin typeface="LM Sans 10"/>
+                    <a:cs typeface="LM Sans 10"/>
+                  </a:rPr>
+                  <a:t>-value updates</a:t>
+                </a:r>
+              </a:p>
+              <a:p>
+                <a:pPr marL="298450" marR="5080" indent="-285750">
+                  <a:lnSpc>
+                    <a:spcPct val="102600"/>
+                  </a:lnSpc>
+                  <a:spcBef>
+                    <a:spcPts val="55"/>
+                  </a:spcBef>
+                  <a:buFont typeface="Wingdings" panose="05000000000000000000" pitchFamily="2" charset="2"/>
+                  <a:buChar char="q"/>
+                </a:pPr>
+                <a:r>
+                  <a:rPr lang="en-GB" sz="1400" spc="-10" dirty="0">
+                    <a:latin typeface="LM Sans 10"/>
+                    <a:cs typeface="LM Sans 10"/>
+                  </a:rPr>
+                  <a:t>Estimates an accurate approximation </a:t>
+                </a:r>
+                <a14:m>
+                  <m:oMath xmlns:m="http://schemas.openxmlformats.org/officeDocument/2006/math">
+                    <m:r>
+                      <a:rPr lang="en-GB" sz="1400" b="0" i="1" spc="-10" smtClean="0">
+                        <a:latin typeface="Cambria Math" panose="02040503050406030204" pitchFamily="18" charset="0"/>
+                        <a:cs typeface="LM Sans 10"/>
+                      </a:rPr>
+                      <m:t>𝑄</m:t>
+                    </m:r>
+                  </m:oMath>
+                </a14:m>
+                <a:r>
+                  <a:rPr lang="en-GB" sz="1400" spc="-10" dirty="0">
+                    <a:latin typeface="LM Sans 10"/>
+                    <a:cs typeface="LM Sans 10"/>
+                  </a:rPr>
+                  <a:t>-values</a:t>
+                </a:r>
+              </a:p>
+              <a:p>
+                <a:pPr marL="298450" marR="5080" indent="-285750">
+                  <a:lnSpc>
+                    <a:spcPct val="102600"/>
+                  </a:lnSpc>
+                  <a:spcBef>
+                    <a:spcPts val="55"/>
+                  </a:spcBef>
+                  <a:buFont typeface="Wingdings" panose="05000000000000000000" pitchFamily="2" charset="2"/>
+                  <a:buChar char="q"/>
+                </a:pPr>
+                <a:r>
+                  <a:rPr lang="en-GB" sz="1400" spc="-10" dirty="0">
+                    <a:latin typeface="LM Sans 10"/>
+                    <a:cs typeface="LM Sans 10"/>
+                  </a:rPr>
+                  <a:t>Discounted updates prevent short-sighted </a:t>
+                </a:r>
+                <a:r>
+                  <a:rPr lang="en-GB" sz="1400" spc="-10" dirty="0" err="1">
+                    <a:latin typeface="LM Sans 10"/>
+                    <a:cs typeface="LM Sans 10"/>
+                  </a:rPr>
+                  <a:t>behavior</a:t>
+                </a:r>
+                <a:r>
+                  <a:rPr lang="en-GB" sz="1400" spc="-10" dirty="0">
+                    <a:latin typeface="LM Sans 10"/>
+                    <a:cs typeface="LM Sans 10"/>
+                  </a:rPr>
+                  <a:t> and convergence to globally-optimal policies</a:t>
+                </a:r>
+              </a:p>
+              <a:p>
+                <a:pPr marL="298450" marR="5080" indent="-285750">
+                  <a:lnSpc>
+                    <a:spcPct val="102600"/>
+                  </a:lnSpc>
+                  <a:spcBef>
+                    <a:spcPts val="55"/>
+                  </a:spcBef>
+                  <a:buFont typeface="Wingdings" panose="05000000000000000000" pitchFamily="2" charset="2"/>
+                  <a:buChar char="q"/>
+                </a:pPr>
+                <a:endParaRPr lang="en-GB" sz="1400" spc="-10" dirty="0">
+                  <a:latin typeface="LM Sans 10"/>
+                  <a:cs typeface="LM Sans 10"/>
+                </a:endParaRPr>
+              </a:p>
+              <a:p>
+                <a:pPr marL="298450" marR="5080" indent="-285750">
+                  <a:lnSpc>
+                    <a:spcPct val="102600"/>
+                  </a:lnSpc>
+                  <a:spcBef>
+                    <a:spcPts val="55"/>
+                  </a:spcBef>
+                  <a:buFont typeface="Wingdings" panose="05000000000000000000" pitchFamily="2" charset="2"/>
+                  <a:buChar char="q"/>
+                </a:pPr>
+                <a:endParaRPr lang="en-GB" sz="1400" spc="-10" dirty="0">
+                  <a:latin typeface="LM Sans 10"/>
+                  <a:cs typeface="LM Sans 10"/>
+                </a:endParaRPr>
+              </a:p>
+              <a:p>
+                <a:pPr marL="298450" marR="5080" indent="-285750">
+                  <a:lnSpc>
+                    <a:spcPct val="102600"/>
+                  </a:lnSpc>
+                  <a:spcBef>
+                    <a:spcPts val="55"/>
+                  </a:spcBef>
+                  <a:buFont typeface="Wingdings" panose="05000000000000000000" pitchFamily="2" charset="2"/>
+                  <a:buChar char="q"/>
+                </a:pPr>
+                <a:endParaRPr lang="en-GB" sz="1400" spc="-10" dirty="0">
+                  <a:latin typeface="LM Sans 10"/>
+                  <a:cs typeface="LM Sans 10"/>
+                </a:endParaRPr>
+              </a:p>
+              <a:p>
+                <a:pPr marL="12700" marR="5080">
+                  <a:lnSpc>
+                    <a:spcPct val="102600"/>
+                  </a:lnSpc>
+                  <a:spcBef>
+                    <a:spcPts val="55"/>
+                  </a:spcBef>
+                </a:pPr>
+                <a:endParaRPr lang="en-GB" sz="1400" spc="-10" dirty="0">
+                  <a:latin typeface="LM Sans 10"/>
+                  <a:cs typeface="LM Sans 10"/>
+                </a:endParaRPr>
+              </a:p>
+            </p:txBody>
+          </p:sp>
+        </mc:Choice>
+        <mc:Fallback>
+          <p:sp>
+            <p:nvSpPr>
+              <p:cNvPr id="16" name="object 4">
+                <a:extLst>
+                  <a:ext uri="{FF2B5EF4-FFF2-40B4-BE49-F238E27FC236}">
+                    <a16:creationId xmlns:a16="http://schemas.microsoft.com/office/drawing/2014/main" id="{2430863C-1AB2-43E0-8FDB-DC1536DEB739}"/>
+                  </a:ext>
+                </a:extLst>
+              </p:cNvPr>
+              <p:cNvSpPr txBox="1">
+                <a:spLocks noRot="1" noChangeAspect="1" noMove="1" noResize="1" noEditPoints="1" noAdjustHandles="1" noChangeArrowheads="1" noChangeShapeType="1" noTextEdit="1"/>
+              </p:cNvSpPr>
+              <p:nvPr/>
+            </p:nvSpPr>
+            <p:spPr>
+              <a:xfrm>
+                <a:off x="95250" y="815975"/>
+                <a:ext cx="4288100" cy="3024995"/>
+              </a:xfrm>
+              <a:prstGeom prst="rect">
+                <a:avLst/>
+              </a:prstGeom>
+              <a:blipFill>
+                <a:blip r:embed="rId2"/>
+                <a:stretch>
+                  <a:fillRect l="-2134" t="-1613" r="-2845"/>
+                </a:stretch>
+              </a:blipFill>
+            </p:spPr>
+            <p:txBody>
+              <a:bodyPr/>
+              <a:lstStyle/>
+              <a:p>
+                <a:r>
+                  <a:rPr lang="en-GB">
+                    <a:noFill/>
+                  </a:rPr>
+                  <a:t> </a:t>
+                </a:r>
+              </a:p>
+            </p:txBody>
+          </p:sp>
+        </mc:Fallback>
+      </mc:AlternateContent>
+      <p:sp>
+        <p:nvSpPr>
+          <p:cNvPr id="15" name="object 4">
+            <a:extLst>
+              <a:ext uri="{FF2B5EF4-FFF2-40B4-BE49-F238E27FC236}">
+                <a16:creationId xmlns:a16="http://schemas.microsoft.com/office/drawing/2014/main" id="{CEA486B3-987F-4AED-A430-0A1AFDDD1883}"/>
+              </a:ext>
+            </a:extLst>
+          </p:cNvPr>
+          <p:cNvSpPr txBox="1"/>
+          <p:nvPr/>
+        </p:nvSpPr>
+        <p:spPr>
+          <a:xfrm>
+            <a:off x="29500" y="3123882"/>
+            <a:ext cx="4288100" cy="99386"/>
+          </a:xfrm>
+          <a:prstGeom prst="rect">
+            <a:avLst/>
+          </a:prstGeom>
+        </p:spPr>
+        <p:txBody>
+          <a:bodyPr vert="horz" wrap="square" lIns="0" tIns="6985" rIns="0" bIns="0" rtlCol="0">
+            <a:spAutoFit/>
+          </a:bodyPr>
+          <a:lstStyle/>
+          <a:p>
+            <a:pPr algn="l"/>
+            <a:r>
+              <a:rPr lang="en-US" sz="600" b="0" i="0" u="none" strike="noStrike" baseline="0" dirty="0">
+                <a:latin typeface="Times New Roman" panose="02020603050405020304" pitchFamily="18" charset="0"/>
+                <a:cs typeface="Times New Roman" panose="02020603050405020304" pitchFamily="18" charset="0"/>
+              </a:rPr>
+              <a:t>Richard S. Sutton and Andrew G. </a:t>
+            </a:r>
+            <a:r>
+              <a:rPr lang="en-US" sz="600" b="0" i="0" u="none" strike="noStrike" baseline="0" dirty="0" err="1">
+                <a:latin typeface="Times New Roman" panose="02020603050405020304" pitchFamily="18" charset="0"/>
+                <a:cs typeface="Times New Roman" panose="02020603050405020304" pitchFamily="18" charset="0"/>
+              </a:rPr>
+              <a:t>Barto</a:t>
+            </a:r>
+            <a:r>
+              <a:rPr lang="en-US" sz="600" b="0" i="0" u="none" strike="noStrike" baseline="0" dirty="0">
+                <a:latin typeface="Times New Roman" panose="02020603050405020304" pitchFamily="18" charset="0"/>
+                <a:cs typeface="Times New Roman" panose="02020603050405020304" pitchFamily="18" charset="0"/>
+              </a:rPr>
+              <a:t>. Reinforcement Learning: An </a:t>
+            </a:r>
+            <a:r>
+              <a:rPr lang="en-GB" sz="600" b="0" i="0" u="none" strike="noStrike" baseline="0" dirty="0">
+                <a:latin typeface="Times New Roman" panose="02020603050405020304" pitchFamily="18" charset="0"/>
+                <a:cs typeface="Times New Roman" panose="02020603050405020304" pitchFamily="18" charset="0"/>
+              </a:rPr>
+              <a:t>Introduction. 2018.</a:t>
+            </a:r>
+            <a:endParaRPr lang="en-GB" sz="600" spc="-10" dirty="0">
+              <a:latin typeface="Times New Roman" panose="02020603050405020304" pitchFamily="18" charset="0"/>
+              <a:cs typeface="Times New Roman" panose="02020603050405020304" pitchFamily="18" charset="0"/>
+            </a:endParaRPr>
+          </a:p>
+        </p:txBody>
+      </p:sp>
+      <p:pic>
+        <p:nvPicPr>
+          <p:cNvPr id="4" name="Picture 3">
+            <a:extLst>
+              <a:ext uri="{FF2B5EF4-FFF2-40B4-BE49-F238E27FC236}">
+                <a16:creationId xmlns:a16="http://schemas.microsoft.com/office/drawing/2014/main" id="{8246D703-2FC5-4FA4-AB6D-4F569480B8D4}"/>
+              </a:ext>
+            </a:extLst>
+          </p:cNvPr>
+          <p:cNvPicPr>
+            <a:picLocks noChangeAspect="1"/>
+          </p:cNvPicPr>
+          <p:nvPr/>
+        </p:nvPicPr>
+        <p:blipFill>
+          <a:blip r:embed="rId3"/>
+          <a:stretch>
+            <a:fillRect/>
+          </a:stretch>
+        </p:blipFill>
+        <p:spPr>
+          <a:xfrm>
+            <a:off x="1101987" y="1070989"/>
+            <a:ext cx="2143125" cy="448235"/>
+          </a:xfrm>
+          <a:prstGeom prst="rect">
+            <a:avLst/>
+          </a:prstGeom>
+        </p:spPr>
+      </p:pic>
+      <p:pic>
+        <p:nvPicPr>
+          <p:cNvPr id="6" name="Picture 5">
+            <a:extLst>
+              <a:ext uri="{FF2B5EF4-FFF2-40B4-BE49-F238E27FC236}">
+                <a16:creationId xmlns:a16="http://schemas.microsoft.com/office/drawing/2014/main" id="{A8BA7B11-179D-4D11-B55B-AEB2AD203333}"/>
+              </a:ext>
+            </a:extLst>
+          </p:cNvPr>
+          <p:cNvPicPr>
+            <a:picLocks noChangeAspect="1"/>
+          </p:cNvPicPr>
+          <p:nvPr/>
+        </p:nvPicPr>
+        <p:blipFill>
+          <a:blip r:embed="rId4"/>
+          <a:stretch>
+            <a:fillRect/>
+          </a:stretch>
+        </p:blipFill>
+        <p:spPr>
+          <a:xfrm>
+            <a:off x="820075" y="1519224"/>
+            <a:ext cx="2838450" cy="363356"/>
+          </a:xfrm>
+          <a:prstGeom prst="rect">
+            <a:avLst/>
+          </a:prstGeom>
+        </p:spPr>
+      </p:pic>
+    </p:spTree>
+    <p:extLst>
+      <p:ext uri="{BB962C8B-B14F-4D97-AF65-F5344CB8AC3E}">
+        <p14:creationId xmlns:p14="http://schemas.microsoft.com/office/powerpoint/2010/main" val="245004924"/>
+      </p:ext>
+    </p:extLst>
+  </p:cSld>
+  <p:clrMapOvr>
+    <a:masterClrMapping/>
+  </p:clrMapOvr>
+  <p:transition>
+    <p:cut/>
+  </p:transition>
+</p:sld>
+</file>
+
+<file path=ppt/slides/slide16.xml><?xml version="1.0" encoding="utf-8"?>
+<p:sld xmlns:a="http://schemas.openxmlformats.org/drawingml/2006/main" xmlns:r="http://schemas.openxmlformats.org/officeDocument/2006/relationships" xmlns:p="http://schemas.openxmlformats.org/presentationml/2006/main">
+  <p:cSld>
+    <p:spTree>
+      <p:nvGrpSpPr>
+        <p:cNvPr id="1" name=""/>
+        <p:cNvGrpSpPr/>
+        <p:nvPr/>
+      </p:nvGrpSpPr>
+      <p:grpSpPr>
+        <a:xfrm>
+          <a:off x="0" y="0"/>
+          <a:ext cx="0" cy="0"/>
+          <a:chOff x="0" y="0"/>
+          <a:chExt cx="0" cy="0"/>
+        </a:xfrm>
+      </p:grpSpPr>
+      <p:sp>
+        <p:nvSpPr>
+          <p:cNvPr id="13" name="object 26">
+            <a:extLst>
+              <a:ext uri="{FF2B5EF4-FFF2-40B4-BE49-F238E27FC236}">
+                <a16:creationId xmlns:a16="http://schemas.microsoft.com/office/drawing/2014/main" id="{FAFDBEC2-677E-4926-A34A-ACB5F03BBB2D}"/>
+              </a:ext>
+            </a:extLst>
+          </p:cNvPr>
+          <p:cNvSpPr txBox="1">
+            <a:spLocks noGrp="1"/>
+          </p:cNvSpPr>
+          <p:nvPr>
+            <p:ph type="ftr" sz="quarter" idx="5"/>
+          </p:nvPr>
+        </p:nvSpPr>
+        <p:spPr>
+          <a:xfrm>
+            <a:off x="584276" y="3351784"/>
+            <a:ext cx="367665" cy="89768"/>
+          </a:xfrm>
+          <a:prstGeom prst="rect">
+            <a:avLst/>
+          </a:prstGeom>
+        </p:spPr>
+        <p:txBody>
+          <a:bodyPr vert="horz" wrap="square" lIns="0" tIns="0" rIns="0" bIns="0" rtlCol="0">
+            <a:spAutoFit/>
+          </a:bodyPr>
+          <a:lstStyle/>
+          <a:p>
+            <a:pPr marL="12700">
+              <a:lnSpc>
+                <a:spcPts val="675"/>
+              </a:lnSpc>
+            </a:pPr>
+            <a:r>
+              <a:rPr lang="en-GB" spc="-5" dirty="0"/>
+              <a:t>CMTE</a:t>
+            </a:r>
+            <a:endParaRPr spc="-5" dirty="0"/>
+          </a:p>
+        </p:txBody>
+      </p:sp>
+      <p:grpSp>
+        <p:nvGrpSpPr>
+          <p:cNvPr id="17" name="object 7">
+            <a:extLst>
+              <a:ext uri="{FF2B5EF4-FFF2-40B4-BE49-F238E27FC236}">
+                <a16:creationId xmlns:a16="http://schemas.microsoft.com/office/drawing/2014/main" id="{68BA472F-C4AA-485D-9E48-8E6172A1B1C0}"/>
+              </a:ext>
+            </a:extLst>
+          </p:cNvPr>
+          <p:cNvGrpSpPr/>
+          <p:nvPr/>
+        </p:nvGrpSpPr>
+        <p:grpSpPr>
+          <a:xfrm>
+            <a:off x="0" y="0"/>
+            <a:ext cx="4608195" cy="140335"/>
+            <a:chOff x="0" y="0"/>
+            <a:chExt cx="4608195" cy="140335"/>
+          </a:xfrm>
+        </p:grpSpPr>
+        <p:sp>
+          <p:nvSpPr>
+            <p:cNvPr id="18" name="object 8">
+              <a:extLst>
+                <a:ext uri="{FF2B5EF4-FFF2-40B4-BE49-F238E27FC236}">
+                  <a16:creationId xmlns:a16="http://schemas.microsoft.com/office/drawing/2014/main" id="{C8CDD223-88F0-4CC9-9D96-0E036CBA23C2}"/>
+                </a:ext>
+              </a:extLst>
+            </p:cNvPr>
+            <p:cNvSpPr/>
+            <p:nvPr/>
+          </p:nvSpPr>
+          <p:spPr>
+            <a:xfrm>
+              <a:off x="0" y="0"/>
+              <a:ext cx="2304415" cy="140335"/>
+            </a:xfrm>
+            <a:custGeom>
+              <a:avLst/>
+              <a:gdLst/>
+              <a:ahLst/>
+              <a:cxnLst/>
+              <a:rect l="l" t="t" r="r" b="b"/>
+              <a:pathLst>
+                <a:path w="2304415" h="140335">
+                  <a:moveTo>
+                    <a:pt x="2303995" y="0"/>
+                  </a:moveTo>
+                  <a:lnTo>
+                    <a:pt x="0" y="0"/>
+                  </a:lnTo>
+                  <a:lnTo>
+                    <a:pt x="0" y="140017"/>
+                  </a:lnTo>
+                  <a:lnTo>
+                    <a:pt x="2303995" y="140017"/>
+                  </a:lnTo>
+                  <a:lnTo>
+                    <a:pt x="2303995" y="0"/>
+                  </a:lnTo>
+                  <a:close/>
+                </a:path>
+              </a:pathLst>
+            </a:custGeom>
+            <a:solidFill>
+              <a:schemeClr val="tx2">
+                <a:lumMod val="75000"/>
+              </a:schemeClr>
+            </a:solidFill>
+          </p:spPr>
+          <p:txBody>
+            <a:bodyPr wrap="square" lIns="0" tIns="0" rIns="0" bIns="0" rtlCol="0"/>
+            <a:lstStyle/>
+            <a:p>
+              <a:endParaRPr/>
+            </a:p>
+          </p:txBody>
+        </p:sp>
+        <p:sp>
+          <p:nvSpPr>
+            <p:cNvPr id="23" name="object 9">
+              <a:extLst>
+                <a:ext uri="{FF2B5EF4-FFF2-40B4-BE49-F238E27FC236}">
+                  <a16:creationId xmlns:a16="http://schemas.microsoft.com/office/drawing/2014/main" id="{5BF8E5A9-90A0-458B-95FD-9B43BAA07D63}"/>
+                </a:ext>
+              </a:extLst>
+            </p:cNvPr>
+            <p:cNvSpPr/>
+            <p:nvPr/>
+          </p:nvSpPr>
+          <p:spPr>
+            <a:xfrm>
+              <a:off x="2303995" y="0"/>
+              <a:ext cx="2304415" cy="140335"/>
+            </a:xfrm>
+            <a:custGeom>
+              <a:avLst/>
+              <a:gdLst/>
+              <a:ahLst/>
+              <a:cxnLst/>
+              <a:rect l="l" t="t" r="r" b="b"/>
+              <a:pathLst>
+                <a:path w="2304415" h="140335">
+                  <a:moveTo>
+                    <a:pt x="2303995" y="0"/>
+                  </a:moveTo>
+                  <a:lnTo>
+                    <a:pt x="0" y="0"/>
+                  </a:lnTo>
+                  <a:lnTo>
+                    <a:pt x="0" y="140017"/>
+                  </a:lnTo>
+                  <a:lnTo>
+                    <a:pt x="2303995" y="140017"/>
+                  </a:lnTo>
+                  <a:lnTo>
+                    <a:pt x="2303995" y="0"/>
+                  </a:lnTo>
+                  <a:close/>
+                </a:path>
+              </a:pathLst>
+            </a:custGeom>
+            <a:solidFill>
+              <a:srgbClr val="D8D8D8"/>
+            </a:solidFill>
+          </p:spPr>
+          <p:txBody>
+            <a:bodyPr wrap="square" lIns="0" tIns="0" rIns="0" bIns="0" rtlCol="0"/>
+            <a:lstStyle/>
+            <a:p>
+              <a:endParaRPr/>
+            </a:p>
+          </p:txBody>
+        </p:sp>
+      </p:grpSp>
+      <p:grpSp>
+        <p:nvGrpSpPr>
+          <p:cNvPr id="24" name="object 21">
+            <a:extLst>
+              <a:ext uri="{FF2B5EF4-FFF2-40B4-BE49-F238E27FC236}">
+                <a16:creationId xmlns:a16="http://schemas.microsoft.com/office/drawing/2014/main" id="{0CC17ED8-E096-4E65-A536-1562938C5B69}"/>
+              </a:ext>
+            </a:extLst>
+          </p:cNvPr>
+          <p:cNvGrpSpPr/>
+          <p:nvPr/>
+        </p:nvGrpSpPr>
+        <p:grpSpPr>
+          <a:xfrm>
+            <a:off x="0" y="3346348"/>
+            <a:ext cx="4608195" cy="109855"/>
+            <a:chOff x="0" y="3346348"/>
+            <a:chExt cx="4608195" cy="109855"/>
+          </a:xfrm>
+        </p:grpSpPr>
+        <p:sp>
+          <p:nvSpPr>
+            <p:cNvPr id="25" name="object 22">
+              <a:extLst>
+                <a:ext uri="{FF2B5EF4-FFF2-40B4-BE49-F238E27FC236}">
+                  <a16:creationId xmlns:a16="http://schemas.microsoft.com/office/drawing/2014/main" id="{A44E312F-67FB-460E-BE90-1BCAD7223CD4}"/>
+                </a:ext>
+              </a:extLst>
+            </p:cNvPr>
+            <p:cNvSpPr/>
+            <p:nvPr/>
+          </p:nvSpPr>
+          <p:spPr>
+            <a:xfrm>
+              <a:off x="0" y="3346348"/>
+              <a:ext cx="1536065" cy="109855"/>
+            </a:xfrm>
+            <a:custGeom>
+              <a:avLst/>
+              <a:gdLst/>
+              <a:ahLst/>
+              <a:cxnLst/>
+              <a:rect l="l" t="t" r="r" b="b"/>
+              <a:pathLst>
+                <a:path w="1536065" h="109854">
+                  <a:moveTo>
+                    <a:pt x="1535976" y="0"/>
+                  </a:moveTo>
+                  <a:lnTo>
+                    <a:pt x="0" y="0"/>
+                  </a:lnTo>
+                  <a:lnTo>
+                    <a:pt x="0" y="109651"/>
+                  </a:lnTo>
+                  <a:lnTo>
+                    <a:pt x="1535976" y="109651"/>
+                  </a:lnTo>
+                  <a:lnTo>
+                    <a:pt x="1535976" y="0"/>
+                  </a:lnTo>
+                  <a:close/>
+                </a:path>
+              </a:pathLst>
+            </a:custGeom>
+            <a:solidFill>
+              <a:schemeClr val="tx2">
+                <a:lumMod val="75000"/>
+              </a:schemeClr>
+            </a:solidFill>
+          </p:spPr>
+          <p:txBody>
+            <a:bodyPr wrap="square" lIns="0" tIns="0" rIns="0" bIns="0" rtlCol="0"/>
+            <a:lstStyle/>
+            <a:p>
+              <a:endParaRPr/>
+            </a:p>
+          </p:txBody>
+        </p:sp>
+        <p:sp>
+          <p:nvSpPr>
+            <p:cNvPr id="26" name="object 23">
+              <a:extLst>
+                <a:ext uri="{FF2B5EF4-FFF2-40B4-BE49-F238E27FC236}">
+                  <a16:creationId xmlns:a16="http://schemas.microsoft.com/office/drawing/2014/main" id="{8000B03F-79D9-4AF2-836E-5E9E9F8D33E5}"/>
+                </a:ext>
+              </a:extLst>
+            </p:cNvPr>
+            <p:cNvSpPr/>
+            <p:nvPr/>
+          </p:nvSpPr>
+          <p:spPr>
+            <a:xfrm>
+              <a:off x="1535976" y="3346348"/>
+              <a:ext cx="1536065" cy="109855"/>
+            </a:xfrm>
+            <a:custGeom>
+              <a:avLst/>
+              <a:gdLst/>
+              <a:ahLst/>
+              <a:cxnLst/>
+              <a:rect l="l" t="t" r="r" b="b"/>
+              <a:pathLst>
+                <a:path w="1536064" h="109854">
+                  <a:moveTo>
+                    <a:pt x="1535976" y="0"/>
+                  </a:moveTo>
+                  <a:lnTo>
+                    <a:pt x="0" y="0"/>
+                  </a:lnTo>
+                  <a:lnTo>
+                    <a:pt x="0" y="109651"/>
+                  </a:lnTo>
+                  <a:lnTo>
+                    <a:pt x="1535976" y="109651"/>
+                  </a:lnTo>
+                  <a:lnTo>
+                    <a:pt x="1535976" y="0"/>
+                  </a:lnTo>
+                  <a:close/>
+                </a:path>
+              </a:pathLst>
+            </a:custGeom>
+            <a:solidFill>
+              <a:srgbClr val="EBEBEB"/>
+            </a:solidFill>
+          </p:spPr>
+          <p:txBody>
+            <a:bodyPr wrap="square" lIns="0" tIns="0" rIns="0" bIns="0" rtlCol="0"/>
+            <a:lstStyle/>
+            <a:p>
+              <a:endParaRPr/>
+            </a:p>
+          </p:txBody>
+        </p:sp>
+        <p:sp>
+          <p:nvSpPr>
+            <p:cNvPr id="27" name="object 24">
+              <a:extLst>
+                <a:ext uri="{FF2B5EF4-FFF2-40B4-BE49-F238E27FC236}">
+                  <a16:creationId xmlns:a16="http://schemas.microsoft.com/office/drawing/2014/main" id="{7E722FD4-FDAA-4391-9760-9A266B5BEDDF}"/>
+                </a:ext>
+              </a:extLst>
+            </p:cNvPr>
+            <p:cNvSpPr/>
+            <p:nvPr/>
+          </p:nvSpPr>
+          <p:spPr>
+            <a:xfrm>
+              <a:off x="3071952" y="3346348"/>
+              <a:ext cx="1536065" cy="109855"/>
+            </a:xfrm>
+            <a:custGeom>
+              <a:avLst/>
+              <a:gdLst/>
+              <a:ahLst/>
+              <a:cxnLst/>
+              <a:rect l="l" t="t" r="r" b="b"/>
+              <a:pathLst>
+                <a:path w="1536064" h="109854">
+                  <a:moveTo>
+                    <a:pt x="1535976" y="0"/>
+                  </a:moveTo>
+                  <a:lnTo>
+                    <a:pt x="0" y="0"/>
+                  </a:lnTo>
+                  <a:lnTo>
+                    <a:pt x="0" y="109651"/>
+                  </a:lnTo>
+                  <a:lnTo>
+                    <a:pt x="1535976" y="109651"/>
+                  </a:lnTo>
+                  <a:lnTo>
+                    <a:pt x="1535976" y="0"/>
+                  </a:lnTo>
+                  <a:close/>
+                </a:path>
+              </a:pathLst>
+            </a:custGeom>
+            <a:solidFill>
+              <a:srgbClr val="D8D8D8"/>
+            </a:solidFill>
+          </p:spPr>
+          <p:txBody>
+            <a:bodyPr wrap="square" lIns="0" tIns="0" rIns="0" bIns="0" rtlCol="0"/>
+            <a:lstStyle/>
+            <a:p>
+              <a:endParaRPr/>
+            </a:p>
+          </p:txBody>
+        </p:sp>
+      </p:grpSp>
+      <p:sp>
+        <p:nvSpPr>
+          <p:cNvPr id="28" name="object 2">
+            <a:extLst>
+              <a:ext uri="{FF2B5EF4-FFF2-40B4-BE49-F238E27FC236}">
+                <a16:creationId xmlns:a16="http://schemas.microsoft.com/office/drawing/2014/main" id="{6662B4DC-6501-464E-ACC8-AA59AB01BE00}"/>
+              </a:ext>
+            </a:extLst>
+          </p:cNvPr>
+          <p:cNvSpPr txBox="1"/>
+          <p:nvPr/>
+        </p:nvSpPr>
+        <p:spPr>
+          <a:xfrm>
+            <a:off x="0" y="140017"/>
+            <a:ext cx="4608195" cy="293029"/>
+          </a:xfrm>
+          <a:prstGeom prst="rect">
+            <a:avLst/>
+          </a:prstGeom>
+          <a:solidFill>
+            <a:srgbClr val="F2F2F2"/>
+          </a:solidFill>
+        </p:spPr>
+        <p:txBody>
+          <a:bodyPr vert="horz" wrap="square" lIns="0" tIns="76835" rIns="0" bIns="0" rtlCol="0">
+            <a:spAutoFit/>
+          </a:bodyPr>
+          <a:lstStyle/>
+          <a:p>
+            <a:pPr marL="107950">
+              <a:lnSpc>
+                <a:spcPct val="100000"/>
+              </a:lnSpc>
+              <a:spcBef>
+                <a:spcPts val="605"/>
+              </a:spcBef>
+            </a:pPr>
+            <a:r>
+              <a:rPr lang="en-GB" sz="1400" spc="10" dirty="0">
+                <a:solidFill>
+                  <a:schemeClr val="tx2">
+                    <a:lumMod val="75000"/>
+                  </a:schemeClr>
+                </a:solidFill>
+                <a:latin typeface="LM Sans 12"/>
+                <a:cs typeface="LM Sans 12"/>
+              </a:rPr>
+              <a:t>Q-Learning</a:t>
+            </a:r>
+            <a:endParaRPr sz="1400" dirty="0">
+              <a:solidFill>
+                <a:schemeClr val="tx2">
+                  <a:lumMod val="75000"/>
+                </a:schemeClr>
+              </a:solidFill>
+              <a:latin typeface="LM Sans 12"/>
+              <a:cs typeface="LM Sans 12"/>
+            </a:endParaRPr>
+          </a:p>
+        </p:txBody>
+      </p:sp>
+      <p:sp>
+        <p:nvSpPr>
+          <p:cNvPr id="16" name="object 4">
+            <a:extLst>
+              <a:ext uri="{FF2B5EF4-FFF2-40B4-BE49-F238E27FC236}">
+                <a16:creationId xmlns:a16="http://schemas.microsoft.com/office/drawing/2014/main" id="{2430863C-1AB2-43E0-8FDB-DC1536DEB739}"/>
+              </a:ext>
+            </a:extLst>
+          </p:cNvPr>
+          <p:cNvSpPr txBox="1"/>
+          <p:nvPr/>
+        </p:nvSpPr>
+        <p:spPr>
+          <a:xfrm>
+            <a:off x="95250" y="815975"/>
+            <a:ext cx="4288100" cy="3024995"/>
+          </a:xfrm>
+          <a:prstGeom prst="rect">
+            <a:avLst/>
+          </a:prstGeom>
+        </p:spPr>
+        <p:txBody>
+          <a:bodyPr vert="horz" wrap="square" lIns="0" tIns="6985" rIns="0" bIns="0" rtlCol="0">
+            <a:spAutoFit/>
+          </a:bodyPr>
+          <a:lstStyle/>
+          <a:p>
+            <a:pPr marL="298450" marR="5080" indent="-285750">
+              <a:lnSpc>
+                <a:spcPct val="102600"/>
+              </a:lnSpc>
+              <a:spcBef>
+                <a:spcPts val="55"/>
+              </a:spcBef>
+              <a:buFont typeface="Wingdings" panose="05000000000000000000" pitchFamily="2" charset="2"/>
+              <a:buChar char="q"/>
+            </a:pPr>
+            <a:r>
+              <a:rPr lang="en-GB" sz="1400" spc="-10" dirty="0">
+                <a:latin typeface="LM Sans 10"/>
+                <a:cs typeface="LM Sans 10"/>
+              </a:rPr>
+              <a:t>When does Temporal Difference Learning hurt?</a:t>
+            </a:r>
+          </a:p>
+          <a:p>
+            <a:pPr marL="298450" marR="5080" indent="-285750">
+              <a:lnSpc>
+                <a:spcPct val="102600"/>
+              </a:lnSpc>
+              <a:spcBef>
+                <a:spcPts val="55"/>
+              </a:spcBef>
+              <a:buFont typeface="Wingdings" panose="05000000000000000000" pitchFamily="2" charset="2"/>
+              <a:buChar char="q"/>
+            </a:pPr>
+            <a:endParaRPr lang="en-GB" sz="1400" spc="-10" dirty="0">
+              <a:latin typeface="LM Sans 10"/>
+              <a:cs typeface="LM Sans 10"/>
+            </a:endParaRPr>
+          </a:p>
+          <a:p>
+            <a:pPr marL="298450" marR="5080" indent="-285750">
+              <a:lnSpc>
+                <a:spcPct val="102600"/>
+              </a:lnSpc>
+              <a:spcBef>
+                <a:spcPts val="55"/>
+              </a:spcBef>
+              <a:buFont typeface="Wingdings" panose="05000000000000000000" pitchFamily="2" charset="2"/>
+              <a:buChar char="q"/>
+            </a:pPr>
+            <a:endParaRPr lang="en-GB" sz="1400" spc="-10" dirty="0">
+              <a:latin typeface="LM Sans 10"/>
+              <a:cs typeface="LM Sans 10"/>
+            </a:endParaRPr>
+          </a:p>
+          <a:p>
+            <a:pPr marL="298450" marR="5080" indent="-285750">
+              <a:lnSpc>
+                <a:spcPct val="102600"/>
+              </a:lnSpc>
+              <a:spcBef>
+                <a:spcPts val="55"/>
+              </a:spcBef>
+              <a:buFont typeface="Wingdings" panose="05000000000000000000" pitchFamily="2" charset="2"/>
+              <a:buChar char="q"/>
+            </a:pPr>
+            <a:endParaRPr lang="en-GB" sz="1400" spc="-10" dirty="0">
+              <a:latin typeface="LM Sans 10"/>
+              <a:cs typeface="LM Sans 10"/>
+            </a:endParaRPr>
+          </a:p>
+          <a:p>
+            <a:pPr marL="298450" marR="5080" indent="-285750">
+              <a:lnSpc>
+                <a:spcPct val="102600"/>
+              </a:lnSpc>
+              <a:spcBef>
+                <a:spcPts val="55"/>
+              </a:spcBef>
+              <a:buFont typeface="Wingdings" panose="05000000000000000000" pitchFamily="2" charset="2"/>
+              <a:buChar char="q"/>
+            </a:pPr>
+            <a:endParaRPr lang="en-GB" sz="1400" spc="-10" dirty="0">
+              <a:latin typeface="LM Sans 10"/>
+              <a:cs typeface="LM Sans 10"/>
+            </a:endParaRPr>
+          </a:p>
+          <a:p>
+            <a:pPr marL="298450" marR="5080" indent="-285750">
+              <a:lnSpc>
+                <a:spcPct val="102600"/>
+              </a:lnSpc>
+              <a:spcBef>
+                <a:spcPts val="55"/>
+              </a:spcBef>
+              <a:buFont typeface="Wingdings" panose="05000000000000000000" pitchFamily="2" charset="2"/>
+              <a:buChar char="q"/>
+            </a:pPr>
+            <a:r>
+              <a:rPr lang="en-GB" sz="1400" spc="-10" dirty="0">
+                <a:latin typeface="LM Sans 10"/>
+                <a:cs typeface="LM Sans 10"/>
+              </a:rPr>
+              <a:t>Hinders credit assignment corresponding to each action</a:t>
+            </a:r>
+          </a:p>
+          <a:p>
+            <a:pPr marL="298450" marR="5080" indent="-285750">
+              <a:lnSpc>
+                <a:spcPct val="102600"/>
+              </a:lnSpc>
+              <a:spcBef>
+                <a:spcPts val="55"/>
+              </a:spcBef>
+              <a:buFont typeface="Wingdings" panose="05000000000000000000" pitchFamily="2" charset="2"/>
+              <a:buChar char="q"/>
+            </a:pPr>
+            <a:r>
+              <a:rPr lang="en-GB" sz="1400" spc="-10" dirty="0">
+                <a:latin typeface="LM Sans 10"/>
+                <a:cs typeface="LM Sans 10"/>
+              </a:rPr>
+              <a:t>Overoptimistic estimates in the case of large action spaces</a:t>
+            </a:r>
+          </a:p>
+          <a:p>
+            <a:pPr marL="298450" marR="5080" indent="-285750">
+              <a:lnSpc>
+                <a:spcPct val="102600"/>
+              </a:lnSpc>
+              <a:spcBef>
+                <a:spcPts val="55"/>
+              </a:spcBef>
+              <a:buFont typeface="Wingdings" panose="05000000000000000000" pitchFamily="2" charset="2"/>
+              <a:buChar char="q"/>
+            </a:pPr>
+            <a:r>
+              <a:rPr lang="en-GB" sz="1400" spc="-10" dirty="0">
+                <a:latin typeface="LM Sans 10"/>
+                <a:cs typeface="LM Sans 10"/>
+              </a:rPr>
+              <a:t>Absence of learning in the case of sparse rewards</a:t>
+            </a:r>
+          </a:p>
+          <a:p>
+            <a:pPr marL="298450" marR="5080" indent="-285750">
+              <a:lnSpc>
+                <a:spcPct val="102600"/>
+              </a:lnSpc>
+              <a:spcBef>
+                <a:spcPts val="55"/>
+              </a:spcBef>
+              <a:buFont typeface="Wingdings" panose="05000000000000000000" pitchFamily="2" charset="2"/>
+              <a:buChar char="q"/>
+            </a:pPr>
+            <a:endParaRPr lang="en-GB" sz="1400" spc="-10" dirty="0">
+              <a:latin typeface="LM Sans 10"/>
+              <a:cs typeface="LM Sans 10"/>
+            </a:endParaRPr>
+          </a:p>
+          <a:p>
+            <a:pPr marL="298450" marR="5080" indent="-285750">
+              <a:lnSpc>
+                <a:spcPct val="102600"/>
+              </a:lnSpc>
+              <a:spcBef>
+                <a:spcPts val="55"/>
+              </a:spcBef>
+              <a:buFont typeface="Wingdings" panose="05000000000000000000" pitchFamily="2" charset="2"/>
+              <a:buChar char="q"/>
+            </a:pPr>
+            <a:endParaRPr lang="en-GB" sz="1400" spc="-10" dirty="0">
+              <a:latin typeface="LM Sans 10"/>
+              <a:cs typeface="LM Sans 10"/>
+            </a:endParaRPr>
+          </a:p>
+          <a:p>
+            <a:pPr marL="298450" marR="5080" indent="-285750">
+              <a:lnSpc>
+                <a:spcPct val="102600"/>
+              </a:lnSpc>
+              <a:spcBef>
+                <a:spcPts val="55"/>
+              </a:spcBef>
+              <a:buFont typeface="Wingdings" panose="05000000000000000000" pitchFamily="2" charset="2"/>
+              <a:buChar char="q"/>
+            </a:pPr>
+            <a:endParaRPr lang="en-GB" sz="1400" spc="-10" dirty="0">
+              <a:latin typeface="LM Sans 10"/>
+              <a:cs typeface="LM Sans 10"/>
+            </a:endParaRPr>
+          </a:p>
+          <a:p>
+            <a:pPr marL="12700" marR="5080">
+              <a:lnSpc>
+                <a:spcPct val="102600"/>
+              </a:lnSpc>
+              <a:spcBef>
+                <a:spcPts val="55"/>
+              </a:spcBef>
+            </a:pPr>
+            <a:endParaRPr lang="en-GB" sz="1400" spc="-10" dirty="0">
+              <a:latin typeface="LM Sans 10"/>
+              <a:cs typeface="LM Sans 10"/>
+            </a:endParaRPr>
+          </a:p>
+        </p:txBody>
+      </p:sp>
+      <p:sp>
+        <p:nvSpPr>
+          <p:cNvPr id="15" name="object 4">
+            <a:extLst>
+              <a:ext uri="{FF2B5EF4-FFF2-40B4-BE49-F238E27FC236}">
+                <a16:creationId xmlns:a16="http://schemas.microsoft.com/office/drawing/2014/main" id="{CEA486B3-987F-4AED-A430-0A1AFDDD1883}"/>
+              </a:ext>
+            </a:extLst>
+          </p:cNvPr>
+          <p:cNvSpPr txBox="1"/>
+          <p:nvPr/>
+        </p:nvSpPr>
+        <p:spPr>
+          <a:xfrm>
+            <a:off x="29500" y="3123882"/>
+            <a:ext cx="4288100" cy="99386"/>
+          </a:xfrm>
+          <a:prstGeom prst="rect">
+            <a:avLst/>
+          </a:prstGeom>
+        </p:spPr>
+        <p:txBody>
+          <a:bodyPr vert="horz" wrap="square" lIns="0" tIns="6985" rIns="0" bIns="0" rtlCol="0">
+            <a:spAutoFit/>
+          </a:bodyPr>
+          <a:lstStyle/>
+          <a:p>
+            <a:pPr algn="l"/>
+            <a:r>
+              <a:rPr lang="en-US" sz="600" b="0" i="0" u="none" strike="noStrike" baseline="0" dirty="0">
+                <a:latin typeface="Times New Roman" panose="02020603050405020304" pitchFamily="18" charset="0"/>
+                <a:cs typeface="Times New Roman" panose="02020603050405020304" pitchFamily="18" charset="0"/>
+              </a:rPr>
+              <a:t>Richard S. Sutton and Andrew G. </a:t>
+            </a:r>
+            <a:r>
+              <a:rPr lang="en-US" sz="600" b="0" i="0" u="none" strike="noStrike" baseline="0" dirty="0" err="1">
+                <a:latin typeface="Times New Roman" panose="02020603050405020304" pitchFamily="18" charset="0"/>
+                <a:cs typeface="Times New Roman" panose="02020603050405020304" pitchFamily="18" charset="0"/>
+              </a:rPr>
+              <a:t>Barto</a:t>
+            </a:r>
+            <a:r>
+              <a:rPr lang="en-US" sz="600" b="0" i="0" u="none" strike="noStrike" baseline="0" dirty="0">
+                <a:latin typeface="Times New Roman" panose="02020603050405020304" pitchFamily="18" charset="0"/>
+                <a:cs typeface="Times New Roman" panose="02020603050405020304" pitchFamily="18" charset="0"/>
+              </a:rPr>
+              <a:t>. Reinforcement Learning: An </a:t>
+            </a:r>
+            <a:r>
+              <a:rPr lang="en-GB" sz="600" b="0" i="0" u="none" strike="noStrike" baseline="0" dirty="0">
+                <a:latin typeface="Times New Roman" panose="02020603050405020304" pitchFamily="18" charset="0"/>
+                <a:cs typeface="Times New Roman" panose="02020603050405020304" pitchFamily="18" charset="0"/>
+              </a:rPr>
+              <a:t>Introduction. 2018.</a:t>
+            </a:r>
+            <a:endParaRPr lang="en-GB" sz="600" spc="-10" dirty="0">
+              <a:latin typeface="Times New Roman" panose="02020603050405020304" pitchFamily="18" charset="0"/>
+              <a:cs typeface="Times New Roman" panose="02020603050405020304" pitchFamily="18" charset="0"/>
+            </a:endParaRPr>
+          </a:p>
+        </p:txBody>
+      </p:sp>
+      <p:pic>
+        <p:nvPicPr>
+          <p:cNvPr id="4" name="Picture 3">
+            <a:extLst>
+              <a:ext uri="{FF2B5EF4-FFF2-40B4-BE49-F238E27FC236}">
+                <a16:creationId xmlns:a16="http://schemas.microsoft.com/office/drawing/2014/main" id="{8246D703-2FC5-4FA4-AB6D-4F569480B8D4}"/>
+              </a:ext>
+            </a:extLst>
+          </p:cNvPr>
+          <p:cNvPicPr>
+            <a:picLocks noChangeAspect="1"/>
+          </p:cNvPicPr>
+          <p:nvPr/>
+        </p:nvPicPr>
+        <p:blipFill>
+          <a:blip r:embed="rId2"/>
+          <a:stretch>
+            <a:fillRect/>
+          </a:stretch>
+        </p:blipFill>
+        <p:spPr>
+          <a:xfrm>
+            <a:off x="1101987" y="1070989"/>
+            <a:ext cx="2143125" cy="448235"/>
+          </a:xfrm>
+          <a:prstGeom prst="rect">
+            <a:avLst/>
+          </a:prstGeom>
+        </p:spPr>
+      </p:pic>
+      <p:pic>
+        <p:nvPicPr>
+          <p:cNvPr id="6" name="Picture 5">
+            <a:extLst>
+              <a:ext uri="{FF2B5EF4-FFF2-40B4-BE49-F238E27FC236}">
+                <a16:creationId xmlns:a16="http://schemas.microsoft.com/office/drawing/2014/main" id="{A8BA7B11-179D-4D11-B55B-AEB2AD203333}"/>
+              </a:ext>
+            </a:extLst>
+          </p:cNvPr>
+          <p:cNvPicPr>
+            <a:picLocks noChangeAspect="1"/>
+          </p:cNvPicPr>
+          <p:nvPr/>
+        </p:nvPicPr>
+        <p:blipFill>
+          <a:blip r:embed="rId3"/>
+          <a:stretch>
+            <a:fillRect/>
+          </a:stretch>
+        </p:blipFill>
+        <p:spPr>
+          <a:xfrm>
+            <a:off x="820075" y="1519224"/>
+            <a:ext cx="2838450" cy="363356"/>
+          </a:xfrm>
+          <a:prstGeom prst="rect">
+            <a:avLst/>
+          </a:prstGeom>
+        </p:spPr>
+      </p:pic>
+    </p:spTree>
+    <p:extLst>
+      <p:ext uri="{BB962C8B-B14F-4D97-AF65-F5344CB8AC3E}">
+        <p14:creationId xmlns:p14="http://schemas.microsoft.com/office/powerpoint/2010/main" val="4123790468"/>
+      </p:ext>
+    </p:extLst>
+  </p:cSld>
+  <p:clrMapOvr>
+    <a:masterClrMapping/>
+  </p:clrMapOvr>
+  <p:transition>
+    <p:cut/>
+  </p:transition>
+</p:sld>
+</file>
+
+<file path=ppt/slides/slide17.xml><?xml version="1.0" encoding="utf-8"?>
+<p:sld xmlns:a="http://schemas.openxmlformats.org/drawingml/2006/main" xmlns:r="http://schemas.openxmlformats.org/officeDocument/2006/relationships" xmlns:p="http://schemas.openxmlformats.org/presentationml/2006/main">
+  <p:cSld>
+    <p:spTree>
+      <p:nvGrpSpPr>
+        <p:cNvPr id="1" name=""/>
+        <p:cNvGrpSpPr/>
+        <p:nvPr/>
+      </p:nvGrpSpPr>
+      <p:grpSpPr>
+        <a:xfrm>
+          <a:off x="0" y="0"/>
+          <a:ext cx="0" cy="0"/>
+          <a:chOff x="0" y="0"/>
+          <a:chExt cx="0" cy="0"/>
+        </a:xfrm>
+      </p:grpSpPr>
+      <p:sp>
+        <p:nvSpPr>
+          <p:cNvPr id="13" name="object 26">
+            <a:extLst>
+              <a:ext uri="{FF2B5EF4-FFF2-40B4-BE49-F238E27FC236}">
+                <a16:creationId xmlns:a16="http://schemas.microsoft.com/office/drawing/2014/main" id="{FAFDBEC2-677E-4926-A34A-ACB5F03BBB2D}"/>
+              </a:ext>
+            </a:extLst>
+          </p:cNvPr>
+          <p:cNvSpPr txBox="1">
+            <a:spLocks noGrp="1"/>
+          </p:cNvSpPr>
+          <p:nvPr>
+            <p:ph type="ftr" sz="quarter" idx="5"/>
+          </p:nvPr>
+        </p:nvSpPr>
+        <p:spPr>
+          <a:xfrm>
+            <a:off x="584276" y="3351784"/>
+            <a:ext cx="367665" cy="89768"/>
+          </a:xfrm>
+          <a:prstGeom prst="rect">
+            <a:avLst/>
+          </a:prstGeom>
+        </p:spPr>
+        <p:txBody>
+          <a:bodyPr vert="horz" wrap="square" lIns="0" tIns="0" rIns="0" bIns="0" rtlCol="0">
+            <a:spAutoFit/>
+          </a:bodyPr>
+          <a:lstStyle/>
+          <a:p>
+            <a:pPr marL="12700">
+              <a:lnSpc>
+                <a:spcPts val="675"/>
+              </a:lnSpc>
+            </a:pPr>
+            <a:r>
+              <a:rPr lang="en-GB" spc="-5" dirty="0"/>
+              <a:t>CMTE</a:t>
+            </a:r>
+            <a:endParaRPr spc="-5" dirty="0"/>
+          </a:p>
+        </p:txBody>
+      </p:sp>
+      <p:grpSp>
+        <p:nvGrpSpPr>
+          <p:cNvPr id="17" name="object 7">
+            <a:extLst>
+              <a:ext uri="{FF2B5EF4-FFF2-40B4-BE49-F238E27FC236}">
+                <a16:creationId xmlns:a16="http://schemas.microsoft.com/office/drawing/2014/main" id="{68BA472F-C4AA-485D-9E48-8E6172A1B1C0}"/>
+              </a:ext>
+            </a:extLst>
+          </p:cNvPr>
+          <p:cNvGrpSpPr/>
+          <p:nvPr/>
+        </p:nvGrpSpPr>
+        <p:grpSpPr>
+          <a:xfrm>
+            <a:off x="0" y="0"/>
+            <a:ext cx="4608195" cy="140335"/>
+            <a:chOff x="0" y="0"/>
+            <a:chExt cx="4608195" cy="140335"/>
+          </a:xfrm>
+        </p:grpSpPr>
+        <p:sp>
+          <p:nvSpPr>
+            <p:cNvPr id="18" name="object 8">
+              <a:extLst>
+                <a:ext uri="{FF2B5EF4-FFF2-40B4-BE49-F238E27FC236}">
+                  <a16:creationId xmlns:a16="http://schemas.microsoft.com/office/drawing/2014/main" id="{C8CDD223-88F0-4CC9-9D96-0E036CBA23C2}"/>
+                </a:ext>
+              </a:extLst>
+            </p:cNvPr>
+            <p:cNvSpPr/>
+            <p:nvPr/>
+          </p:nvSpPr>
+          <p:spPr>
+            <a:xfrm>
+              <a:off x="0" y="0"/>
+              <a:ext cx="2304415" cy="140335"/>
+            </a:xfrm>
+            <a:custGeom>
+              <a:avLst/>
+              <a:gdLst/>
+              <a:ahLst/>
+              <a:cxnLst/>
+              <a:rect l="l" t="t" r="r" b="b"/>
+              <a:pathLst>
+                <a:path w="2304415" h="140335">
+                  <a:moveTo>
+                    <a:pt x="2303995" y="0"/>
+                  </a:moveTo>
+                  <a:lnTo>
+                    <a:pt x="0" y="0"/>
+                  </a:lnTo>
+                  <a:lnTo>
+                    <a:pt x="0" y="140017"/>
+                  </a:lnTo>
+                  <a:lnTo>
+                    <a:pt x="2303995" y="140017"/>
+                  </a:lnTo>
+                  <a:lnTo>
+                    <a:pt x="2303995" y="0"/>
+                  </a:lnTo>
+                  <a:close/>
+                </a:path>
+              </a:pathLst>
+            </a:custGeom>
+            <a:solidFill>
+              <a:schemeClr val="tx2">
+                <a:lumMod val="75000"/>
+              </a:schemeClr>
+            </a:solidFill>
+          </p:spPr>
+          <p:txBody>
+            <a:bodyPr wrap="square" lIns="0" tIns="0" rIns="0" bIns="0" rtlCol="0"/>
+            <a:lstStyle/>
+            <a:p>
+              <a:endParaRPr/>
+            </a:p>
+          </p:txBody>
+        </p:sp>
+        <p:sp>
+          <p:nvSpPr>
+            <p:cNvPr id="23" name="object 9">
+              <a:extLst>
+                <a:ext uri="{FF2B5EF4-FFF2-40B4-BE49-F238E27FC236}">
+                  <a16:creationId xmlns:a16="http://schemas.microsoft.com/office/drawing/2014/main" id="{5BF8E5A9-90A0-458B-95FD-9B43BAA07D63}"/>
+                </a:ext>
+              </a:extLst>
+            </p:cNvPr>
+            <p:cNvSpPr/>
+            <p:nvPr/>
+          </p:nvSpPr>
+          <p:spPr>
+            <a:xfrm>
+              <a:off x="2303995" y="0"/>
+              <a:ext cx="2304415" cy="140335"/>
+            </a:xfrm>
+            <a:custGeom>
+              <a:avLst/>
+              <a:gdLst/>
+              <a:ahLst/>
+              <a:cxnLst/>
+              <a:rect l="l" t="t" r="r" b="b"/>
+              <a:pathLst>
+                <a:path w="2304415" h="140335">
+                  <a:moveTo>
+                    <a:pt x="2303995" y="0"/>
+                  </a:moveTo>
+                  <a:lnTo>
+                    <a:pt x="0" y="0"/>
+                  </a:lnTo>
+                  <a:lnTo>
+                    <a:pt x="0" y="140017"/>
+                  </a:lnTo>
+                  <a:lnTo>
+                    <a:pt x="2303995" y="140017"/>
+                  </a:lnTo>
+                  <a:lnTo>
+                    <a:pt x="2303995" y="0"/>
+                  </a:lnTo>
+                  <a:close/>
+                </a:path>
+              </a:pathLst>
+            </a:custGeom>
+            <a:solidFill>
+              <a:srgbClr val="D8D8D8"/>
+            </a:solidFill>
+          </p:spPr>
+          <p:txBody>
+            <a:bodyPr wrap="square" lIns="0" tIns="0" rIns="0" bIns="0" rtlCol="0"/>
+            <a:lstStyle/>
+            <a:p>
+              <a:endParaRPr/>
+            </a:p>
+          </p:txBody>
+        </p:sp>
+      </p:grpSp>
+      <p:grpSp>
+        <p:nvGrpSpPr>
+          <p:cNvPr id="24" name="object 21">
+            <a:extLst>
+              <a:ext uri="{FF2B5EF4-FFF2-40B4-BE49-F238E27FC236}">
+                <a16:creationId xmlns:a16="http://schemas.microsoft.com/office/drawing/2014/main" id="{0CC17ED8-E096-4E65-A536-1562938C5B69}"/>
+              </a:ext>
+            </a:extLst>
+          </p:cNvPr>
+          <p:cNvGrpSpPr/>
+          <p:nvPr/>
+        </p:nvGrpSpPr>
+        <p:grpSpPr>
+          <a:xfrm>
+            <a:off x="0" y="3346348"/>
+            <a:ext cx="4608195" cy="109855"/>
+            <a:chOff x="0" y="3346348"/>
+            <a:chExt cx="4608195" cy="109855"/>
+          </a:xfrm>
+        </p:grpSpPr>
+        <p:sp>
+          <p:nvSpPr>
+            <p:cNvPr id="25" name="object 22">
+              <a:extLst>
+                <a:ext uri="{FF2B5EF4-FFF2-40B4-BE49-F238E27FC236}">
+                  <a16:creationId xmlns:a16="http://schemas.microsoft.com/office/drawing/2014/main" id="{A44E312F-67FB-460E-BE90-1BCAD7223CD4}"/>
+                </a:ext>
+              </a:extLst>
+            </p:cNvPr>
+            <p:cNvSpPr/>
+            <p:nvPr/>
+          </p:nvSpPr>
+          <p:spPr>
+            <a:xfrm>
+              <a:off x="0" y="3346348"/>
+              <a:ext cx="1536065" cy="109855"/>
+            </a:xfrm>
+            <a:custGeom>
+              <a:avLst/>
+              <a:gdLst/>
+              <a:ahLst/>
+              <a:cxnLst/>
+              <a:rect l="l" t="t" r="r" b="b"/>
+              <a:pathLst>
+                <a:path w="1536065" h="109854">
+                  <a:moveTo>
+                    <a:pt x="1535976" y="0"/>
+                  </a:moveTo>
+                  <a:lnTo>
+                    <a:pt x="0" y="0"/>
+                  </a:lnTo>
+                  <a:lnTo>
+                    <a:pt x="0" y="109651"/>
+                  </a:lnTo>
+                  <a:lnTo>
+                    <a:pt x="1535976" y="109651"/>
+                  </a:lnTo>
+                  <a:lnTo>
+                    <a:pt x="1535976" y="0"/>
+                  </a:lnTo>
+                  <a:close/>
+                </a:path>
+              </a:pathLst>
+            </a:custGeom>
+            <a:solidFill>
+              <a:schemeClr val="tx2">
+                <a:lumMod val="75000"/>
+              </a:schemeClr>
+            </a:solidFill>
+          </p:spPr>
+          <p:txBody>
+            <a:bodyPr wrap="square" lIns="0" tIns="0" rIns="0" bIns="0" rtlCol="0"/>
+            <a:lstStyle/>
+            <a:p>
+              <a:endParaRPr/>
+            </a:p>
+          </p:txBody>
+        </p:sp>
+        <p:sp>
+          <p:nvSpPr>
+            <p:cNvPr id="26" name="object 23">
+              <a:extLst>
+                <a:ext uri="{FF2B5EF4-FFF2-40B4-BE49-F238E27FC236}">
+                  <a16:creationId xmlns:a16="http://schemas.microsoft.com/office/drawing/2014/main" id="{8000B03F-79D9-4AF2-836E-5E9E9F8D33E5}"/>
+                </a:ext>
+              </a:extLst>
+            </p:cNvPr>
+            <p:cNvSpPr/>
+            <p:nvPr/>
+          </p:nvSpPr>
+          <p:spPr>
+            <a:xfrm>
+              <a:off x="1535976" y="3346348"/>
+              <a:ext cx="1536065" cy="109855"/>
+            </a:xfrm>
+            <a:custGeom>
+              <a:avLst/>
+              <a:gdLst/>
+              <a:ahLst/>
+              <a:cxnLst/>
+              <a:rect l="l" t="t" r="r" b="b"/>
+              <a:pathLst>
+                <a:path w="1536064" h="109854">
+                  <a:moveTo>
+                    <a:pt x="1535976" y="0"/>
+                  </a:moveTo>
+                  <a:lnTo>
+                    <a:pt x="0" y="0"/>
+                  </a:lnTo>
+                  <a:lnTo>
+                    <a:pt x="0" y="109651"/>
+                  </a:lnTo>
+                  <a:lnTo>
+                    <a:pt x="1535976" y="109651"/>
+                  </a:lnTo>
+                  <a:lnTo>
+                    <a:pt x="1535976" y="0"/>
+                  </a:lnTo>
+                  <a:close/>
+                </a:path>
+              </a:pathLst>
+            </a:custGeom>
+            <a:solidFill>
+              <a:srgbClr val="EBEBEB"/>
+            </a:solidFill>
+          </p:spPr>
+          <p:txBody>
+            <a:bodyPr wrap="square" lIns="0" tIns="0" rIns="0" bIns="0" rtlCol="0"/>
+            <a:lstStyle/>
+            <a:p>
+              <a:endParaRPr/>
+            </a:p>
+          </p:txBody>
+        </p:sp>
+        <p:sp>
+          <p:nvSpPr>
+            <p:cNvPr id="27" name="object 24">
+              <a:extLst>
+                <a:ext uri="{FF2B5EF4-FFF2-40B4-BE49-F238E27FC236}">
+                  <a16:creationId xmlns:a16="http://schemas.microsoft.com/office/drawing/2014/main" id="{7E722FD4-FDAA-4391-9760-9A266B5BEDDF}"/>
+                </a:ext>
+              </a:extLst>
+            </p:cNvPr>
+            <p:cNvSpPr/>
+            <p:nvPr/>
+          </p:nvSpPr>
+          <p:spPr>
+            <a:xfrm>
+              <a:off x="3071952" y="3346348"/>
+              <a:ext cx="1536065" cy="109855"/>
+            </a:xfrm>
+            <a:custGeom>
+              <a:avLst/>
+              <a:gdLst/>
+              <a:ahLst/>
+              <a:cxnLst/>
+              <a:rect l="l" t="t" r="r" b="b"/>
+              <a:pathLst>
+                <a:path w="1536064" h="109854">
+                  <a:moveTo>
+                    <a:pt x="1535976" y="0"/>
+                  </a:moveTo>
+                  <a:lnTo>
+                    <a:pt x="0" y="0"/>
+                  </a:lnTo>
+                  <a:lnTo>
+                    <a:pt x="0" y="109651"/>
+                  </a:lnTo>
+                  <a:lnTo>
+                    <a:pt x="1535976" y="109651"/>
+                  </a:lnTo>
+                  <a:lnTo>
+                    <a:pt x="1535976" y="0"/>
+                  </a:lnTo>
+                  <a:close/>
+                </a:path>
+              </a:pathLst>
+            </a:custGeom>
+            <a:solidFill>
+              <a:srgbClr val="D8D8D8"/>
+            </a:solidFill>
+          </p:spPr>
+          <p:txBody>
+            <a:bodyPr wrap="square" lIns="0" tIns="0" rIns="0" bIns="0" rtlCol="0"/>
+            <a:lstStyle/>
+            <a:p>
+              <a:endParaRPr/>
+            </a:p>
+          </p:txBody>
+        </p:sp>
+      </p:grpSp>
+      <p:sp>
+        <p:nvSpPr>
+          <p:cNvPr id="28" name="object 2">
+            <a:extLst>
+              <a:ext uri="{FF2B5EF4-FFF2-40B4-BE49-F238E27FC236}">
+                <a16:creationId xmlns:a16="http://schemas.microsoft.com/office/drawing/2014/main" id="{6662B4DC-6501-464E-ACC8-AA59AB01BE00}"/>
+              </a:ext>
+            </a:extLst>
+          </p:cNvPr>
+          <p:cNvSpPr txBox="1"/>
+          <p:nvPr/>
+        </p:nvSpPr>
+        <p:spPr>
+          <a:xfrm>
+            <a:off x="0" y="140017"/>
+            <a:ext cx="4608195" cy="293029"/>
+          </a:xfrm>
+          <a:prstGeom prst="rect">
+            <a:avLst/>
+          </a:prstGeom>
+          <a:solidFill>
+            <a:srgbClr val="F2F2F2"/>
+          </a:solidFill>
+        </p:spPr>
+        <p:txBody>
+          <a:bodyPr vert="horz" wrap="square" lIns="0" tIns="76835" rIns="0" bIns="0" rtlCol="0">
+            <a:spAutoFit/>
+          </a:bodyPr>
+          <a:lstStyle/>
+          <a:p>
+            <a:pPr marL="107950">
+              <a:lnSpc>
+                <a:spcPct val="100000"/>
+              </a:lnSpc>
+              <a:spcBef>
+                <a:spcPts val="605"/>
+              </a:spcBef>
+            </a:pPr>
+            <a:r>
+              <a:rPr lang="en-GB" sz="1400" spc="10" dirty="0">
+                <a:solidFill>
+                  <a:schemeClr val="tx2">
+                    <a:lumMod val="75000"/>
+                  </a:schemeClr>
+                </a:solidFill>
+                <a:latin typeface="LM Sans 12"/>
+                <a:cs typeface="LM Sans 12"/>
+              </a:rPr>
+              <a:t>Q-Learning</a:t>
+            </a:r>
+            <a:endParaRPr sz="1400" dirty="0">
+              <a:solidFill>
+                <a:schemeClr val="tx2">
+                  <a:lumMod val="75000"/>
+                </a:schemeClr>
+              </a:solidFill>
+              <a:latin typeface="LM Sans 12"/>
+              <a:cs typeface="LM Sans 12"/>
+            </a:endParaRPr>
+          </a:p>
+        </p:txBody>
+      </p:sp>
+      <p:sp>
+        <p:nvSpPr>
+          <p:cNvPr id="19" name="object 4">
+            <a:extLst>
+              <a:ext uri="{FF2B5EF4-FFF2-40B4-BE49-F238E27FC236}">
+                <a16:creationId xmlns:a16="http://schemas.microsoft.com/office/drawing/2014/main" id="{B38F62AA-5165-41FE-A980-36A4AB74FC65}"/>
+              </a:ext>
+            </a:extLst>
+          </p:cNvPr>
+          <p:cNvSpPr txBox="1"/>
+          <p:nvPr/>
+        </p:nvSpPr>
+        <p:spPr>
+          <a:xfrm>
+            <a:off x="95250" y="1281122"/>
+            <a:ext cx="4288100" cy="1134478"/>
+          </a:xfrm>
+          <a:prstGeom prst="rect">
+            <a:avLst/>
+          </a:prstGeom>
+        </p:spPr>
+        <p:txBody>
+          <a:bodyPr vert="horz" wrap="square" lIns="0" tIns="6985" rIns="0" bIns="0" rtlCol="0">
+            <a:spAutoFit/>
+          </a:bodyPr>
+          <a:lstStyle/>
+          <a:p>
+            <a:pPr marL="12700" marR="5080" algn="ctr">
+              <a:lnSpc>
+                <a:spcPct val="102600"/>
+              </a:lnSpc>
+              <a:spcBef>
+                <a:spcPts val="55"/>
+              </a:spcBef>
+            </a:pPr>
+            <a:r>
+              <a:rPr lang="en-GB" sz="2400" spc="-10" dirty="0">
+                <a:latin typeface="LM Sans 10"/>
+                <a:cs typeface="LM Sans 10"/>
+              </a:rPr>
+              <a:t>How to make use of Temporal Difference Learning in Multi-Agent settings?</a:t>
+            </a:r>
+            <a:endParaRPr lang="en-GB" sz="2400" spc="-10" dirty="0">
+              <a:latin typeface="LM Sans 10"/>
+              <a:cs typeface="Arial"/>
+            </a:endParaRPr>
+          </a:p>
+        </p:txBody>
+      </p:sp>
+    </p:spTree>
+    <p:extLst>
+      <p:ext uri="{BB962C8B-B14F-4D97-AF65-F5344CB8AC3E}">
+        <p14:creationId xmlns:p14="http://schemas.microsoft.com/office/powerpoint/2010/main" val="2701273449"/>
+      </p:ext>
+    </p:extLst>
+  </p:cSld>
+  <p:clrMapOvr>
+    <a:masterClrMapping/>
+  </p:clrMapOvr>
+  <p:transition>
+    <p:cut/>
+  </p:transition>
+</p:sld>
+</file>
+
+<file path=ppt/slides/slide18.xml><?xml version="1.0" encoding="utf-8"?>
 <p:sld xmlns:a="http://schemas.openxmlformats.org/drawingml/2006/main" xmlns:r="http://schemas.openxmlformats.org/officeDocument/2006/relationships" xmlns:p="http://schemas.openxmlformats.org/presentationml/2006/main">
   <p:cSld>
     <p:spTree>
@@ -7355,7 +11688,7 @@
 </p:sld>
 </file>
 
-<file path=ppt/slides/slide14.xml><?xml version="1.0" encoding="utf-8"?>
+<file path=ppt/slides/slide19.xml><?xml version="1.0" encoding="utf-8"?>
 <p:sld xmlns:a="http://schemas.openxmlformats.org/drawingml/2006/main" xmlns:r="http://schemas.openxmlformats.org/officeDocument/2006/relationships" xmlns:p="http://schemas.openxmlformats.org/presentationml/2006/main">
   <p:cSld>
     <p:spTree>
@@ -8084,866 +12417,6 @@
     <p:extLst>
       <p:ext uri="{BB962C8B-B14F-4D97-AF65-F5344CB8AC3E}">
         <p14:creationId xmlns:p14="http://schemas.microsoft.com/office/powerpoint/2010/main" val="1669725790"/>
-      </p:ext>
-    </p:extLst>
-  </p:cSld>
-  <p:clrMapOvr>
-    <a:masterClrMapping/>
-  </p:clrMapOvr>
-  <p:transition>
-    <p:cut/>
-  </p:transition>
-</p:sld>
-</file>
-
-<file path=ppt/slides/slide15.xml><?xml version="1.0" encoding="utf-8"?>
-<p:sld xmlns:a="http://schemas.openxmlformats.org/drawingml/2006/main" xmlns:r="http://schemas.openxmlformats.org/officeDocument/2006/relationships" xmlns:p="http://schemas.openxmlformats.org/presentationml/2006/main">
-  <p:cSld>
-    <p:spTree>
-      <p:nvGrpSpPr>
-        <p:cNvPr id="1" name=""/>
-        <p:cNvGrpSpPr/>
-        <p:nvPr/>
-      </p:nvGrpSpPr>
-      <p:grpSpPr>
-        <a:xfrm>
-          <a:off x="0" y="0"/>
-          <a:ext cx="0" cy="0"/>
-          <a:chOff x="0" y="0"/>
-          <a:chExt cx="0" cy="0"/>
-        </a:xfrm>
-      </p:grpSpPr>
-      <p:sp>
-        <p:nvSpPr>
-          <p:cNvPr id="13" name="object 26">
-            <a:extLst>
-              <a:ext uri="{FF2B5EF4-FFF2-40B4-BE49-F238E27FC236}">
-                <a16:creationId xmlns:a16="http://schemas.microsoft.com/office/drawing/2014/main" id="{09C87D2E-37DA-4F04-94BE-1B31A8F27FC9}"/>
-              </a:ext>
-            </a:extLst>
-          </p:cNvPr>
-          <p:cNvSpPr txBox="1">
-            <a:spLocks noGrp="1"/>
-          </p:cNvSpPr>
-          <p:nvPr>
-            <p:ph type="ftr" sz="quarter" idx="5"/>
-          </p:nvPr>
-        </p:nvSpPr>
-        <p:spPr>
-          <a:xfrm>
-            <a:off x="584276" y="3351784"/>
-            <a:ext cx="367665" cy="89768"/>
-          </a:xfrm>
-          <a:prstGeom prst="rect">
-            <a:avLst/>
-          </a:prstGeom>
-        </p:spPr>
-        <p:txBody>
-          <a:bodyPr vert="horz" wrap="square" lIns="0" tIns="0" rIns="0" bIns="0" rtlCol="0">
-            <a:spAutoFit/>
-          </a:bodyPr>
-          <a:lstStyle/>
-          <a:p>
-            <a:pPr marL="12700" marR="0" lvl="0" indent="0" algn="l" defTabSz="914400" rtl="0" eaLnBrk="1" fontAlgn="auto" latinLnBrk="0" hangingPunct="1">
-              <a:lnSpc>
-                <a:spcPts val="675"/>
-              </a:lnSpc>
-              <a:spcBef>
-                <a:spcPts val="0"/>
-              </a:spcBef>
-              <a:spcAft>
-                <a:spcPts val="0"/>
-              </a:spcAft>
-              <a:buClrTx/>
-              <a:buSzTx/>
-              <a:buFontTx/>
-              <a:buNone/>
-              <a:tabLst/>
-              <a:defRPr/>
-            </a:pPr>
-            <a:r>
-              <a:rPr kumimoji="0" lang="en-GB" sz="600" b="0" i="0" u="none" strike="noStrike" kern="1200" cap="none" spc="-5" normalizeH="0" baseline="0" noProof="0" dirty="0">
-                <a:ln>
-                  <a:noFill/>
-                </a:ln>
-                <a:solidFill>
-                  <a:srgbClr val="F2F2F2"/>
-                </a:solidFill>
-                <a:effectLst/>
-                <a:uLnTx/>
-                <a:uFillTx/>
-                <a:latin typeface="LM Sans 8"/>
-                <a:ea typeface="+mn-ea"/>
-              </a:rPr>
-              <a:t>CMTE</a:t>
-            </a:r>
-            <a:endParaRPr kumimoji="0" sz="600" b="0" i="0" u="none" strike="noStrike" kern="1200" cap="none" spc="-5" normalizeH="0" baseline="0" noProof="0" dirty="0">
-              <a:ln>
-                <a:noFill/>
-              </a:ln>
-              <a:solidFill>
-                <a:srgbClr val="F2F2F2"/>
-              </a:solidFill>
-              <a:effectLst/>
-              <a:uLnTx/>
-              <a:uFillTx/>
-              <a:latin typeface="LM Sans 8"/>
-              <a:ea typeface="+mn-ea"/>
-            </a:endParaRPr>
-          </a:p>
-        </p:txBody>
-      </p:sp>
-      <p:sp>
-        <p:nvSpPr>
-          <p:cNvPr id="10" name="object 4">
-            <a:extLst>
-              <a:ext uri="{FF2B5EF4-FFF2-40B4-BE49-F238E27FC236}">
-                <a16:creationId xmlns:a16="http://schemas.microsoft.com/office/drawing/2014/main" id="{9521CB19-ED30-4CFE-8192-FAAD607F7152}"/>
-              </a:ext>
-            </a:extLst>
-          </p:cNvPr>
-          <p:cNvSpPr txBox="1"/>
-          <p:nvPr/>
-        </p:nvSpPr>
-        <p:spPr>
-          <a:xfrm>
-            <a:off x="-230450" y="1425575"/>
-            <a:ext cx="4288100" cy="373628"/>
-          </a:xfrm>
-          <a:prstGeom prst="rect">
-            <a:avLst/>
-          </a:prstGeom>
-        </p:spPr>
-        <p:txBody>
-          <a:bodyPr vert="horz" wrap="square" lIns="0" tIns="6985" rIns="0" bIns="0" rtlCol="0">
-            <a:spAutoFit/>
-          </a:bodyPr>
-          <a:lstStyle/>
-          <a:p>
-            <a:pPr marL="12700" marR="5080" lvl="0" indent="0" algn="r" defTabSz="914400" rtl="0" eaLnBrk="1" fontAlgn="auto" latinLnBrk="0" hangingPunct="1">
-              <a:lnSpc>
-                <a:spcPct val="102600"/>
-              </a:lnSpc>
-              <a:spcBef>
-                <a:spcPts val="55"/>
-              </a:spcBef>
-              <a:spcAft>
-                <a:spcPts val="0"/>
-              </a:spcAft>
-              <a:buClrTx/>
-              <a:buSzTx/>
-              <a:buFontTx/>
-              <a:buNone/>
-              <a:tabLst/>
-              <a:defRPr/>
-            </a:pPr>
-            <a:r>
-              <a:rPr kumimoji="0" lang="en-GB" sz="2400" b="0" i="0" u="none" strike="noStrike" kern="1200" cap="none" spc="0" normalizeH="0" baseline="0" noProof="0" dirty="0">
-                <a:ln>
-                  <a:noFill/>
-                </a:ln>
-                <a:solidFill>
-                  <a:prstClr val="black"/>
-                </a:solidFill>
-                <a:effectLst/>
-                <a:uLnTx/>
-                <a:uFillTx/>
-                <a:latin typeface="Calibri"/>
-                <a:ea typeface="+mn-ea"/>
-              </a:rPr>
-              <a:t>karush17.github.io/</a:t>
-            </a:r>
-            <a:r>
-              <a:rPr kumimoji="0" lang="en-GB" sz="2400" b="0" i="0" u="none" strike="noStrike" kern="1200" cap="none" spc="0" normalizeH="0" baseline="0" noProof="0" dirty="0" err="1">
-                <a:ln>
-                  <a:noFill/>
-                </a:ln>
-                <a:solidFill>
-                  <a:prstClr val="black"/>
-                </a:solidFill>
-                <a:effectLst/>
-                <a:uLnTx/>
-                <a:uFillTx/>
-                <a:latin typeface="Calibri"/>
-                <a:ea typeface="+mn-ea"/>
-              </a:rPr>
-              <a:t>emix</a:t>
-            </a:r>
-            <a:r>
-              <a:rPr kumimoji="0" lang="en-GB" sz="2400" b="0" i="0" u="none" strike="noStrike" kern="1200" cap="none" spc="0" normalizeH="0" baseline="0" noProof="0" dirty="0">
-                <a:ln>
-                  <a:noFill/>
-                </a:ln>
-                <a:solidFill>
-                  <a:prstClr val="black"/>
-                </a:solidFill>
-                <a:effectLst/>
-                <a:uLnTx/>
-                <a:uFillTx/>
-                <a:latin typeface="Calibri"/>
-                <a:ea typeface="+mn-ea"/>
-              </a:rPr>
-              <a:t>-web</a:t>
-            </a:r>
-            <a:endParaRPr kumimoji="0" lang="en-GB" sz="2400" b="0" i="0" u="none" strike="noStrike" kern="1200" cap="none" spc="-10" normalizeH="0" baseline="0" noProof="0" dirty="0">
-              <a:ln>
-                <a:noFill/>
-              </a:ln>
-              <a:solidFill>
-                <a:prstClr val="black"/>
-              </a:solidFill>
-              <a:effectLst/>
-              <a:uLnTx/>
-              <a:uFillTx/>
-              <a:latin typeface="LM Sans 10"/>
-              <a:ea typeface="+mn-ea"/>
-              <a:cs typeface="LM Sans 10"/>
-            </a:endParaRPr>
-          </a:p>
-        </p:txBody>
-      </p:sp>
-      <p:grpSp>
-        <p:nvGrpSpPr>
-          <p:cNvPr id="12" name="object 7">
-            <a:extLst>
-              <a:ext uri="{FF2B5EF4-FFF2-40B4-BE49-F238E27FC236}">
-                <a16:creationId xmlns:a16="http://schemas.microsoft.com/office/drawing/2014/main" id="{04E6467A-716D-434F-9804-E4358CA01ABB}"/>
-              </a:ext>
-            </a:extLst>
-          </p:cNvPr>
-          <p:cNvGrpSpPr/>
-          <p:nvPr/>
-        </p:nvGrpSpPr>
-        <p:grpSpPr>
-          <a:xfrm>
-            <a:off x="0" y="0"/>
-            <a:ext cx="4608195" cy="140335"/>
-            <a:chOff x="0" y="0"/>
-            <a:chExt cx="4608195" cy="140335"/>
-          </a:xfrm>
-        </p:grpSpPr>
-        <p:sp>
-          <p:nvSpPr>
-            <p:cNvPr id="14" name="object 8">
-              <a:extLst>
-                <a:ext uri="{FF2B5EF4-FFF2-40B4-BE49-F238E27FC236}">
-                  <a16:creationId xmlns:a16="http://schemas.microsoft.com/office/drawing/2014/main" id="{96551261-0543-426F-9585-87CAFE559309}"/>
-                </a:ext>
-              </a:extLst>
-            </p:cNvPr>
-            <p:cNvSpPr/>
-            <p:nvPr/>
-          </p:nvSpPr>
-          <p:spPr>
-            <a:xfrm>
-              <a:off x="0" y="0"/>
-              <a:ext cx="2304415" cy="140335"/>
-            </a:xfrm>
-            <a:custGeom>
-              <a:avLst/>
-              <a:gdLst/>
-              <a:ahLst/>
-              <a:cxnLst/>
-              <a:rect l="l" t="t" r="r" b="b"/>
-              <a:pathLst>
-                <a:path w="2304415" h="140335">
-                  <a:moveTo>
-                    <a:pt x="2303995" y="0"/>
-                  </a:moveTo>
-                  <a:lnTo>
-                    <a:pt x="0" y="0"/>
-                  </a:lnTo>
-                  <a:lnTo>
-                    <a:pt x="0" y="140017"/>
-                  </a:lnTo>
-                  <a:lnTo>
-                    <a:pt x="2303995" y="140017"/>
-                  </a:lnTo>
-                  <a:lnTo>
-                    <a:pt x="2303995" y="0"/>
-                  </a:lnTo>
-                  <a:close/>
-                </a:path>
-              </a:pathLst>
-            </a:custGeom>
-            <a:solidFill>
-              <a:schemeClr val="tx2">
-                <a:lumMod val="75000"/>
-              </a:schemeClr>
-            </a:solidFill>
-          </p:spPr>
-          <p:txBody>
-            <a:bodyPr wrap="square" lIns="0" tIns="0" rIns="0" bIns="0" rtlCol="0"/>
-            <a:lstStyle/>
-            <a:p>
-              <a:pPr marL="0" marR="0" lvl="0" indent="0" algn="l" defTabSz="914400" rtl="0" eaLnBrk="1" fontAlgn="auto" latinLnBrk="0" hangingPunct="1">
-                <a:lnSpc>
-                  <a:spcPct val="100000"/>
-                </a:lnSpc>
-                <a:spcBef>
-                  <a:spcPts val="0"/>
-                </a:spcBef>
-                <a:spcAft>
-                  <a:spcPts val="0"/>
-                </a:spcAft>
-                <a:buClrTx/>
-                <a:buSzTx/>
-                <a:buFontTx/>
-                <a:buNone/>
-                <a:tabLst/>
-                <a:defRPr/>
-              </a:pPr>
-              <a:endParaRPr kumimoji="0" sz="1800" b="0" i="0" u="none" strike="noStrike" kern="1200" cap="none" spc="0" normalizeH="0" baseline="0" noProof="0">
-                <a:ln>
-                  <a:noFill/>
-                </a:ln>
-                <a:solidFill>
-                  <a:prstClr val="black"/>
-                </a:solidFill>
-                <a:effectLst/>
-                <a:uLnTx/>
-                <a:uFillTx/>
-                <a:latin typeface="Calibri"/>
-                <a:ea typeface="+mn-ea"/>
-                <a:cs typeface="+mn-cs"/>
-              </a:endParaRPr>
-            </a:p>
-          </p:txBody>
-        </p:sp>
-        <p:sp>
-          <p:nvSpPr>
-            <p:cNvPr id="15" name="object 9">
-              <a:extLst>
-                <a:ext uri="{FF2B5EF4-FFF2-40B4-BE49-F238E27FC236}">
-                  <a16:creationId xmlns:a16="http://schemas.microsoft.com/office/drawing/2014/main" id="{DC590670-011B-41CB-9202-2CF30BD752FA}"/>
-                </a:ext>
-              </a:extLst>
-            </p:cNvPr>
-            <p:cNvSpPr/>
-            <p:nvPr/>
-          </p:nvSpPr>
-          <p:spPr>
-            <a:xfrm>
-              <a:off x="2303995" y="0"/>
-              <a:ext cx="2304415" cy="140335"/>
-            </a:xfrm>
-            <a:custGeom>
-              <a:avLst/>
-              <a:gdLst/>
-              <a:ahLst/>
-              <a:cxnLst/>
-              <a:rect l="l" t="t" r="r" b="b"/>
-              <a:pathLst>
-                <a:path w="2304415" h="140335">
-                  <a:moveTo>
-                    <a:pt x="2303995" y="0"/>
-                  </a:moveTo>
-                  <a:lnTo>
-                    <a:pt x="0" y="0"/>
-                  </a:lnTo>
-                  <a:lnTo>
-                    <a:pt x="0" y="140017"/>
-                  </a:lnTo>
-                  <a:lnTo>
-                    <a:pt x="2303995" y="140017"/>
-                  </a:lnTo>
-                  <a:lnTo>
-                    <a:pt x="2303995" y="0"/>
-                  </a:lnTo>
-                  <a:close/>
-                </a:path>
-              </a:pathLst>
-            </a:custGeom>
-            <a:solidFill>
-              <a:srgbClr val="D8D8D8"/>
-            </a:solidFill>
-          </p:spPr>
-          <p:txBody>
-            <a:bodyPr wrap="square" lIns="0" tIns="0" rIns="0" bIns="0" rtlCol="0"/>
-            <a:lstStyle/>
-            <a:p>
-              <a:pPr marL="0" marR="0" lvl="0" indent="0" algn="l" defTabSz="914400" rtl="0" eaLnBrk="1" fontAlgn="auto" latinLnBrk="0" hangingPunct="1">
-                <a:lnSpc>
-                  <a:spcPct val="100000"/>
-                </a:lnSpc>
-                <a:spcBef>
-                  <a:spcPts val="0"/>
-                </a:spcBef>
-                <a:spcAft>
-                  <a:spcPts val="0"/>
-                </a:spcAft>
-                <a:buClrTx/>
-                <a:buSzTx/>
-                <a:buFontTx/>
-                <a:buNone/>
-                <a:tabLst/>
-                <a:defRPr/>
-              </a:pPr>
-              <a:endParaRPr kumimoji="0" sz="1800" b="0" i="0" u="none" strike="noStrike" kern="1200" cap="none" spc="0" normalizeH="0" baseline="0" noProof="0">
-                <a:ln>
-                  <a:noFill/>
-                </a:ln>
-                <a:solidFill>
-                  <a:prstClr val="black"/>
-                </a:solidFill>
-                <a:effectLst/>
-                <a:uLnTx/>
-                <a:uFillTx/>
-                <a:latin typeface="Calibri"/>
-                <a:ea typeface="+mn-ea"/>
-                <a:cs typeface="+mn-cs"/>
-              </a:endParaRPr>
-            </a:p>
-          </p:txBody>
-        </p:sp>
-      </p:grpSp>
-      <p:grpSp>
-        <p:nvGrpSpPr>
-          <p:cNvPr id="16" name="object 21">
-            <a:extLst>
-              <a:ext uri="{FF2B5EF4-FFF2-40B4-BE49-F238E27FC236}">
-                <a16:creationId xmlns:a16="http://schemas.microsoft.com/office/drawing/2014/main" id="{6396F07D-4529-4F93-8F0A-845B39110D3A}"/>
-              </a:ext>
-            </a:extLst>
-          </p:cNvPr>
-          <p:cNvGrpSpPr/>
-          <p:nvPr/>
-        </p:nvGrpSpPr>
-        <p:grpSpPr>
-          <a:xfrm>
-            <a:off x="0" y="3346348"/>
-            <a:ext cx="4608195" cy="109855"/>
-            <a:chOff x="0" y="3346348"/>
-            <a:chExt cx="4608195" cy="109855"/>
-          </a:xfrm>
-        </p:grpSpPr>
-        <p:sp>
-          <p:nvSpPr>
-            <p:cNvPr id="17" name="object 22">
-              <a:extLst>
-                <a:ext uri="{FF2B5EF4-FFF2-40B4-BE49-F238E27FC236}">
-                  <a16:creationId xmlns:a16="http://schemas.microsoft.com/office/drawing/2014/main" id="{EE7A3E39-8086-40FF-B188-72DB280CAF58}"/>
-                </a:ext>
-              </a:extLst>
-            </p:cNvPr>
-            <p:cNvSpPr/>
-            <p:nvPr/>
-          </p:nvSpPr>
-          <p:spPr>
-            <a:xfrm>
-              <a:off x="0" y="3346348"/>
-              <a:ext cx="1536065" cy="109855"/>
-            </a:xfrm>
-            <a:custGeom>
-              <a:avLst/>
-              <a:gdLst/>
-              <a:ahLst/>
-              <a:cxnLst/>
-              <a:rect l="l" t="t" r="r" b="b"/>
-              <a:pathLst>
-                <a:path w="1536065" h="109854">
-                  <a:moveTo>
-                    <a:pt x="1535976" y="0"/>
-                  </a:moveTo>
-                  <a:lnTo>
-                    <a:pt x="0" y="0"/>
-                  </a:lnTo>
-                  <a:lnTo>
-                    <a:pt x="0" y="109651"/>
-                  </a:lnTo>
-                  <a:lnTo>
-                    <a:pt x="1535976" y="109651"/>
-                  </a:lnTo>
-                  <a:lnTo>
-                    <a:pt x="1535976" y="0"/>
-                  </a:lnTo>
-                  <a:close/>
-                </a:path>
-              </a:pathLst>
-            </a:custGeom>
-            <a:solidFill>
-              <a:schemeClr val="tx2">
-                <a:lumMod val="75000"/>
-              </a:schemeClr>
-            </a:solidFill>
-          </p:spPr>
-          <p:txBody>
-            <a:bodyPr wrap="square" lIns="0" tIns="0" rIns="0" bIns="0" rtlCol="0"/>
-            <a:lstStyle/>
-            <a:p>
-              <a:pPr marL="0" marR="0" lvl="0" indent="0" algn="l" defTabSz="914400" rtl="0" eaLnBrk="1" fontAlgn="auto" latinLnBrk="0" hangingPunct="1">
-                <a:lnSpc>
-                  <a:spcPct val="100000"/>
-                </a:lnSpc>
-                <a:spcBef>
-                  <a:spcPts val="0"/>
-                </a:spcBef>
-                <a:spcAft>
-                  <a:spcPts val="0"/>
-                </a:spcAft>
-                <a:buClrTx/>
-                <a:buSzTx/>
-                <a:buFontTx/>
-                <a:buNone/>
-                <a:tabLst/>
-                <a:defRPr/>
-              </a:pPr>
-              <a:endParaRPr kumimoji="0" sz="1800" b="0" i="0" u="none" strike="noStrike" kern="1200" cap="none" spc="0" normalizeH="0" baseline="0" noProof="0">
-                <a:ln>
-                  <a:noFill/>
-                </a:ln>
-                <a:solidFill>
-                  <a:prstClr val="black"/>
-                </a:solidFill>
-                <a:effectLst/>
-                <a:uLnTx/>
-                <a:uFillTx/>
-                <a:latin typeface="Calibri"/>
-                <a:ea typeface="+mn-ea"/>
-                <a:cs typeface="+mn-cs"/>
-              </a:endParaRPr>
-            </a:p>
-          </p:txBody>
-        </p:sp>
-        <p:sp>
-          <p:nvSpPr>
-            <p:cNvPr id="18" name="object 23">
-              <a:extLst>
-                <a:ext uri="{FF2B5EF4-FFF2-40B4-BE49-F238E27FC236}">
-                  <a16:creationId xmlns:a16="http://schemas.microsoft.com/office/drawing/2014/main" id="{685C90C0-EA50-4CC6-B066-427BBFDAE776}"/>
-                </a:ext>
-              </a:extLst>
-            </p:cNvPr>
-            <p:cNvSpPr/>
-            <p:nvPr/>
-          </p:nvSpPr>
-          <p:spPr>
-            <a:xfrm>
-              <a:off x="1535976" y="3346348"/>
-              <a:ext cx="1536065" cy="109855"/>
-            </a:xfrm>
-            <a:custGeom>
-              <a:avLst/>
-              <a:gdLst/>
-              <a:ahLst/>
-              <a:cxnLst/>
-              <a:rect l="l" t="t" r="r" b="b"/>
-              <a:pathLst>
-                <a:path w="1536064" h="109854">
-                  <a:moveTo>
-                    <a:pt x="1535976" y="0"/>
-                  </a:moveTo>
-                  <a:lnTo>
-                    <a:pt x="0" y="0"/>
-                  </a:lnTo>
-                  <a:lnTo>
-                    <a:pt x="0" y="109651"/>
-                  </a:lnTo>
-                  <a:lnTo>
-                    <a:pt x="1535976" y="109651"/>
-                  </a:lnTo>
-                  <a:lnTo>
-                    <a:pt x="1535976" y="0"/>
-                  </a:lnTo>
-                  <a:close/>
-                </a:path>
-              </a:pathLst>
-            </a:custGeom>
-            <a:solidFill>
-              <a:srgbClr val="EBEBEB"/>
-            </a:solidFill>
-          </p:spPr>
-          <p:txBody>
-            <a:bodyPr wrap="square" lIns="0" tIns="0" rIns="0" bIns="0" rtlCol="0"/>
-            <a:lstStyle/>
-            <a:p>
-              <a:pPr marL="0" marR="0" lvl="0" indent="0" algn="l" defTabSz="914400" rtl="0" eaLnBrk="1" fontAlgn="auto" latinLnBrk="0" hangingPunct="1">
-                <a:lnSpc>
-                  <a:spcPct val="100000"/>
-                </a:lnSpc>
-                <a:spcBef>
-                  <a:spcPts val="0"/>
-                </a:spcBef>
-                <a:spcAft>
-                  <a:spcPts val="0"/>
-                </a:spcAft>
-                <a:buClrTx/>
-                <a:buSzTx/>
-                <a:buFontTx/>
-                <a:buNone/>
-                <a:tabLst/>
-                <a:defRPr/>
-              </a:pPr>
-              <a:endParaRPr kumimoji="0" sz="1800" b="0" i="0" u="none" strike="noStrike" kern="1200" cap="none" spc="0" normalizeH="0" baseline="0" noProof="0">
-                <a:ln>
-                  <a:noFill/>
-                </a:ln>
-                <a:solidFill>
-                  <a:prstClr val="black"/>
-                </a:solidFill>
-                <a:effectLst/>
-                <a:uLnTx/>
-                <a:uFillTx/>
-                <a:latin typeface="Calibri"/>
-                <a:ea typeface="+mn-ea"/>
-                <a:cs typeface="+mn-cs"/>
-              </a:endParaRPr>
-            </a:p>
-          </p:txBody>
-        </p:sp>
-        <p:sp>
-          <p:nvSpPr>
-            <p:cNvPr id="19" name="object 24">
-              <a:extLst>
-                <a:ext uri="{FF2B5EF4-FFF2-40B4-BE49-F238E27FC236}">
-                  <a16:creationId xmlns:a16="http://schemas.microsoft.com/office/drawing/2014/main" id="{4F56768F-0A1E-40ED-903F-DDAFCADC4BC3}"/>
-                </a:ext>
-              </a:extLst>
-            </p:cNvPr>
-            <p:cNvSpPr/>
-            <p:nvPr/>
-          </p:nvSpPr>
-          <p:spPr>
-            <a:xfrm>
-              <a:off x="3071952" y="3346348"/>
-              <a:ext cx="1536065" cy="109855"/>
-            </a:xfrm>
-            <a:custGeom>
-              <a:avLst/>
-              <a:gdLst/>
-              <a:ahLst/>
-              <a:cxnLst/>
-              <a:rect l="l" t="t" r="r" b="b"/>
-              <a:pathLst>
-                <a:path w="1536064" h="109854">
-                  <a:moveTo>
-                    <a:pt x="1535976" y="0"/>
-                  </a:moveTo>
-                  <a:lnTo>
-                    <a:pt x="0" y="0"/>
-                  </a:lnTo>
-                  <a:lnTo>
-                    <a:pt x="0" y="109651"/>
-                  </a:lnTo>
-                  <a:lnTo>
-                    <a:pt x="1535976" y="109651"/>
-                  </a:lnTo>
-                  <a:lnTo>
-                    <a:pt x="1535976" y="0"/>
-                  </a:lnTo>
-                  <a:close/>
-                </a:path>
-              </a:pathLst>
-            </a:custGeom>
-            <a:solidFill>
-              <a:srgbClr val="D8D8D8"/>
-            </a:solidFill>
-          </p:spPr>
-          <p:txBody>
-            <a:bodyPr wrap="square" lIns="0" tIns="0" rIns="0" bIns="0" rtlCol="0"/>
-            <a:lstStyle/>
-            <a:p>
-              <a:pPr marL="0" marR="0" lvl="0" indent="0" algn="l" defTabSz="914400" rtl="0" eaLnBrk="1" fontAlgn="auto" latinLnBrk="0" hangingPunct="1">
-                <a:lnSpc>
-                  <a:spcPct val="100000"/>
-                </a:lnSpc>
-                <a:spcBef>
-                  <a:spcPts val="0"/>
-                </a:spcBef>
-                <a:spcAft>
-                  <a:spcPts val="0"/>
-                </a:spcAft>
-                <a:buClrTx/>
-                <a:buSzTx/>
-                <a:buFontTx/>
-                <a:buNone/>
-                <a:tabLst/>
-                <a:defRPr/>
-              </a:pPr>
-              <a:endParaRPr kumimoji="0" sz="1800" b="0" i="0" u="none" strike="noStrike" kern="1200" cap="none" spc="0" normalizeH="0" baseline="0" noProof="0">
-                <a:ln>
-                  <a:noFill/>
-                </a:ln>
-                <a:solidFill>
-                  <a:prstClr val="black"/>
-                </a:solidFill>
-                <a:effectLst/>
-                <a:uLnTx/>
-                <a:uFillTx/>
-                <a:latin typeface="Calibri"/>
-                <a:ea typeface="+mn-ea"/>
-                <a:cs typeface="+mn-cs"/>
-              </a:endParaRPr>
-            </a:p>
-          </p:txBody>
-        </p:sp>
-      </p:grpSp>
-      <p:sp>
-        <p:nvSpPr>
-          <p:cNvPr id="20" name="object 2">
-            <a:extLst>
-              <a:ext uri="{FF2B5EF4-FFF2-40B4-BE49-F238E27FC236}">
-                <a16:creationId xmlns:a16="http://schemas.microsoft.com/office/drawing/2014/main" id="{E138950D-8967-4AC5-BCE3-640FBD87738B}"/>
-              </a:ext>
-            </a:extLst>
-          </p:cNvPr>
-          <p:cNvSpPr txBox="1"/>
-          <p:nvPr/>
-        </p:nvSpPr>
-        <p:spPr>
-          <a:xfrm>
-            <a:off x="0" y="140017"/>
-            <a:ext cx="4608195" cy="293029"/>
-          </a:xfrm>
-          <a:prstGeom prst="rect">
-            <a:avLst/>
-          </a:prstGeom>
-          <a:solidFill>
-            <a:srgbClr val="F2F2F2"/>
-          </a:solidFill>
-        </p:spPr>
-        <p:txBody>
-          <a:bodyPr vert="horz" wrap="square" lIns="0" tIns="76835" rIns="0" bIns="0" rtlCol="0">
-            <a:spAutoFit/>
-          </a:bodyPr>
-          <a:lstStyle/>
-          <a:p>
-            <a:pPr marL="107950" marR="0" lvl="0" indent="0" algn="l" defTabSz="914400" rtl="0" eaLnBrk="1" fontAlgn="auto" latinLnBrk="0" hangingPunct="1">
-              <a:lnSpc>
-                <a:spcPct val="100000"/>
-              </a:lnSpc>
-              <a:spcBef>
-                <a:spcPts val="605"/>
-              </a:spcBef>
-              <a:spcAft>
-                <a:spcPts val="0"/>
-              </a:spcAft>
-              <a:buClrTx/>
-              <a:buSzTx/>
-              <a:buFontTx/>
-              <a:buNone/>
-              <a:tabLst/>
-              <a:defRPr/>
-            </a:pPr>
-            <a:r>
-              <a:rPr kumimoji="0" lang="en-GB" sz="1400" b="0" i="0" u="none" strike="noStrike" kern="1200" cap="none" spc="10" normalizeH="0" baseline="0" noProof="0" dirty="0">
-                <a:ln>
-                  <a:noFill/>
-                </a:ln>
-                <a:solidFill>
-                  <a:srgbClr val="1F497D">
-                    <a:lumMod val="75000"/>
-                  </a:srgbClr>
-                </a:solidFill>
-                <a:effectLst/>
-                <a:uLnTx/>
-                <a:uFillTx/>
-                <a:latin typeface="LM Sans 12"/>
-                <a:ea typeface="+mn-ea"/>
-                <a:cs typeface="LM Sans 12"/>
-              </a:rPr>
-              <a:t>Find Out More!</a:t>
-            </a:r>
-            <a:endParaRPr kumimoji="0" sz="1400" b="0" i="0" u="none" strike="noStrike" kern="1200" cap="none" spc="0" normalizeH="0" baseline="0" noProof="0" dirty="0">
-              <a:ln>
-                <a:noFill/>
-              </a:ln>
-              <a:solidFill>
-                <a:srgbClr val="1F497D">
-                  <a:lumMod val="75000"/>
-                </a:srgbClr>
-              </a:solidFill>
-              <a:effectLst/>
-              <a:uLnTx/>
-              <a:uFillTx/>
-              <a:latin typeface="LM Sans 12"/>
-              <a:ea typeface="+mn-ea"/>
-              <a:cs typeface="LM Sans 12"/>
-            </a:endParaRPr>
-          </a:p>
-        </p:txBody>
-      </p:sp>
-      <p:sp>
-        <p:nvSpPr>
-          <p:cNvPr id="22" name="object 4">
-            <a:extLst>
-              <a:ext uri="{FF2B5EF4-FFF2-40B4-BE49-F238E27FC236}">
-                <a16:creationId xmlns:a16="http://schemas.microsoft.com/office/drawing/2014/main" id="{2182D893-F5D4-40F8-B6F6-E41539AB1FA2}"/>
-              </a:ext>
-            </a:extLst>
-          </p:cNvPr>
-          <p:cNvSpPr txBox="1"/>
-          <p:nvPr/>
-        </p:nvSpPr>
-        <p:spPr>
-          <a:xfrm>
-            <a:off x="-687650" y="991175"/>
-            <a:ext cx="4288100" cy="282000"/>
-          </a:xfrm>
-          <a:prstGeom prst="rect">
-            <a:avLst/>
-          </a:prstGeom>
-        </p:spPr>
-        <p:txBody>
-          <a:bodyPr vert="horz" wrap="square" lIns="0" tIns="6985" rIns="0" bIns="0" rtlCol="0">
-            <a:spAutoFit/>
-          </a:bodyPr>
-          <a:lstStyle/>
-          <a:p>
-            <a:pPr marL="12700" marR="5080" lvl="0" indent="0" algn="r" defTabSz="914400" rtl="0" eaLnBrk="1" fontAlgn="auto" latinLnBrk="0" hangingPunct="1">
-              <a:lnSpc>
-                <a:spcPct val="102600"/>
-              </a:lnSpc>
-              <a:spcBef>
-                <a:spcPts val="55"/>
-              </a:spcBef>
-              <a:spcAft>
-                <a:spcPts val="0"/>
-              </a:spcAft>
-              <a:buClrTx/>
-              <a:buSzTx/>
-              <a:buFontTx/>
-              <a:buNone/>
-              <a:tabLst/>
-              <a:defRPr/>
-            </a:pPr>
-            <a:r>
-              <a:rPr kumimoji="0" lang="en-GB" b="0" i="0" u="none" strike="noStrike" kern="1200" cap="none" spc="0" normalizeH="0" baseline="0" noProof="0" dirty="0">
-                <a:ln>
-                  <a:noFill/>
-                </a:ln>
-                <a:solidFill>
-                  <a:prstClr val="black"/>
-                </a:solidFill>
-                <a:effectLst/>
-                <a:uLnTx/>
-                <a:uFillTx/>
-                <a:latin typeface="Calibri"/>
-                <a:ea typeface="+mn-ea"/>
-              </a:rPr>
-              <a:t>Blog Post, Code, Videos, Paper:</a:t>
-            </a:r>
-            <a:endParaRPr kumimoji="0" lang="en-GB" b="0" i="0" u="none" strike="noStrike" kern="1200" cap="none" spc="-10" normalizeH="0" baseline="0" noProof="0" dirty="0">
-              <a:ln>
-                <a:noFill/>
-              </a:ln>
-              <a:solidFill>
-                <a:prstClr val="black"/>
-              </a:solidFill>
-              <a:effectLst/>
-              <a:uLnTx/>
-              <a:uFillTx/>
-              <a:latin typeface="LM Sans 10"/>
-              <a:ea typeface="+mn-ea"/>
-              <a:cs typeface="LM Sans 10"/>
-            </a:endParaRPr>
-          </a:p>
-        </p:txBody>
-      </p:sp>
-    </p:spTree>
-    <p:extLst>
-      <p:ext uri="{BB962C8B-B14F-4D97-AF65-F5344CB8AC3E}">
-        <p14:creationId xmlns:p14="http://schemas.microsoft.com/office/powerpoint/2010/main" val="3826138415"/>
       </p:ext>
     </p:extLst>
   </p:cSld>
@@ -9674,6 +13147,866 @@
 </p:sld>
 </file>
 
+<file path=ppt/slides/slide20.xml><?xml version="1.0" encoding="utf-8"?>
+<p:sld xmlns:a="http://schemas.openxmlformats.org/drawingml/2006/main" xmlns:r="http://schemas.openxmlformats.org/officeDocument/2006/relationships" xmlns:p="http://schemas.openxmlformats.org/presentationml/2006/main">
+  <p:cSld>
+    <p:spTree>
+      <p:nvGrpSpPr>
+        <p:cNvPr id="1" name=""/>
+        <p:cNvGrpSpPr/>
+        <p:nvPr/>
+      </p:nvGrpSpPr>
+      <p:grpSpPr>
+        <a:xfrm>
+          <a:off x="0" y="0"/>
+          <a:ext cx="0" cy="0"/>
+          <a:chOff x="0" y="0"/>
+          <a:chExt cx="0" cy="0"/>
+        </a:xfrm>
+      </p:grpSpPr>
+      <p:sp>
+        <p:nvSpPr>
+          <p:cNvPr id="13" name="object 26">
+            <a:extLst>
+              <a:ext uri="{FF2B5EF4-FFF2-40B4-BE49-F238E27FC236}">
+                <a16:creationId xmlns:a16="http://schemas.microsoft.com/office/drawing/2014/main" id="{09C87D2E-37DA-4F04-94BE-1B31A8F27FC9}"/>
+              </a:ext>
+            </a:extLst>
+          </p:cNvPr>
+          <p:cNvSpPr txBox="1">
+            <a:spLocks noGrp="1"/>
+          </p:cNvSpPr>
+          <p:nvPr>
+            <p:ph type="ftr" sz="quarter" idx="5"/>
+          </p:nvPr>
+        </p:nvSpPr>
+        <p:spPr>
+          <a:xfrm>
+            <a:off x="584276" y="3351784"/>
+            <a:ext cx="367665" cy="89768"/>
+          </a:xfrm>
+          <a:prstGeom prst="rect">
+            <a:avLst/>
+          </a:prstGeom>
+        </p:spPr>
+        <p:txBody>
+          <a:bodyPr vert="horz" wrap="square" lIns="0" tIns="0" rIns="0" bIns="0" rtlCol="0">
+            <a:spAutoFit/>
+          </a:bodyPr>
+          <a:lstStyle/>
+          <a:p>
+            <a:pPr marL="12700" marR="0" lvl="0" indent="0" algn="l" defTabSz="914400" rtl="0" eaLnBrk="1" fontAlgn="auto" latinLnBrk="0" hangingPunct="1">
+              <a:lnSpc>
+                <a:spcPts val="675"/>
+              </a:lnSpc>
+              <a:spcBef>
+                <a:spcPts val="0"/>
+              </a:spcBef>
+              <a:spcAft>
+                <a:spcPts val="0"/>
+              </a:spcAft>
+              <a:buClrTx/>
+              <a:buSzTx/>
+              <a:buFontTx/>
+              <a:buNone/>
+              <a:tabLst/>
+              <a:defRPr/>
+            </a:pPr>
+            <a:r>
+              <a:rPr kumimoji="0" lang="en-GB" sz="600" b="0" i="0" u="none" strike="noStrike" kern="1200" cap="none" spc="-5" normalizeH="0" baseline="0" noProof="0" dirty="0">
+                <a:ln>
+                  <a:noFill/>
+                </a:ln>
+                <a:solidFill>
+                  <a:srgbClr val="F2F2F2"/>
+                </a:solidFill>
+                <a:effectLst/>
+                <a:uLnTx/>
+                <a:uFillTx/>
+                <a:latin typeface="LM Sans 8"/>
+                <a:ea typeface="+mn-ea"/>
+              </a:rPr>
+              <a:t>CMTE</a:t>
+            </a:r>
+            <a:endParaRPr kumimoji="0" sz="600" b="0" i="0" u="none" strike="noStrike" kern="1200" cap="none" spc="-5" normalizeH="0" baseline="0" noProof="0" dirty="0">
+              <a:ln>
+                <a:noFill/>
+              </a:ln>
+              <a:solidFill>
+                <a:srgbClr val="F2F2F2"/>
+              </a:solidFill>
+              <a:effectLst/>
+              <a:uLnTx/>
+              <a:uFillTx/>
+              <a:latin typeface="LM Sans 8"/>
+              <a:ea typeface="+mn-ea"/>
+            </a:endParaRPr>
+          </a:p>
+        </p:txBody>
+      </p:sp>
+      <p:sp>
+        <p:nvSpPr>
+          <p:cNvPr id="10" name="object 4">
+            <a:extLst>
+              <a:ext uri="{FF2B5EF4-FFF2-40B4-BE49-F238E27FC236}">
+                <a16:creationId xmlns:a16="http://schemas.microsoft.com/office/drawing/2014/main" id="{9521CB19-ED30-4CFE-8192-FAAD607F7152}"/>
+              </a:ext>
+            </a:extLst>
+          </p:cNvPr>
+          <p:cNvSpPr txBox="1"/>
+          <p:nvPr/>
+        </p:nvSpPr>
+        <p:spPr>
+          <a:xfrm>
+            <a:off x="-230450" y="1425575"/>
+            <a:ext cx="4288100" cy="373628"/>
+          </a:xfrm>
+          <a:prstGeom prst="rect">
+            <a:avLst/>
+          </a:prstGeom>
+        </p:spPr>
+        <p:txBody>
+          <a:bodyPr vert="horz" wrap="square" lIns="0" tIns="6985" rIns="0" bIns="0" rtlCol="0">
+            <a:spAutoFit/>
+          </a:bodyPr>
+          <a:lstStyle/>
+          <a:p>
+            <a:pPr marL="12700" marR="5080" lvl="0" indent="0" algn="r" defTabSz="914400" rtl="0" eaLnBrk="1" fontAlgn="auto" latinLnBrk="0" hangingPunct="1">
+              <a:lnSpc>
+                <a:spcPct val="102600"/>
+              </a:lnSpc>
+              <a:spcBef>
+                <a:spcPts val="55"/>
+              </a:spcBef>
+              <a:spcAft>
+                <a:spcPts val="0"/>
+              </a:spcAft>
+              <a:buClrTx/>
+              <a:buSzTx/>
+              <a:buFontTx/>
+              <a:buNone/>
+              <a:tabLst/>
+              <a:defRPr/>
+            </a:pPr>
+            <a:r>
+              <a:rPr kumimoji="0" lang="en-GB" sz="2400" b="0" i="0" u="none" strike="noStrike" kern="1200" cap="none" spc="0" normalizeH="0" baseline="0" noProof="0" dirty="0">
+                <a:ln>
+                  <a:noFill/>
+                </a:ln>
+                <a:solidFill>
+                  <a:prstClr val="black"/>
+                </a:solidFill>
+                <a:effectLst/>
+                <a:uLnTx/>
+                <a:uFillTx/>
+                <a:latin typeface="Calibri"/>
+                <a:ea typeface="+mn-ea"/>
+              </a:rPr>
+              <a:t>karush17.github.io/</a:t>
+            </a:r>
+            <a:r>
+              <a:rPr kumimoji="0" lang="en-GB" sz="2400" b="0" i="0" u="none" strike="noStrike" kern="1200" cap="none" spc="0" normalizeH="0" baseline="0" noProof="0" dirty="0" err="1">
+                <a:ln>
+                  <a:noFill/>
+                </a:ln>
+                <a:solidFill>
+                  <a:prstClr val="black"/>
+                </a:solidFill>
+                <a:effectLst/>
+                <a:uLnTx/>
+                <a:uFillTx/>
+                <a:latin typeface="Calibri"/>
+                <a:ea typeface="+mn-ea"/>
+              </a:rPr>
+              <a:t>emix</a:t>
+            </a:r>
+            <a:r>
+              <a:rPr kumimoji="0" lang="en-GB" sz="2400" b="0" i="0" u="none" strike="noStrike" kern="1200" cap="none" spc="0" normalizeH="0" baseline="0" noProof="0" dirty="0">
+                <a:ln>
+                  <a:noFill/>
+                </a:ln>
+                <a:solidFill>
+                  <a:prstClr val="black"/>
+                </a:solidFill>
+                <a:effectLst/>
+                <a:uLnTx/>
+                <a:uFillTx/>
+                <a:latin typeface="Calibri"/>
+                <a:ea typeface="+mn-ea"/>
+              </a:rPr>
+              <a:t>-web</a:t>
+            </a:r>
+            <a:endParaRPr kumimoji="0" lang="en-GB" sz="2400" b="0" i="0" u="none" strike="noStrike" kern="1200" cap="none" spc="-10" normalizeH="0" baseline="0" noProof="0" dirty="0">
+              <a:ln>
+                <a:noFill/>
+              </a:ln>
+              <a:solidFill>
+                <a:prstClr val="black"/>
+              </a:solidFill>
+              <a:effectLst/>
+              <a:uLnTx/>
+              <a:uFillTx/>
+              <a:latin typeface="LM Sans 10"/>
+              <a:ea typeface="+mn-ea"/>
+              <a:cs typeface="LM Sans 10"/>
+            </a:endParaRPr>
+          </a:p>
+        </p:txBody>
+      </p:sp>
+      <p:grpSp>
+        <p:nvGrpSpPr>
+          <p:cNvPr id="12" name="object 7">
+            <a:extLst>
+              <a:ext uri="{FF2B5EF4-FFF2-40B4-BE49-F238E27FC236}">
+                <a16:creationId xmlns:a16="http://schemas.microsoft.com/office/drawing/2014/main" id="{04E6467A-716D-434F-9804-E4358CA01ABB}"/>
+              </a:ext>
+            </a:extLst>
+          </p:cNvPr>
+          <p:cNvGrpSpPr/>
+          <p:nvPr/>
+        </p:nvGrpSpPr>
+        <p:grpSpPr>
+          <a:xfrm>
+            <a:off x="0" y="0"/>
+            <a:ext cx="4608195" cy="140335"/>
+            <a:chOff x="0" y="0"/>
+            <a:chExt cx="4608195" cy="140335"/>
+          </a:xfrm>
+        </p:grpSpPr>
+        <p:sp>
+          <p:nvSpPr>
+            <p:cNvPr id="14" name="object 8">
+              <a:extLst>
+                <a:ext uri="{FF2B5EF4-FFF2-40B4-BE49-F238E27FC236}">
+                  <a16:creationId xmlns:a16="http://schemas.microsoft.com/office/drawing/2014/main" id="{96551261-0543-426F-9585-87CAFE559309}"/>
+                </a:ext>
+              </a:extLst>
+            </p:cNvPr>
+            <p:cNvSpPr/>
+            <p:nvPr/>
+          </p:nvSpPr>
+          <p:spPr>
+            <a:xfrm>
+              <a:off x="0" y="0"/>
+              <a:ext cx="2304415" cy="140335"/>
+            </a:xfrm>
+            <a:custGeom>
+              <a:avLst/>
+              <a:gdLst/>
+              <a:ahLst/>
+              <a:cxnLst/>
+              <a:rect l="l" t="t" r="r" b="b"/>
+              <a:pathLst>
+                <a:path w="2304415" h="140335">
+                  <a:moveTo>
+                    <a:pt x="2303995" y="0"/>
+                  </a:moveTo>
+                  <a:lnTo>
+                    <a:pt x="0" y="0"/>
+                  </a:lnTo>
+                  <a:lnTo>
+                    <a:pt x="0" y="140017"/>
+                  </a:lnTo>
+                  <a:lnTo>
+                    <a:pt x="2303995" y="140017"/>
+                  </a:lnTo>
+                  <a:lnTo>
+                    <a:pt x="2303995" y="0"/>
+                  </a:lnTo>
+                  <a:close/>
+                </a:path>
+              </a:pathLst>
+            </a:custGeom>
+            <a:solidFill>
+              <a:schemeClr val="tx2">
+                <a:lumMod val="75000"/>
+              </a:schemeClr>
+            </a:solidFill>
+          </p:spPr>
+          <p:txBody>
+            <a:bodyPr wrap="square" lIns="0" tIns="0" rIns="0" bIns="0" rtlCol="0"/>
+            <a:lstStyle/>
+            <a:p>
+              <a:pPr marL="0" marR="0" lvl="0" indent="0" algn="l" defTabSz="914400" rtl="0" eaLnBrk="1" fontAlgn="auto" latinLnBrk="0" hangingPunct="1">
+                <a:lnSpc>
+                  <a:spcPct val="100000"/>
+                </a:lnSpc>
+                <a:spcBef>
+                  <a:spcPts val="0"/>
+                </a:spcBef>
+                <a:spcAft>
+                  <a:spcPts val="0"/>
+                </a:spcAft>
+                <a:buClrTx/>
+                <a:buSzTx/>
+                <a:buFontTx/>
+                <a:buNone/>
+                <a:tabLst/>
+                <a:defRPr/>
+              </a:pPr>
+              <a:endParaRPr kumimoji="0" sz="1800" b="0" i="0" u="none" strike="noStrike" kern="1200" cap="none" spc="0" normalizeH="0" baseline="0" noProof="0">
+                <a:ln>
+                  <a:noFill/>
+                </a:ln>
+                <a:solidFill>
+                  <a:prstClr val="black"/>
+                </a:solidFill>
+                <a:effectLst/>
+                <a:uLnTx/>
+                <a:uFillTx/>
+                <a:latin typeface="Calibri"/>
+                <a:ea typeface="+mn-ea"/>
+                <a:cs typeface="+mn-cs"/>
+              </a:endParaRPr>
+            </a:p>
+          </p:txBody>
+        </p:sp>
+        <p:sp>
+          <p:nvSpPr>
+            <p:cNvPr id="15" name="object 9">
+              <a:extLst>
+                <a:ext uri="{FF2B5EF4-FFF2-40B4-BE49-F238E27FC236}">
+                  <a16:creationId xmlns:a16="http://schemas.microsoft.com/office/drawing/2014/main" id="{DC590670-011B-41CB-9202-2CF30BD752FA}"/>
+                </a:ext>
+              </a:extLst>
+            </p:cNvPr>
+            <p:cNvSpPr/>
+            <p:nvPr/>
+          </p:nvSpPr>
+          <p:spPr>
+            <a:xfrm>
+              <a:off x="2303995" y="0"/>
+              <a:ext cx="2304415" cy="140335"/>
+            </a:xfrm>
+            <a:custGeom>
+              <a:avLst/>
+              <a:gdLst/>
+              <a:ahLst/>
+              <a:cxnLst/>
+              <a:rect l="l" t="t" r="r" b="b"/>
+              <a:pathLst>
+                <a:path w="2304415" h="140335">
+                  <a:moveTo>
+                    <a:pt x="2303995" y="0"/>
+                  </a:moveTo>
+                  <a:lnTo>
+                    <a:pt x="0" y="0"/>
+                  </a:lnTo>
+                  <a:lnTo>
+                    <a:pt x="0" y="140017"/>
+                  </a:lnTo>
+                  <a:lnTo>
+                    <a:pt x="2303995" y="140017"/>
+                  </a:lnTo>
+                  <a:lnTo>
+                    <a:pt x="2303995" y="0"/>
+                  </a:lnTo>
+                  <a:close/>
+                </a:path>
+              </a:pathLst>
+            </a:custGeom>
+            <a:solidFill>
+              <a:srgbClr val="D8D8D8"/>
+            </a:solidFill>
+          </p:spPr>
+          <p:txBody>
+            <a:bodyPr wrap="square" lIns="0" tIns="0" rIns="0" bIns="0" rtlCol="0"/>
+            <a:lstStyle/>
+            <a:p>
+              <a:pPr marL="0" marR="0" lvl="0" indent="0" algn="l" defTabSz="914400" rtl="0" eaLnBrk="1" fontAlgn="auto" latinLnBrk="0" hangingPunct="1">
+                <a:lnSpc>
+                  <a:spcPct val="100000"/>
+                </a:lnSpc>
+                <a:spcBef>
+                  <a:spcPts val="0"/>
+                </a:spcBef>
+                <a:spcAft>
+                  <a:spcPts val="0"/>
+                </a:spcAft>
+                <a:buClrTx/>
+                <a:buSzTx/>
+                <a:buFontTx/>
+                <a:buNone/>
+                <a:tabLst/>
+                <a:defRPr/>
+              </a:pPr>
+              <a:endParaRPr kumimoji="0" sz="1800" b="0" i="0" u="none" strike="noStrike" kern="1200" cap="none" spc="0" normalizeH="0" baseline="0" noProof="0">
+                <a:ln>
+                  <a:noFill/>
+                </a:ln>
+                <a:solidFill>
+                  <a:prstClr val="black"/>
+                </a:solidFill>
+                <a:effectLst/>
+                <a:uLnTx/>
+                <a:uFillTx/>
+                <a:latin typeface="Calibri"/>
+                <a:ea typeface="+mn-ea"/>
+                <a:cs typeface="+mn-cs"/>
+              </a:endParaRPr>
+            </a:p>
+          </p:txBody>
+        </p:sp>
+      </p:grpSp>
+      <p:grpSp>
+        <p:nvGrpSpPr>
+          <p:cNvPr id="16" name="object 21">
+            <a:extLst>
+              <a:ext uri="{FF2B5EF4-FFF2-40B4-BE49-F238E27FC236}">
+                <a16:creationId xmlns:a16="http://schemas.microsoft.com/office/drawing/2014/main" id="{6396F07D-4529-4F93-8F0A-845B39110D3A}"/>
+              </a:ext>
+            </a:extLst>
+          </p:cNvPr>
+          <p:cNvGrpSpPr/>
+          <p:nvPr/>
+        </p:nvGrpSpPr>
+        <p:grpSpPr>
+          <a:xfrm>
+            <a:off x="0" y="3346348"/>
+            <a:ext cx="4608195" cy="109855"/>
+            <a:chOff x="0" y="3346348"/>
+            <a:chExt cx="4608195" cy="109855"/>
+          </a:xfrm>
+        </p:grpSpPr>
+        <p:sp>
+          <p:nvSpPr>
+            <p:cNvPr id="17" name="object 22">
+              <a:extLst>
+                <a:ext uri="{FF2B5EF4-FFF2-40B4-BE49-F238E27FC236}">
+                  <a16:creationId xmlns:a16="http://schemas.microsoft.com/office/drawing/2014/main" id="{EE7A3E39-8086-40FF-B188-72DB280CAF58}"/>
+                </a:ext>
+              </a:extLst>
+            </p:cNvPr>
+            <p:cNvSpPr/>
+            <p:nvPr/>
+          </p:nvSpPr>
+          <p:spPr>
+            <a:xfrm>
+              <a:off x="0" y="3346348"/>
+              <a:ext cx="1536065" cy="109855"/>
+            </a:xfrm>
+            <a:custGeom>
+              <a:avLst/>
+              <a:gdLst/>
+              <a:ahLst/>
+              <a:cxnLst/>
+              <a:rect l="l" t="t" r="r" b="b"/>
+              <a:pathLst>
+                <a:path w="1536065" h="109854">
+                  <a:moveTo>
+                    <a:pt x="1535976" y="0"/>
+                  </a:moveTo>
+                  <a:lnTo>
+                    <a:pt x="0" y="0"/>
+                  </a:lnTo>
+                  <a:lnTo>
+                    <a:pt x="0" y="109651"/>
+                  </a:lnTo>
+                  <a:lnTo>
+                    <a:pt x="1535976" y="109651"/>
+                  </a:lnTo>
+                  <a:lnTo>
+                    <a:pt x="1535976" y="0"/>
+                  </a:lnTo>
+                  <a:close/>
+                </a:path>
+              </a:pathLst>
+            </a:custGeom>
+            <a:solidFill>
+              <a:schemeClr val="tx2">
+                <a:lumMod val="75000"/>
+              </a:schemeClr>
+            </a:solidFill>
+          </p:spPr>
+          <p:txBody>
+            <a:bodyPr wrap="square" lIns="0" tIns="0" rIns="0" bIns="0" rtlCol="0"/>
+            <a:lstStyle/>
+            <a:p>
+              <a:pPr marL="0" marR="0" lvl="0" indent="0" algn="l" defTabSz="914400" rtl="0" eaLnBrk="1" fontAlgn="auto" latinLnBrk="0" hangingPunct="1">
+                <a:lnSpc>
+                  <a:spcPct val="100000"/>
+                </a:lnSpc>
+                <a:spcBef>
+                  <a:spcPts val="0"/>
+                </a:spcBef>
+                <a:spcAft>
+                  <a:spcPts val="0"/>
+                </a:spcAft>
+                <a:buClrTx/>
+                <a:buSzTx/>
+                <a:buFontTx/>
+                <a:buNone/>
+                <a:tabLst/>
+                <a:defRPr/>
+              </a:pPr>
+              <a:endParaRPr kumimoji="0" sz="1800" b="0" i="0" u="none" strike="noStrike" kern="1200" cap="none" spc="0" normalizeH="0" baseline="0" noProof="0">
+                <a:ln>
+                  <a:noFill/>
+                </a:ln>
+                <a:solidFill>
+                  <a:prstClr val="black"/>
+                </a:solidFill>
+                <a:effectLst/>
+                <a:uLnTx/>
+                <a:uFillTx/>
+                <a:latin typeface="Calibri"/>
+                <a:ea typeface="+mn-ea"/>
+                <a:cs typeface="+mn-cs"/>
+              </a:endParaRPr>
+            </a:p>
+          </p:txBody>
+        </p:sp>
+        <p:sp>
+          <p:nvSpPr>
+            <p:cNvPr id="18" name="object 23">
+              <a:extLst>
+                <a:ext uri="{FF2B5EF4-FFF2-40B4-BE49-F238E27FC236}">
+                  <a16:creationId xmlns:a16="http://schemas.microsoft.com/office/drawing/2014/main" id="{685C90C0-EA50-4CC6-B066-427BBFDAE776}"/>
+                </a:ext>
+              </a:extLst>
+            </p:cNvPr>
+            <p:cNvSpPr/>
+            <p:nvPr/>
+          </p:nvSpPr>
+          <p:spPr>
+            <a:xfrm>
+              <a:off x="1535976" y="3346348"/>
+              <a:ext cx="1536065" cy="109855"/>
+            </a:xfrm>
+            <a:custGeom>
+              <a:avLst/>
+              <a:gdLst/>
+              <a:ahLst/>
+              <a:cxnLst/>
+              <a:rect l="l" t="t" r="r" b="b"/>
+              <a:pathLst>
+                <a:path w="1536064" h="109854">
+                  <a:moveTo>
+                    <a:pt x="1535976" y="0"/>
+                  </a:moveTo>
+                  <a:lnTo>
+                    <a:pt x="0" y="0"/>
+                  </a:lnTo>
+                  <a:lnTo>
+                    <a:pt x="0" y="109651"/>
+                  </a:lnTo>
+                  <a:lnTo>
+                    <a:pt x="1535976" y="109651"/>
+                  </a:lnTo>
+                  <a:lnTo>
+                    <a:pt x="1535976" y="0"/>
+                  </a:lnTo>
+                  <a:close/>
+                </a:path>
+              </a:pathLst>
+            </a:custGeom>
+            <a:solidFill>
+              <a:srgbClr val="EBEBEB"/>
+            </a:solidFill>
+          </p:spPr>
+          <p:txBody>
+            <a:bodyPr wrap="square" lIns="0" tIns="0" rIns="0" bIns="0" rtlCol="0"/>
+            <a:lstStyle/>
+            <a:p>
+              <a:pPr marL="0" marR="0" lvl="0" indent="0" algn="l" defTabSz="914400" rtl="0" eaLnBrk="1" fontAlgn="auto" latinLnBrk="0" hangingPunct="1">
+                <a:lnSpc>
+                  <a:spcPct val="100000"/>
+                </a:lnSpc>
+                <a:spcBef>
+                  <a:spcPts val="0"/>
+                </a:spcBef>
+                <a:spcAft>
+                  <a:spcPts val="0"/>
+                </a:spcAft>
+                <a:buClrTx/>
+                <a:buSzTx/>
+                <a:buFontTx/>
+                <a:buNone/>
+                <a:tabLst/>
+                <a:defRPr/>
+              </a:pPr>
+              <a:endParaRPr kumimoji="0" sz="1800" b="0" i="0" u="none" strike="noStrike" kern="1200" cap="none" spc="0" normalizeH="0" baseline="0" noProof="0">
+                <a:ln>
+                  <a:noFill/>
+                </a:ln>
+                <a:solidFill>
+                  <a:prstClr val="black"/>
+                </a:solidFill>
+                <a:effectLst/>
+                <a:uLnTx/>
+                <a:uFillTx/>
+                <a:latin typeface="Calibri"/>
+                <a:ea typeface="+mn-ea"/>
+                <a:cs typeface="+mn-cs"/>
+              </a:endParaRPr>
+            </a:p>
+          </p:txBody>
+        </p:sp>
+        <p:sp>
+          <p:nvSpPr>
+            <p:cNvPr id="19" name="object 24">
+              <a:extLst>
+                <a:ext uri="{FF2B5EF4-FFF2-40B4-BE49-F238E27FC236}">
+                  <a16:creationId xmlns:a16="http://schemas.microsoft.com/office/drawing/2014/main" id="{4F56768F-0A1E-40ED-903F-DDAFCADC4BC3}"/>
+                </a:ext>
+              </a:extLst>
+            </p:cNvPr>
+            <p:cNvSpPr/>
+            <p:nvPr/>
+          </p:nvSpPr>
+          <p:spPr>
+            <a:xfrm>
+              <a:off x="3071952" y="3346348"/>
+              <a:ext cx="1536065" cy="109855"/>
+            </a:xfrm>
+            <a:custGeom>
+              <a:avLst/>
+              <a:gdLst/>
+              <a:ahLst/>
+              <a:cxnLst/>
+              <a:rect l="l" t="t" r="r" b="b"/>
+              <a:pathLst>
+                <a:path w="1536064" h="109854">
+                  <a:moveTo>
+                    <a:pt x="1535976" y="0"/>
+                  </a:moveTo>
+                  <a:lnTo>
+                    <a:pt x="0" y="0"/>
+                  </a:lnTo>
+                  <a:lnTo>
+                    <a:pt x="0" y="109651"/>
+                  </a:lnTo>
+                  <a:lnTo>
+                    <a:pt x="1535976" y="109651"/>
+                  </a:lnTo>
+                  <a:lnTo>
+                    <a:pt x="1535976" y="0"/>
+                  </a:lnTo>
+                  <a:close/>
+                </a:path>
+              </a:pathLst>
+            </a:custGeom>
+            <a:solidFill>
+              <a:srgbClr val="D8D8D8"/>
+            </a:solidFill>
+          </p:spPr>
+          <p:txBody>
+            <a:bodyPr wrap="square" lIns="0" tIns="0" rIns="0" bIns="0" rtlCol="0"/>
+            <a:lstStyle/>
+            <a:p>
+              <a:pPr marL="0" marR="0" lvl="0" indent="0" algn="l" defTabSz="914400" rtl="0" eaLnBrk="1" fontAlgn="auto" latinLnBrk="0" hangingPunct="1">
+                <a:lnSpc>
+                  <a:spcPct val="100000"/>
+                </a:lnSpc>
+                <a:spcBef>
+                  <a:spcPts val="0"/>
+                </a:spcBef>
+                <a:spcAft>
+                  <a:spcPts val="0"/>
+                </a:spcAft>
+                <a:buClrTx/>
+                <a:buSzTx/>
+                <a:buFontTx/>
+                <a:buNone/>
+                <a:tabLst/>
+                <a:defRPr/>
+              </a:pPr>
+              <a:endParaRPr kumimoji="0" sz="1800" b="0" i="0" u="none" strike="noStrike" kern="1200" cap="none" spc="0" normalizeH="0" baseline="0" noProof="0">
+                <a:ln>
+                  <a:noFill/>
+                </a:ln>
+                <a:solidFill>
+                  <a:prstClr val="black"/>
+                </a:solidFill>
+                <a:effectLst/>
+                <a:uLnTx/>
+                <a:uFillTx/>
+                <a:latin typeface="Calibri"/>
+                <a:ea typeface="+mn-ea"/>
+                <a:cs typeface="+mn-cs"/>
+              </a:endParaRPr>
+            </a:p>
+          </p:txBody>
+        </p:sp>
+      </p:grpSp>
+      <p:sp>
+        <p:nvSpPr>
+          <p:cNvPr id="20" name="object 2">
+            <a:extLst>
+              <a:ext uri="{FF2B5EF4-FFF2-40B4-BE49-F238E27FC236}">
+                <a16:creationId xmlns:a16="http://schemas.microsoft.com/office/drawing/2014/main" id="{E138950D-8967-4AC5-BCE3-640FBD87738B}"/>
+              </a:ext>
+            </a:extLst>
+          </p:cNvPr>
+          <p:cNvSpPr txBox="1"/>
+          <p:nvPr/>
+        </p:nvSpPr>
+        <p:spPr>
+          <a:xfrm>
+            <a:off x="0" y="140017"/>
+            <a:ext cx="4608195" cy="293029"/>
+          </a:xfrm>
+          <a:prstGeom prst="rect">
+            <a:avLst/>
+          </a:prstGeom>
+          <a:solidFill>
+            <a:srgbClr val="F2F2F2"/>
+          </a:solidFill>
+        </p:spPr>
+        <p:txBody>
+          <a:bodyPr vert="horz" wrap="square" lIns="0" tIns="76835" rIns="0" bIns="0" rtlCol="0">
+            <a:spAutoFit/>
+          </a:bodyPr>
+          <a:lstStyle/>
+          <a:p>
+            <a:pPr marL="107950" marR="0" lvl="0" indent="0" algn="l" defTabSz="914400" rtl="0" eaLnBrk="1" fontAlgn="auto" latinLnBrk="0" hangingPunct="1">
+              <a:lnSpc>
+                <a:spcPct val="100000"/>
+              </a:lnSpc>
+              <a:spcBef>
+                <a:spcPts val="605"/>
+              </a:spcBef>
+              <a:spcAft>
+                <a:spcPts val="0"/>
+              </a:spcAft>
+              <a:buClrTx/>
+              <a:buSzTx/>
+              <a:buFontTx/>
+              <a:buNone/>
+              <a:tabLst/>
+              <a:defRPr/>
+            </a:pPr>
+            <a:r>
+              <a:rPr kumimoji="0" lang="en-GB" sz="1400" b="0" i="0" u="none" strike="noStrike" kern="1200" cap="none" spc="10" normalizeH="0" baseline="0" noProof="0" dirty="0">
+                <a:ln>
+                  <a:noFill/>
+                </a:ln>
+                <a:solidFill>
+                  <a:srgbClr val="1F497D">
+                    <a:lumMod val="75000"/>
+                  </a:srgbClr>
+                </a:solidFill>
+                <a:effectLst/>
+                <a:uLnTx/>
+                <a:uFillTx/>
+                <a:latin typeface="LM Sans 12"/>
+                <a:ea typeface="+mn-ea"/>
+                <a:cs typeface="LM Sans 12"/>
+              </a:rPr>
+              <a:t>Find Out More!</a:t>
+            </a:r>
+            <a:endParaRPr kumimoji="0" sz="1400" b="0" i="0" u="none" strike="noStrike" kern="1200" cap="none" spc="0" normalizeH="0" baseline="0" noProof="0" dirty="0">
+              <a:ln>
+                <a:noFill/>
+              </a:ln>
+              <a:solidFill>
+                <a:srgbClr val="1F497D">
+                  <a:lumMod val="75000"/>
+                </a:srgbClr>
+              </a:solidFill>
+              <a:effectLst/>
+              <a:uLnTx/>
+              <a:uFillTx/>
+              <a:latin typeface="LM Sans 12"/>
+              <a:ea typeface="+mn-ea"/>
+              <a:cs typeface="LM Sans 12"/>
+            </a:endParaRPr>
+          </a:p>
+        </p:txBody>
+      </p:sp>
+      <p:sp>
+        <p:nvSpPr>
+          <p:cNvPr id="22" name="object 4">
+            <a:extLst>
+              <a:ext uri="{FF2B5EF4-FFF2-40B4-BE49-F238E27FC236}">
+                <a16:creationId xmlns:a16="http://schemas.microsoft.com/office/drawing/2014/main" id="{2182D893-F5D4-40F8-B6F6-E41539AB1FA2}"/>
+              </a:ext>
+            </a:extLst>
+          </p:cNvPr>
+          <p:cNvSpPr txBox="1"/>
+          <p:nvPr/>
+        </p:nvSpPr>
+        <p:spPr>
+          <a:xfrm>
+            <a:off x="-687650" y="991175"/>
+            <a:ext cx="4288100" cy="282000"/>
+          </a:xfrm>
+          <a:prstGeom prst="rect">
+            <a:avLst/>
+          </a:prstGeom>
+        </p:spPr>
+        <p:txBody>
+          <a:bodyPr vert="horz" wrap="square" lIns="0" tIns="6985" rIns="0" bIns="0" rtlCol="0">
+            <a:spAutoFit/>
+          </a:bodyPr>
+          <a:lstStyle/>
+          <a:p>
+            <a:pPr marL="12700" marR="5080" lvl="0" indent="0" algn="r" defTabSz="914400" rtl="0" eaLnBrk="1" fontAlgn="auto" latinLnBrk="0" hangingPunct="1">
+              <a:lnSpc>
+                <a:spcPct val="102600"/>
+              </a:lnSpc>
+              <a:spcBef>
+                <a:spcPts val="55"/>
+              </a:spcBef>
+              <a:spcAft>
+                <a:spcPts val="0"/>
+              </a:spcAft>
+              <a:buClrTx/>
+              <a:buSzTx/>
+              <a:buFontTx/>
+              <a:buNone/>
+              <a:tabLst/>
+              <a:defRPr/>
+            </a:pPr>
+            <a:r>
+              <a:rPr kumimoji="0" lang="en-GB" b="0" i="0" u="none" strike="noStrike" kern="1200" cap="none" spc="0" normalizeH="0" baseline="0" noProof="0" dirty="0">
+                <a:ln>
+                  <a:noFill/>
+                </a:ln>
+                <a:solidFill>
+                  <a:prstClr val="black"/>
+                </a:solidFill>
+                <a:effectLst/>
+                <a:uLnTx/>
+                <a:uFillTx/>
+                <a:latin typeface="Calibri"/>
+                <a:ea typeface="+mn-ea"/>
+              </a:rPr>
+              <a:t>Blog Post, Code, Videos, Paper:</a:t>
+            </a:r>
+            <a:endParaRPr kumimoji="0" lang="en-GB" b="0" i="0" u="none" strike="noStrike" kern="1200" cap="none" spc="-10" normalizeH="0" baseline="0" noProof="0" dirty="0">
+              <a:ln>
+                <a:noFill/>
+              </a:ln>
+              <a:solidFill>
+                <a:prstClr val="black"/>
+              </a:solidFill>
+              <a:effectLst/>
+              <a:uLnTx/>
+              <a:uFillTx/>
+              <a:latin typeface="LM Sans 10"/>
+              <a:ea typeface="+mn-ea"/>
+              <a:cs typeface="LM Sans 10"/>
+            </a:endParaRPr>
+          </a:p>
+        </p:txBody>
+      </p:sp>
+    </p:spTree>
+    <p:extLst>
+      <p:ext uri="{BB962C8B-B14F-4D97-AF65-F5344CB8AC3E}">
+        <p14:creationId xmlns:p14="http://schemas.microsoft.com/office/powerpoint/2010/main" val="3826138415"/>
+      </p:ext>
+    </p:extLst>
+  </p:cSld>
+  <p:clrMapOvr>
+    <a:masterClrMapping/>
+  </p:clrMapOvr>
+  <p:transition>
+    <p:cut/>
+  </p:transition>
+</p:sld>
+</file>
+
 <file path=ppt/slides/slide3.xml><?xml version="1.0" encoding="utf-8"?>
 <p:sld xmlns:a="http://schemas.openxmlformats.org/drawingml/2006/main" xmlns:r="http://schemas.openxmlformats.org/officeDocument/2006/relationships" xmlns:p="http://schemas.openxmlformats.org/presentationml/2006/main">
   <p:cSld>
@@ -15132,6 +19465,111 @@
           </a:prstGeom>
         </p:spPr>
       </p:pic>
+      <p:sp>
+        <p:nvSpPr>
+          <p:cNvPr id="25" name="object 4">
+            <a:extLst>
+              <a:ext uri="{FF2B5EF4-FFF2-40B4-BE49-F238E27FC236}">
+                <a16:creationId xmlns:a16="http://schemas.microsoft.com/office/drawing/2014/main" id="{ECDBB5ED-3365-423C-AF0F-F237C05F3534}"/>
+              </a:ext>
+            </a:extLst>
+          </p:cNvPr>
+          <p:cNvSpPr txBox="1"/>
+          <p:nvPr/>
+        </p:nvSpPr>
+        <p:spPr>
+          <a:xfrm>
+            <a:off x="29500" y="3123882"/>
+            <a:ext cx="4288100" cy="99386"/>
+          </a:xfrm>
+          <a:prstGeom prst="rect">
+            <a:avLst/>
+          </a:prstGeom>
+        </p:spPr>
+        <p:txBody>
+          <a:bodyPr vert="horz" wrap="square" lIns="0" tIns="6985" rIns="0" bIns="0" rtlCol="0">
+            <a:spAutoFit/>
+          </a:bodyPr>
+          <a:lstStyle/>
+          <a:p>
+            <a:pPr algn="l"/>
+            <a:r>
+              <a:rPr lang="en-GB" sz="600" b="0" i="0" u="none" strike="noStrike" baseline="0" dirty="0">
+                <a:latin typeface="Times New Roman" panose="02020603050405020304" pitchFamily="18" charset="0"/>
+                <a:cs typeface="Times New Roman" panose="02020603050405020304" pitchFamily="18" charset="0"/>
+              </a:rPr>
+              <a:t>Lucian </a:t>
+            </a:r>
+            <a:r>
+              <a:rPr lang="en-GB" sz="600" b="0" i="0" u="none" strike="noStrike" baseline="0" dirty="0" err="1">
+                <a:latin typeface="Times New Roman" panose="02020603050405020304" pitchFamily="18" charset="0"/>
+                <a:cs typeface="Times New Roman" panose="02020603050405020304" pitchFamily="18" charset="0"/>
+              </a:rPr>
+              <a:t>Bus¸oniu</a:t>
+            </a:r>
+            <a:r>
+              <a:rPr lang="en-GB" sz="600" b="0" i="0" u="none" strike="noStrike" baseline="0" dirty="0">
+                <a:latin typeface="Times New Roman" panose="02020603050405020304" pitchFamily="18" charset="0"/>
+                <a:cs typeface="Times New Roman" panose="02020603050405020304" pitchFamily="18" charset="0"/>
+              </a:rPr>
+              <a:t>, Robert </a:t>
+            </a:r>
+            <a:r>
+              <a:rPr lang="en-GB" sz="600" b="0" i="0" u="none" strike="noStrike" baseline="0" dirty="0" err="1">
+                <a:latin typeface="Times New Roman" panose="02020603050405020304" pitchFamily="18" charset="0"/>
+                <a:cs typeface="Times New Roman" panose="02020603050405020304" pitchFamily="18" charset="0"/>
+              </a:rPr>
+              <a:t>Babuˇska</a:t>
+            </a:r>
+            <a:r>
+              <a:rPr lang="en-GB" sz="600" b="0" i="0" u="none" strike="noStrike" baseline="0" dirty="0">
+                <a:latin typeface="Times New Roman" panose="02020603050405020304" pitchFamily="18" charset="0"/>
+                <a:cs typeface="Times New Roman" panose="02020603050405020304" pitchFamily="18" charset="0"/>
+              </a:rPr>
+              <a:t>, and Bart De </a:t>
+            </a:r>
+            <a:r>
+              <a:rPr lang="en-GB" sz="600" b="0" i="0" u="none" strike="noStrike" baseline="0" dirty="0" err="1">
+                <a:latin typeface="Times New Roman" panose="02020603050405020304" pitchFamily="18" charset="0"/>
+                <a:cs typeface="Times New Roman" panose="02020603050405020304" pitchFamily="18" charset="0"/>
+              </a:rPr>
+              <a:t>Schutter</a:t>
+            </a:r>
+            <a:r>
+              <a:rPr lang="en-GB" sz="600" b="0" i="0" u="none" strike="noStrike" baseline="0" dirty="0">
+                <a:latin typeface="Times New Roman" panose="02020603050405020304" pitchFamily="18" charset="0"/>
+                <a:cs typeface="Times New Roman" panose="02020603050405020304" pitchFamily="18" charset="0"/>
+              </a:rPr>
+              <a:t>. Multi-agent reinforcement</a:t>
+            </a:r>
+            <a:r>
+              <a:rPr lang="en-US" sz="600" dirty="0">
+                <a:latin typeface="Times New Roman" panose="02020603050405020304" pitchFamily="18" charset="0"/>
+                <a:cs typeface="Times New Roman" panose="02020603050405020304" pitchFamily="18" charset="0"/>
+              </a:rPr>
+              <a:t> l</a:t>
+            </a:r>
+            <a:r>
+              <a:rPr lang="en-US" sz="600" b="0" i="0" u="none" strike="noStrike" baseline="0" dirty="0">
+                <a:latin typeface="Times New Roman" panose="02020603050405020304" pitchFamily="18" charset="0"/>
+                <a:cs typeface="Times New Roman" panose="02020603050405020304" pitchFamily="18" charset="0"/>
+              </a:rPr>
+              <a:t>earning: An overview.</a:t>
+            </a:r>
+            <a:r>
+              <a:rPr lang="en-GB" sz="600" b="0" i="0" u="none" strike="noStrike" baseline="0" dirty="0">
+                <a:latin typeface="Times New Roman" panose="02020603050405020304" pitchFamily="18" charset="0"/>
+                <a:cs typeface="Times New Roman" panose="02020603050405020304" pitchFamily="18" charset="0"/>
+              </a:rPr>
+              <a:t>. 2010.</a:t>
+            </a:r>
+            <a:endParaRPr lang="en-GB" sz="600" spc="-10" dirty="0">
+              <a:latin typeface="Times New Roman" panose="02020603050405020304" pitchFamily="18" charset="0"/>
+              <a:cs typeface="Times New Roman" panose="02020603050405020304" pitchFamily="18" charset="0"/>
+            </a:endParaRPr>
+          </a:p>
+        </p:txBody>
+      </p:sp>
     </p:spTree>
     <p:extLst>
       <p:ext uri="{BB962C8B-B14F-4D97-AF65-F5344CB8AC3E}">
